--- a/powerpoint/Nouveau Microsoft PowerPoint Presentation.pptx
+++ b/powerpoint/Nouveau Microsoft PowerPoint Presentation.pptx
@@ -21148,6 +21148,50 @@
           </a:p>
         </p:txBody>
       </p:sp>
+      <p:sp>
+        <p:nvSpPr>
+          <p:cNvPr id="36" name="&quot;No&quot; Symbol 35"/>
+          <p:cNvSpPr/>
+          <p:nvPr/>
+        </p:nvSpPr>
+        <p:spPr>
+          <a:xfrm>
+            <a:off x="38100" y="38100"/>
+            <a:ext cx="533400" cy="533400"/>
+          </a:xfrm>
+          <a:prstGeom prst="noSmoking">
+            <a:avLst/>
+          </a:prstGeom>
+        </p:spPr>
+        <p:style>
+          <a:lnRef idx="2">
+            <a:schemeClr val="accent1">
+              <a:shade val="50000"/>
+            </a:schemeClr>
+          </a:lnRef>
+          <a:fillRef idx="1">
+            <a:schemeClr val="accent1"/>
+          </a:fillRef>
+          <a:effectRef idx="0">
+            <a:schemeClr val="accent1"/>
+          </a:effectRef>
+          <a:fontRef idx="minor">
+            <a:schemeClr val="lt1"/>
+          </a:fontRef>
+        </p:style>
+        <p:txBody>
+          <a:bodyPr rtlCol="0" anchor="ctr"/>
+          <a:lstStyle/>
+          <a:p>
+            <a:pPr algn="ctr"/>
+            <a:endParaRPr lang="en-US">
+              <a:solidFill>
+                <a:schemeClr val="tx1"/>
+              </a:solidFill>
+            </a:endParaRPr>
+          </a:p>
+        </p:txBody>
+      </p:sp>
     </p:spTree>
     <p:extLst>
       <p:ext uri="{BB962C8B-B14F-4D97-AF65-F5344CB8AC3E}">
@@ -21736,6 +21780,50 @@
               <a:buChar char="•"/>
             </a:pPr>
             <a:endParaRPr lang="fr-FR" dirty="0"/>
+          </a:p>
+        </p:txBody>
+      </p:sp>
+      <p:sp>
+        <p:nvSpPr>
+          <p:cNvPr id="5" name="&quot;No&quot; Symbol 4"/>
+          <p:cNvSpPr/>
+          <p:nvPr/>
+        </p:nvSpPr>
+        <p:spPr>
+          <a:xfrm>
+            <a:off x="38100" y="38100"/>
+            <a:ext cx="533400" cy="533400"/>
+          </a:xfrm>
+          <a:prstGeom prst="noSmoking">
+            <a:avLst/>
+          </a:prstGeom>
+        </p:spPr>
+        <p:style>
+          <a:lnRef idx="2">
+            <a:schemeClr val="accent1">
+              <a:shade val="50000"/>
+            </a:schemeClr>
+          </a:lnRef>
+          <a:fillRef idx="1">
+            <a:schemeClr val="accent1"/>
+          </a:fillRef>
+          <a:effectRef idx="0">
+            <a:schemeClr val="accent1"/>
+          </a:effectRef>
+          <a:fontRef idx="minor">
+            <a:schemeClr val="lt1"/>
+          </a:fontRef>
+        </p:style>
+        <p:txBody>
+          <a:bodyPr rtlCol="0" anchor="ctr"/>
+          <a:lstStyle/>
+          <a:p>
+            <a:pPr algn="ctr"/>
+            <a:endParaRPr lang="en-US">
+              <a:solidFill>
+                <a:schemeClr val="tx1"/>
+              </a:solidFill>
+            </a:endParaRPr>
           </a:p>
         </p:txBody>
       </p:sp>

--- a/powerpoint/Nouveau Microsoft PowerPoint Presentation.pptx
+++ b/powerpoint/Nouveau Microsoft PowerPoint Presentation.pptx
@@ -5,7 +5,7 @@
     <p:sldMasterId id="2147483696" r:id="rId1"/>
   </p:sldMasterIdLst>
   <p:notesMasterIdLst>
-    <p:notesMasterId r:id="rId60"/>
+    <p:notesMasterId r:id="rId59"/>
   </p:notesMasterIdLst>
   <p:sldIdLst>
     <p:sldId id="256" r:id="rId2"/>
@@ -47,25 +47,24 @@
     <p:sldId id="320" r:id="rId38"/>
     <p:sldId id="327" r:id="rId39"/>
     <p:sldId id="324" r:id="rId40"/>
-    <p:sldId id="314" r:id="rId41"/>
-    <p:sldId id="275" r:id="rId42"/>
-    <p:sldId id="276" r:id="rId43"/>
-    <p:sldId id="315" r:id="rId44"/>
+    <p:sldId id="317" r:id="rId41"/>
+    <p:sldId id="314" r:id="rId42"/>
+    <p:sldId id="275" r:id="rId43"/>
+    <p:sldId id="335" r:id="rId44"/>
     <p:sldId id="319" r:id="rId45"/>
     <p:sldId id="323" r:id="rId46"/>
-    <p:sldId id="325" r:id="rId47"/>
-    <p:sldId id="280" r:id="rId48"/>
-    <p:sldId id="304" r:id="rId49"/>
-    <p:sldId id="308" r:id="rId50"/>
-    <p:sldId id="303" r:id="rId51"/>
-    <p:sldId id="309" r:id="rId52"/>
-    <p:sldId id="326" r:id="rId53"/>
-    <p:sldId id="258" r:id="rId54"/>
-    <p:sldId id="317" r:id="rId55"/>
-    <p:sldId id="302" r:id="rId56"/>
-    <p:sldId id="266" r:id="rId57"/>
-    <p:sldId id="279" r:id="rId58"/>
-    <p:sldId id="257" r:id="rId59"/>
+    <p:sldId id="280" r:id="rId47"/>
+    <p:sldId id="304" r:id="rId48"/>
+    <p:sldId id="308" r:id="rId49"/>
+    <p:sldId id="303" r:id="rId50"/>
+    <p:sldId id="309" r:id="rId51"/>
+    <p:sldId id="326" r:id="rId52"/>
+    <p:sldId id="258" r:id="rId53"/>
+    <p:sldId id="334" r:id="rId54"/>
+    <p:sldId id="302" r:id="rId55"/>
+    <p:sldId id="266" r:id="rId56"/>
+    <p:sldId id="279" r:id="rId57"/>
+    <p:sldId id="257" r:id="rId58"/>
   </p:sldIdLst>
   <p:sldSz cx="9144000" cy="6858000" type="screen4x3"/>
   <p:notesSz cx="6858000" cy="9144000"/>
@@ -249,7 +248,7 @@
           <a:p>
             <a:fld id="{0A23E9A5-7003-4817-8BBF-D8BCD40FC459}" type="datetimeFigureOut">
               <a:rPr lang="fr-FR" smtClean="0"/>
-              <a:t>01/06/2012</a:t>
+              <a:t>05/06/2012</a:t>
             </a:fld>
             <a:endParaRPr lang="fr-FR"/>
           </a:p>
@@ -698,7 +697,7 @@
           <a:p>
             <a:fld id="{9522DF14-0628-4A86-A5CE-6B95EFECFD25}" type="datetime1">
               <a:rPr lang="en-US" smtClean="0"/>
-              <a:t>6/1/2012</a:t>
+              <a:t>6/5/2012</a:t>
             </a:fld>
             <a:endParaRPr lang="en-US"/>
           </a:p>
@@ -869,7 +868,7 @@
           <a:p>
             <a:fld id="{CDE2D9A2-AF6E-4DAB-989B-6D9B52416C23}" type="datetime1">
               <a:rPr lang="en-US" smtClean="0"/>
-              <a:t>6/1/2012</a:t>
+              <a:t>6/5/2012</a:t>
             </a:fld>
             <a:endParaRPr lang="en-US"/>
           </a:p>
@@ -1050,7 +1049,7 @@
           <a:p>
             <a:fld id="{CC3965E5-673B-4FFD-AB88-BBB1FDCD983E}" type="datetime1">
               <a:rPr lang="en-US" smtClean="0"/>
-              <a:t>6/1/2012</a:t>
+              <a:t>6/5/2012</a:t>
             </a:fld>
             <a:endParaRPr lang="en-US"/>
           </a:p>
@@ -1221,7 +1220,7 @@
           <a:p>
             <a:fld id="{B3531280-0343-4373-993B-0FE67C06EE52}" type="datetime1">
               <a:rPr lang="en-US" smtClean="0"/>
-              <a:t>6/1/2012</a:t>
+              <a:t>6/5/2012</a:t>
             </a:fld>
             <a:endParaRPr lang="en-US"/>
           </a:p>
@@ -1468,7 +1467,7 @@
           <a:p>
             <a:fld id="{28D8FFB2-8AD5-42FE-8148-4A20338B91F4}" type="datetime1">
               <a:rPr lang="en-US" smtClean="0"/>
-              <a:t>6/1/2012</a:t>
+              <a:t>6/5/2012</a:t>
             </a:fld>
             <a:endParaRPr lang="en-US"/>
           </a:p>
@@ -1757,7 +1756,7 @@
           <a:p>
             <a:fld id="{61FA3C28-E151-4970-A790-0534BF1C8915}" type="datetime1">
               <a:rPr lang="en-US" smtClean="0"/>
-              <a:t>6/1/2012</a:t>
+              <a:t>6/5/2012</a:t>
             </a:fld>
             <a:endParaRPr lang="en-US"/>
           </a:p>
@@ -2180,7 +2179,7 @@
           <a:p>
             <a:fld id="{21869BE7-4110-48A3-A482-19353AE7B151}" type="datetime1">
               <a:rPr lang="en-US" smtClean="0"/>
-              <a:t>6/1/2012</a:t>
+              <a:t>6/5/2012</a:t>
             </a:fld>
             <a:endParaRPr lang="en-US"/>
           </a:p>
@@ -2299,7 +2298,7 @@
           <a:p>
             <a:fld id="{A5A77F62-E36B-4A4E-82CF-7BC4ABAA2229}" type="datetime1">
               <a:rPr lang="en-US" smtClean="0"/>
-              <a:t>6/1/2012</a:t>
+              <a:t>6/5/2012</a:t>
             </a:fld>
             <a:endParaRPr lang="en-US"/>
           </a:p>
@@ -2395,7 +2394,7 @@
           <a:p>
             <a:fld id="{2CDFB1E7-DF50-4DF9-9D73-6720170C3A4C}" type="datetime1">
               <a:rPr lang="en-US" smtClean="0"/>
-              <a:t>6/1/2012</a:t>
+              <a:t>6/5/2012</a:t>
             </a:fld>
             <a:endParaRPr lang="en-US"/>
           </a:p>
@@ -2673,7 +2672,7 @@
           <a:p>
             <a:fld id="{BD5E68A5-0FBC-4767-8926-B5EBC4B69209}" type="datetime1">
               <a:rPr lang="en-US" smtClean="0"/>
-              <a:t>6/1/2012</a:t>
+              <a:t>6/5/2012</a:t>
             </a:fld>
             <a:endParaRPr lang="en-US"/>
           </a:p>
@@ -2927,7 +2926,7 @@
           <a:p>
             <a:fld id="{C0573DB2-9D50-49FB-B33E-5FB2801ECCA3}" type="datetime1">
               <a:rPr lang="en-US" smtClean="0"/>
-              <a:t>6/1/2012</a:t>
+              <a:t>6/5/2012</a:t>
             </a:fld>
             <a:endParaRPr lang="en-US"/>
           </a:p>
@@ -3141,7 +3140,7 @@
           <a:p>
             <a:fld id="{9B148B48-1AB3-46A0-B933-78AA4E97B26C}" type="datetime1">
               <a:rPr lang="en-US" smtClean="0"/>
-              <a:t>6/1/2012</a:t>
+              <a:t>6/5/2012</a:t>
             </a:fld>
             <a:endParaRPr lang="en-US"/>
           </a:p>
@@ -12016,10 +12015,6 @@
               <a:rPr lang="fr-FR" dirty="0" smtClean="0"/>
               <a:t> 4</a:t>
             </a:r>
-            <a:r>
-              <a:rPr lang="fr-FR" dirty="0" smtClean="0"/>
-              <a:t/>
-            </a:r>
             <a:br>
               <a:rPr lang="fr-FR" dirty="0" smtClean="0"/>
             </a:br>
@@ -13753,7 +13748,6 @@
               <a:rPr lang="fr-FR" b="1" dirty="0" smtClean="0"/>
               <a:t>5</a:t>
             </a:r>
-            <a:endParaRPr lang="fr-FR" b="1" dirty="0" smtClean="0"/>
           </a:p>
           <a:p>
             <a:endParaRPr lang="en-US" dirty="0"/>
@@ -14507,51 +14501,23 @@
             <p:ph type="title"/>
           </p:nvPr>
         </p:nvSpPr>
-        <p:spPr/>
-        <p:txBody>
-          <a:bodyPr>
-            <a:normAutofit fontScale="90000"/>
-          </a:bodyPr>
-          <a:lstStyle/>
-          <a:p>
-            <a:r>
-              <a:rPr lang="fr-FR" dirty="0" err="1" smtClean="0"/>
-              <a:t>Workflows</a:t>
-            </a:r>
-            <a:r>
-              <a:rPr lang="fr-FR" dirty="0" smtClean="0"/>
-              <a:t> : </a:t>
-            </a:r>
-            <a:r>
-              <a:rPr lang="fr-FR" dirty="0" err="1" smtClean="0"/>
-              <a:t>using</a:t>
-            </a:r>
-            <a:r>
-              <a:rPr lang="fr-FR" dirty="0" smtClean="0"/>
-              <a:t> </a:t>
-            </a:r>
-            <a:r>
-              <a:rPr lang="fr-FR" dirty="0" err="1" smtClean="0"/>
-              <a:t>repositories</a:t>
-            </a:r>
-            <a:r>
-              <a:rPr lang="fr-FR" dirty="0" smtClean="0"/>
-              <a:t/>
-            </a:r>
-            <a:br>
-              <a:rPr lang="fr-FR" dirty="0" smtClean="0"/>
-            </a:br>
-            <a:r>
-              <a:rPr lang="fr-FR" dirty="0" smtClean="0"/>
-              <a:t>(SVN-</a:t>
-            </a:r>
-            <a:r>
-              <a:rPr lang="fr-FR" dirty="0" err="1" smtClean="0"/>
-              <a:t>like</a:t>
-            </a:r>
-            <a:r>
-              <a:rPr lang="fr-FR" dirty="0" smtClean="0"/>
-              <a:t>)</a:t>
+        <p:spPr>
+          <a:xfrm>
+            <a:off x="457200" y="0"/>
+            <a:ext cx="8229600" cy="1143000"/>
+          </a:xfrm>
+        </p:spPr>
+        <p:txBody>
+          <a:bodyPr/>
+          <a:lstStyle/>
+          <a:p>
+            <a:r>
+              <a:rPr lang="fr-FR" dirty="0" smtClean="0"/>
+              <a:t>Repo </a:t>
+            </a:r>
+            <a:r>
+              <a:rPr lang="fr-FR" dirty="0" err="1" smtClean="0"/>
+              <a:t>examples</a:t>
             </a:r>
             <a:endParaRPr lang="fr-FR" dirty="0"/>
           </a:p>
@@ -14559,7 +14525,7 @@
       </p:sp>
       <p:pic>
         <p:nvPicPr>
-          <p:cNvPr id="4" name="Content Placeholder 3"/>
+          <p:cNvPr id="5" name="Content Placeholder 4"/>
           <p:cNvPicPr>
             <a:picLocks noGrp="1" noChangeAspect="1"/>
           </p:cNvPicPr>
@@ -14581,14 +14547,14 @@
         </p:blipFill>
         <p:spPr>
           <a:xfrm>
-            <a:off x="1524000" y="2362200"/>
-            <a:ext cx="6060907" cy="3052361"/>
+            <a:off x="609600" y="990600"/>
+            <a:ext cx="7924800" cy="5637590"/>
           </a:xfrm>
         </p:spPr>
       </p:pic>
       <p:sp>
         <p:nvSpPr>
-          <p:cNvPr id="3" name="Slide Number Placeholder 2"/>
+          <p:cNvPr id="4" name="Slide Number Placeholder 3"/>
           <p:cNvSpPr>
             <a:spLocks noGrp="1"/>
           </p:cNvSpPr>
@@ -14613,7 +14579,7 @@
     </p:spTree>
     <p:extLst>
       <p:ext uri="{BB962C8B-B14F-4D97-AF65-F5344CB8AC3E}">
-        <p14:creationId xmlns:p14="http://schemas.microsoft.com/office/powerpoint/2010/main" val="1767881256"/>
+        <p14:creationId xmlns:p14="http://schemas.microsoft.com/office/powerpoint/2010/main" val="3508321158"/>
       </p:ext>
     </p:extLst>
   </p:cSld>
@@ -14660,7 +14626,7 @@
         <p:spPr/>
         <p:txBody>
           <a:bodyPr>
-            <a:normAutofit/>
+            <a:normAutofit fontScale="90000"/>
           </a:bodyPr>
           <a:lstStyle/>
           <a:p>
@@ -14674,7 +14640,34 @@
             </a:r>
             <a:r>
               <a:rPr lang="fr-FR" dirty="0" err="1" smtClean="0"/>
-              <a:t>integrator</a:t>
+              <a:t>using</a:t>
+            </a:r>
+            <a:r>
+              <a:rPr lang="fr-FR" dirty="0" smtClean="0"/>
+              <a:t> </a:t>
+            </a:r>
+            <a:r>
+              <a:rPr lang="fr-FR" dirty="0" err="1" smtClean="0"/>
+              <a:t>repositories</a:t>
+            </a:r>
+            <a:r>
+              <a:rPr lang="fr-FR" dirty="0" smtClean="0"/>
+              <a:t/>
+            </a:r>
+            <a:br>
+              <a:rPr lang="fr-FR" dirty="0" smtClean="0"/>
+            </a:br>
+            <a:r>
+              <a:rPr lang="fr-FR" dirty="0" smtClean="0"/>
+              <a:t>(SVN-</a:t>
+            </a:r>
+            <a:r>
+              <a:rPr lang="fr-FR" dirty="0" err="1" smtClean="0"/>
+              <a:t>like</a:t>
+            </a:r>
+            <a:r>
+              <a:rPr lang="fr-FR" dirty="0" smtClean="0"/>
+              <a:t>)</a:t>
             </a:r>
             <a:endParaRPr lang="fr-FR" dirty="0"/>
           </a:p>
@@ -14682,7 +14675,7 @@
       </p:sp>
       <p:pic>
         <p:nvPicPr>
-          <p:cNvPr id="5" name="Content Placeholder 4"/>
+          <p:cNvPr id="4" name="Content Placeholder 3"/>
           <p:cNvPicPr>
             <a:picLocks noGrp="1" noChangeAspect="1"/>
           </p:cNvPicPr>
@@ -14704,8 +14697,8 @@
         </p:blipFill>
         <p:spPr>
           <a:xfrm>
-            <a:off x="457200" y="1905000"/>
-            <a:ext cx="8131565" cy="3276600"/>
+            <a:off x="1524000" y="2362200"/>
+            <a:ext cx="6060907" cy="3052361"/>
           </a:xfrm>
         </p:spPr>
       </p:pic>
@@ -14736,7 +14729,7 @@
     </p:spTree>
     <p:extLst>
       <p:ext uri="{BB962C8B-B14F-4D97-AF65-F5344CB8AC3E}">
-        <p14:creationId xmlns:p14="http://schemas.microsoft.com/office/powerpoint/2010/main" val="1783892330"/>
+        <p14:creationId xmlns:p14="http://schemas.microsoft.com/office/powerpoint/2010/main" val="1767881256"/>
       </p:ext>
     </p:extLst>
   </p:cSld>
@@ -14792,20 +14785,12 @@
               <a:t>Workflows</a:t>
             </a:r>
             <a:r>
-              <a:rPr lang="fr-FR" dirty="0"/>
-              <a:t> </a:t>
-            </a:r>
-            <a:r>
-              <a:rPr lang="fr-FR" dirty="0" smtClean="0"/>
-              <a:t>: lieutenants &amp; </a:t>
-            </a:r>
-            <a:r>
-              <a:rPr lang="fr-FR" dirty="0" err="1" smtClean="0"/>
-              <a:t>dictator</a:t>
-            </a:r>
-            <a:r>
-              <a:rPr lang="fr-FR" dirty="0" smtClean="0"/>
-              <a:t> </a:t>
+              <a:rPr lang="fr-FR" dirty="0" smtClean="0"/>
+              <a:t> : </a:t>
+            </a:r>
+            <a:r>
+              <a:rPr lang="fr-FR" dirty="0" err="1" smtClean="0"/>
+              <a:t>integrator</a:t>
             </a:r>
             <a:endParaRPr lang="fr-FR" dirty="0"/>
           </a:p>
@@ -14813,7 +14798,7 @@
       </p:sp>
       <p:pic>
         <p:nvPicPr>
-          <p:cNvPr id="7" name="Content Placeholder 6"/>
+          <p:cNvPr id="5" name="Content Placeholder 4"/>
           <p:cNvPicPr>
             <a:picLocks noGrp="1" noChangeAspect="1"/>
           </p:cNvPicPr>
@@ -14835,8 +14820,8 @@
         </p:blipFill>
         <p:spPr>
           <a:xfrm>
-            <a:off x="973498" y="1752600"/>
-            <a:ext cx="7100371" cy="3828135"/>
+            <a:off x="457200" y="1905000"/>
+            <a:ext cx="8131565" cy="3276600"/>
           </a:xfrm>
         </p:spPr>
       </p:pic>
@@ -14867,7 +14852,7 @@
     </p:spTree>
     <p:extLst>
       <p:ext uri="{BB962C8B-B14F-4D97-AF65-F5344CB8AC3E}">
-        <p14:creationId xmlns:p14="http://schemas.microsoft.com/office/powerpoint/2010/main" val="604852093"/>
+        <p14:creationId xmlns:p14="http://schemas.microsoft.com/office/powerpoint/2010/main" val="1783892330"/>
       </p:ext>
     </p:extLst>
   </p:cSld>
@@ -15018,40 +15003,683 @@
           </a:p>
         </p:txBody>
       </p:sp>
-      <p:pic>
-        <p:nvPicPr>
-          <p:cNvPr id="8" name="Picture 7"/>
-          <p:cNvPicPr>
-            <a:picLocks noChangeAspect="1"/>
-          </p:cNvPicPr>
+      <p:sp>
+        <p:nvSpPr>
+          <p:cNvPr id="5" name="Smiley Face 4"/>
+          <p:cNvSpPr/>
           <p:nvPr/>
-        </p:nvPicPr>
-        <p:blipFill>
-          <a:blip r:embed="rId2">
-            <a:extLst>
-              <a:ext uri="{28A0092B-C50C-407E-A947-70E740481C1C}">
-                <a14:useLocalDpi xmlns:a14="http://schemas.microsoft.com/office/drawing/2010/main" val="0"/>
-              </a:ext>
-            </a:extLst>
-          </a:blip>
-          <a:stretch>
-            <a:fillRect/>
-          </a:stretch>
-        </p:blipFill>
+        </p:nvSpPr>
         <p:spPr>
           <a:xfrm>
-            <a:off x="2044700" y="1600200"/>
-            <a:ext cx="6204611" cy="4648200"/>
+            <a:off x="685800" y="4267200"/>
+            <a:ext cx="990600" cy="914400"/>
+          </a:xfrm>
+          <a:prstGeom prst="smileyFace">
+            <a:avLst/>
+          </a:prstGeom>
+        </p:spPr>
+        <p:style>
+          <a:lnRef idx="2">
+            <a:schemeClr val="accent1">
+              <a:shade val="50000"/>
+            </a:schemeClr>
+          </a:lnRef>
+          <a:fillRef idx="1">
+            <a:schemeClr val="accent1"/>
+          </a:fillRef>
+          <a:effectRef idx="0">
+            <a:schemeClr val="accent1"/>
+          </a:effectRef>
+          <a:fontRef idx="minor">
+            <a:schemeClr val="lt1"/>
+          </a:fontRef>
+        </p:style>
+        <p:txBody>
+          <a:bodyPr rtlCol="0" anchor="ctr"/>
+          <a:lstStyle/>
+          <a:p>
+            <a:pPr algn="ctr"/>
+            <a:endParaRPr lang="en-US"/>
+          </a:p>
+        </p:txBody>
+      </p:sp>
+      <p:sp>
+        <p:nvSpPr>
+          <p:cNvPr id="7" name="Smiley Face 6"/>
+          <p:cNvSpPr/>
+          <p:nvPr/>
+        </p:nvSpPr>
+        <p:spPr>
+          <a:xfrm>
+            <a:off x="685800" y="2743200"/>
+            <a:ext cx="990600" cy="914400"/>
+          </a:xfrm>
+          <a:prstGeom prst="smileyFace">
+            <a:avLst/>
+          </a:prstGeom>
+        </p:spPr>
+        <p:style>
+          <a:lnRef idx="2">
+            <a:schemeClr val="accent1">
+              <a:shade val="50000"/>
+            </a:schemeClr>
+          </a:lnRef>
+          <a:fillRef idx="1">
+            <a:schemeClr val="accent1"/>
+          </a:fillRef>
+          <a:effectRef idx="0">
+            <a:schemeClr val="accent1"/>
+          </a:effectRef>
+          <a:fontRef idx="minor">
+            <a:schemeClr val="lt1"/>
+          </a:fontRef>
+        </p:style>
+        <p:txBody>
+          <a:bodyPr rtlCol="0" anchor="ctr"/>
+          <a:lstStyle/>
+          <a:p>
+            <a:pPr algn="ctr"/>
+            <a:endParaRPr lang="en-US"/>
+          </a:p>
+        </p:txBody>
+      </p:sp>
+      <p:sp>
+        <p:nvSpPr>
+          <p:cNvPr id="6" name="Can 5"/>
+          <p:cNvSpPr/>
+          <p:nvPr/>
+        </p:nvSpPr>
+        <p:spPr>
+          <a:xfrm>
+            <a:off x="3505200" y="4038600"/>
+            <a:ext cx="1524000" cy="1371600"/>
+          </a:xfrm>
+          <a:prstGeom prst="can">
+            <a:avLst/>
+          </a:prstGeom>
+        </p:spPr>
+        <p:style>
+          <a:lnRef idx="2">
+            <a:schemeClr val="accent6">
+              <a:shade val="50000"/>
+            </a:schemeClr>
+          </a:lnRef>
+          <a:fillRef idx="1">
+            <a:schemeClr val="accent6"/>
+          </a:fillRef>
+          <a:effectRef idx="0">
+            <a:schemeClr val="accent6"/>
+          </a:effectRef>
+          <a:fontRef idx="minor">
+            <a:schemeClr val="lt1"/>
+          </a:fontRef>
+        </p:style>
+        <p:txBody>
+          <a:bodyPr rtlCol="0" anchor="ctr"/>
+          <a:lstStyle/>
+          <a:p>
+            <a:pPr algn="ctr"/>
+            <a:r>
+              <a:rPr lang="fr-FR" dirty="0" smtClean="0">
+                <a:solidFill>
+                  <a:schemeClr val="tx1"/>
+                </a:solidFill>
+              </a:rPr>
+              <a:t>Test server </a:t>
+            </a:r>
+            <a:r>
+              <a:rPr lang="fr-FR" dirty="0" err="1" smtClean="0">
+                <a:solidFill>
+                  <a:schemeClr val="tx1"/>
+                </a:solidFill>
+              </a:rPr>
+              <a:t>repositories</a:t>
+            </a:r>
+            <a:endParaRPr lang="en-US" dirty="0">
+              <a:solidFill>
+                <a:schemeClr val="tx1"/>
+              </a:solidFill>
+            </a:endParaRPr>
+          </a:p>
+        </p:txBody>
+      </p:sp>
+      <p:sp>
+        <p:nvSpPr>
+          <p:cNvPr id="9" name="Can 8"/>
+          <p:cNvSpPr/>
+          <p:nvPr/>
+        </p:nvSpPr>
+        <p:spPr>
+          <a:xfrm>
+            <a:off x="3505200" y="2514600"/>
+            <a:ext cx="1524000" cy="1371600"/>
+          </a:xfrm>
+          <a:prstGeom prst="can">
+            <a:avLst/>
+          </a:prstGeom>
+        </p:spPr>
+        <p:style>
+          <a:lnRef idx="2">
+            <a:schemeClr val="accent3">
+              <a:shade val="50000"/>
+            </a:schemeClr>
+          </a:lnRef>
+          <a:fillRef idx="1">
+            <a:schemeClr val="accent3"/>
+          </a:fillRef>
+          <a:effectRef idx="0">
+            <a:schemeClr val="accent3"/>
+          </a:effectRef>
+          <a:fontRef idx="minor">
+            <a:schemeClr val="lt1"/>
+          </a:fontRef>
+        </p:style>
+        <p:txBody>
+          <a:bodyPr rtlCol="0" anchor="ctr"/>
+          <a:lstStyle/>
+          <a:p>
+            <a:pPr algn="ctr"/>
+            <a:r>
+              <a:rPr lang="fr-FR" dirty="0" smtClean="0">
+                <a:solidFill>
+                  <a:schemeClr val="tx1"/>
+                </a:solidFill>
+              </a:rPr>
+              <a:t>Reference server </a:t>
+            </a:r>
+            <a:r>
+              <a:rPr lang="fr-FR" dirty="0" err="1" smtClean="0">
+                <a:solidFill>
+                  <a:schemeClr val="tx1"/>
+                </a:solidFill>
+              </a:rPr>
+              <a:t>repositories</a:t>
+            </a:r>
+            <a:endParaRPr lang="en-US" dirty="0">
+              <a:solidFill>
+                <a:schemeClr val="tx1"/>
+              </a:solidFill>
+            </a:endParaRPr>
+          </a:p>
+        </p:txBody>
+      </p:sp>
+      <p:cxnSp>
+        <p:nvCxnSpPr>
+          <p:cNvPr id="13" name="Straight Arrow Connector 12"/>
+          <p:cNvCxnSpPr>
+            <a:stCxn id="5" idx="7"/>
+            <a:endCxn id="9" idx="2"/>
+          </p:cNvCxnSpPr>
+          <p:nvPr/>
+        </p:nvCxnSpPr>
+        <p:spPr>
+          <a:xfrm flipV="1">
+            <a:off x="1531330" y="3200400"/>
+            <a:ext cx="1973870" cy="1200711"/>
+          </a:xfrm>
+          <a:prstGeom prst="straightConnector1">
+            <a:avLst/>
+          </a:prstGeom>
+          <a:ln w="19050">
+            <a:solidFill>
+              <a:schemeClr val="tx1"/>
+            </a:solidFill>
+            <a:tailEnd type="arrow"/>
+          </a:ln>
+        </p:spPr>
+        <p:style>
+          <a:lnRef idx="1">
+            <a:schemeClr val="accent1"/>
+          </a:lnRef>
+          <a:fillRef idx="0">
+            <a:schemeClr val="accent1"/>
+          </a:fillRef>
+          <a:effectRef idx="0">
+            <a:schemeClr val="accent1"/>
+          </a:effectRef>
+          <a:fontRef idx="minor">
+            <a:schemeClr val="tx1"/>
+          </a:fontRef>
+        </p:style>
+      </p:cxnSp>
+      <p:sp>
+        <p:nvSpPr>
+          <p:cNvPr id="11" name="&quot;No&quot; Symbol 10"/>
+          <p:cNvSpPr/>
+          <p:nvPr/>
+        </p:nvSpPr>
+        <p:spPr>
+          <a:xfrm>
+            <a:off x="2743200" y="3397810"/>
+            <a:ext cx="381000" cy="381000"/>
+          </a:xfrm>
+          <a:prstGeom prst="noSmoking">
+            <a:avLst/>
+          </a:prstGeom>
+        </p:spPr>
+        <p:style>
+          <a:lnRef idx="2">
+            <a:schemeClr val="accent2">
+              <a:shade val="50000"/>
+            </a:schemeClr>
+          </a:lnRef>
+          <a:fillRef idx="1">
+            <a:schemeClr val="accent2"/>
+          </a:fillRef>
+          <a:effectRef idx="0">
+            <a:schemeClr val="accent2"/>
+          </a:effectRef>
+          <a:fontRef idx="minor">
+            <a:schemeClr val="lt1"/>
+          </a:fontRef>
+        </p:style>
+        <p:txBody>
+          <a:bodyPr rtlCol="0" anchor="ctr"/>
+          <a:lstStyle/>
+          <a:p>
+            <a:pPr algn="ctr"/>
+            <a:endParaRPr lang="en-US">
+              <a:solidFill>
+                <a:schemeClr val="tx1"/>
+              </a:solidFill>
+            </a:endParaRPr>
+          </a:p>
+        </p:txBody>
+      </p:sp>
+      <p:cxnSp>
+        <p:nvCxnSpPr>
+          <p:cNvPr id="14" name="Straight Arrow Connector 13"/>
+          <p:cNvCxnSpPr>
+            <a:stCxn id="5" idx="6"/>
+            <a:endCxn id="6" idx="2"/>
+          </p:cNvCxnSpPr>
+          <p:nvPr/>
+        </p:nvCxnSpPr>
+        <p:spPr>
+          <a:xfrm>
+            <a:off x="1676400" y="4724400"/>
+            <a:ext cx="1828800" cy="0"/>
+          </a:xfrm>
+          <a:prstGeom prst="straightConnector1">
+            <a:avLst/>
+          </a:prstGeom>
+          <a:ln w="19050">
+            <a:solidFill>
+              <a:schemeClr val="tx1"/>
+            </a:solidFill>
+            <a:tailEnd type="arrow"/>
+          </a:ln>
+        </p:spPr>
+        <p:style>
+          <a:lnRef idx="1">
+            <a:schemeClr val="accent1"/>
+          </a:lnRef>
+          <a:fillRef idx="0">
+            <a:schemeClr val="accent1"/>
+          </a:fillRef>
+          <a:effectRef idx="0">
+            <a:schemeClr val="accent1"/>
+          </a:effectRef>
+          <a:fontRef idx="minor">
+            <a:schemeClr val="tx1"/>
+          </a:fontRef>
+        </p:style>
+      </p:cxnSp>
+      <p:cxnSp>
+        <p:nvCxnSpPr>
+          <p:cNvPr id="20" name="Straight Arrow Connector 19"/>
+          <p:cNvCxnSpPr>
+            <a:stCxn id="9" idx="2"/>
+            <a:endCxn id="7" idx="6"/>
+          </p:cNvCxnSpPr>
+          <p:nvPr/>
+        </p:nvCxnSpPr>
+        <p:spPr>
+          <a:xfrm flipH="1">
+            <a:off x="1676400" y="3200400"/>
+            <a:ext cx="1828800" cy="0"/>
+          </a:xfrm>
+          <a:prstGeom prst="straightConnector1">
+            <a:avLst/>
+          </a:prstGeom>
+          <a:ln w="19050">
+            <a:solidFill>
+              <a:schemeClr val="tx1"/>
+            </a:solidFill>
+            <a:tailEnd type="arrow"/>
+          </a:ln>
+        </p:spPr>
+        <p:style>
+          <a:lnRef idx="1">
+            <a:schemeClr val="accent1"/>
+          </a:lnRef>
+          <a:fillRef idx="0">
+            <a:schemeClr val="accent1"/>
+          </a:fillRef>
+          <a:effectRef idx="0">
+            <a:schemeClr val="accent1"/>
+          </a:effectRef>
+          <a:fontRef idx="minor">
+            <a:schemeClr val="tx1"/>
+          </a:fontRef>
+        </p:style>
+      </p:cxnSp>
+      <p:sp>
+        <p:nvSpPr>
+          <p:cNvPr id="30" name="Can 29"/>
+          <p:cNvSpPr/>
+          <p:nvPr/>
+        </p:nvSpPr>
+        <p:spPr>
+          <a:xfrm>
+            <a:off x="6629400" y="3093010"/>
+            <a:ext cx="1524000" cy="1371600"/>
+          </a:xfrm>
+          <a:prstGeom prst="can">
+            <a:avLst/>
+          </a:prstGeom>
+        </p:spPr>
+        <p:style>
+          <a:lnRef idx="2">
+            <a:schemeClr val="accent2">
+              <a:shade val="50000"/>
+            </a:schemeClr>
+          </a:lnRef>
+          <a:fillRef idx="1">
+            <a:schemeClr val="accent2"/>
+          </a:fillRef>
+          <a:effectRef idx="0">
+            <a:schemeClr val="accent2"/>
+          </a:effectRef>
+          <a:fontRef idx="minor">
+            <a:schemeClr val="lt1"/>
+          </a:fontRef>
+        </p:style>
+        <p:txBody>
+          <a:bodyPr rtlCol="0" anchor="ctr"/>
+          <a:lstStyle/>
+          <a:p>
+            <a:pPr algn="ctr"/>
+            <a:r>
+              <a:rPr lang="fr-FR" dirty="0" smtClean="0">
+                <a:solidFill>
+                  <a:schemeClr val="tx1"/>
+                </a:solidFill>
+              </a:rPr>
+              <a:t>Jenkins, tests </a:t>
+            </a:r>
+            <a:r>
+              <a:rPr lang="fr-FR" dirty="0" err="1" smtClean="0">
+                <a:solidFill>
+                  <a:schemeClr val="tx1"/>
+                </a:solidFill>
+              </a:rPr>
+              <a:t>build</a:t>
+            </a:r>
+            <a:r>
+              <a:rPr lang="fr-FR" dirty="0" smtClean="0">
+                <a:solidFill>
+                  <a:schemeClr val="tx1"/>
+                </a:solidFill>
+              </a:rPr>
+              <a:t> …</a:t>
+            </a:r>
+            <a:endParaRPr lang="en-US" dirty="0">
+              <a:solidFill>
+                <a:schemeClr val="tx1"/>
+              </a:solidFill>
+            </a:endParaRPr>
+          </a:p>
+        </p:txBody>
+      </p:sp>
+      <p:cxnSp>
+        <p:nvCxnSpPr>
+          <p:cNvPr id="31" name="Straight Arrow Connector 30"/>
+          <p:cNvCxnSpPr>
+            <a:stCxn id="6" idx="4"/>
+            <a:endCxn id="30" idx="2"/>
+          </p:cNvCxnSpPr>
+          <p:nvPr/>
+        </p:nvCxnSpPr>
+        <p:spPr>
+          <a:xfrm flipV="1">
+            <a:off x="5029200" y="3778810"/>
+            <a:ext cx="1600200" cy="945590"/>
+          </a:xfrm>
+          <a:prstGeom prst="straightConnector1">
+            <a:avLst/>
+          </a:prstGeom>
+          <a:ln w="19050">
+            <a:solidFill>
+              <a:schemeClr val="tx1"/>
+            </a:solidFill>
+            <a:tailEnd type="arrow"/>
+          </a:ln>
+        </p:spPr>
+        <p:style>
+          <a:lnRef idx="1">
+            <a:schemeClr val="accent1"/>
+          </a:lnRef>
+          <a:fillRef idx="0">
+            <a:schemeClr val="accent1"/>
+          </a:fillRef>
+          <a:effectRef idx="0">
+            <a:schemeClr val="accent1"/>
+          </a:effectRef>
+          <a:fontRef idx="minor">
+            <a:schemeClr val="tx1"/>
+          </a:fontRef>
+        </p:style>
+      </p:cxnSp>
+      <p:cxnSp>
+        <p:nvCxnSpPr>
+          <p:cNvPr id="35" name="Straight Arrow Connector 34"/>
+          <p:cNvCxnSpPr>
+            <a:stCxn id="30" idx="2"/>
+            <a:endCxn id="9" idx="4"/>
+          </p:cNvCxnSpPr>
+          <p:nvPr/>
+        </p:nvCxnSpPr>
+        <p:spPr>
+          <a:xfrm flipH="1" flipV="1">
+            <a:off x="5029200" y="3200400"/>
+            <a:ext cx="1600200" cy="578410"/>
+          </a:xfrm>
+          <a:prstGeom prst="straightConnector1">
+            <a:avLst/>
+          </a:prstGeom>
+          <a:ln w="19050">
+            <a:solidFill>
+              <a:schemeClr val="tx1"/>
+            </a:solidFill>
+            <a:tailEnd type="arrow"/>
+          </a:ln>
+        </p:spPr>
+        <p:style>
+          <a:lnRef idx="1">
+            <a:schemeClr val="accent1"/>
+          </a:lnRef>
+          <a:fillRef idx="0">
+            <a:schemeClr val="accent1"/>
+          </a:fillRef>
+          <a:effectRef idx="0">
+            <a:schemeClr val="accent1"/>
+          </a:effectRef>
+          <a:fontRef idx="minor">
+            <a:schemeClr val="tx1"/>
+          </a:fontRef>
+        </p:style>
+      </p:cxnSp>
+      <p:sp>
+        <p:nvSpPr>
+          <p:cNvPr id="40" name="TextBox 39"/>
+          <p:cNvSpPr txBox="1"/>
+          <p:nvPr/>
+        </p:nvSpPr>
+        <p:spPr>
+          <a:xfrm>
+            <a:off x="5227478" y="2810155"/>
+            <a:ext cx="1401922" cy="400110"/>
           </a:xfrm>
           <a:prstGeom prst="rect">
             <a:avLst/>
           </a:prstGeom>
+          <a:noFill/>
         </p:spPr>
-      </p:pic>
+        <p:txBody>
+          <a:bodyPr wrap="none" rtlCol="0">
+            <a:spAutoFit/>
+          </a:bodyPr>
+          <a:lstStyle/>
+          <a:p>
+            <a:r>
+              <a:rPr lang="fr-FR" sz="2000" b="1" dirty="0" smtClean="0">
+                <a:solidFill>
+                  <a:schemeClr val="accent3">
+                    <a:lumMod val="50000"/>
+                  </a:schemeClr>
+                </a:solidFill>
+              </a:rPr>
+              <a:t>Test </a:t>
+            </a:r>
+            <a:r>
+              <a:rPr lang="fr-FR" sz="2000" b="1" dirty="0" err="1" smtClean="0">
+                <a:solidFill>
+                  <a:schemeClr val="accent3">
+                    <a:lumMod val="50000"/>
+                  </a:schemeClr>
+                </a:solidFill>
+              </a:rPr>
+              <a:t>passed</a:t>
+            </a:r>
+            <a:endParaRPr lang="en-US" sz="2000" b="1" dirty="0">
+              <a:solidFill>
+                <a:schemeClr val="accent3">
+                  <a:lumMod val="50000"/>
+                </a:schemeClr>
+              </a:solidFill>
+            </a:endParaRPr>
+          </a:p>
+        </p:txBody>
+      </p:sp>
+      <p:cxnSp>
+        <p:nvCxnSpPr>
+          <p:cNvPr id="41" name="Straight Arrow Connector 40"/>
+          <p:cNvCxnSpPr>
+            <a:stCxn id="30" idx="3"/>
+          </p:cNvCxnSpPr>
+          <p:nvPr/>
+        </p:nvCxnSpPr>
+        <p:spPr>
+          <a:xfrm>
+            <a:off x="7391400" y="4464610"/>
+            <a:ext cx="0" cy="945590"/>
+          </a:xfrm>
+          <a:prstGeom prst="straightConnector1">
+            <a:avLst/>
+          </a:prstGeom>
+          <a:ln w="19050">
+            <a:solidFill>
+              <a:schemeClr val="tx1"/>
+            </a:solidFill>
+            <a:tailEnd type="arrow"/>
+          </a:ln>
+        </p:spPr>
+        <p:style>
+          <a:lnRef idx="1">
+            <a:schemeClr val="accent1"/>
+          </a:lnRef>
+          <a:fillRef idx="0">
+            <a:schemeClr val="accent1"/>
+          </a:fillRef>
+          <a:effectRef idx="0">
+            <a:schemeClr val="accent1"/>
+          </a:effectRef>
+          <a:fontRef idx="minor">
+            <a:schemeClr val="tx1"/>
+          </a:fontRef>
+        </p:style>
+      </p:cxnSp>
+      <p:sp>
+        <p:nvSpPr>
+          <p:cNvPr id="45" name="TextBox 44"/>
+          <p:cNvSpPr txBox="1"/>
+          <p:nvPr/>
+        </p:nvSpPr>
+        <p:spPr>
+          <a:xfrm>
+            <a:off x="7452439" y="4724400"/>
+            <a:ext cx="1261564" cy="400110"/>
+          </a:xfrm>
+          <a:prstGeom prst="rect">
+            <a:avLst/>
+          </a:prstGeom>
+          <a:noFill/>
+        </p:spPr>
+        <p:txBody>
+          <a:bodyPr wrap="none" rtlCol="0">
+            <a:spAutoFit/>
+          </a:bodyPr>
+          <a:lstStyle/>
+          <a:p>
+            <a:r>
+              <a:rPr lang="fr-FR" sz="2000" b="1" dirty="0" smtClean="0">
+                <a:solidFill>
+                  <a:srgbClr val="C00000"/>
+                </a:solidFill>
+              </a:rPr>
+              <a:t>Test </a:t>
+            </a:r>
+            <a:r>
+              <a:rPr lang="fr-FR" sz="2000" b="1" dirty="0" err="1" smtClean="0">
+                <a:solidFill>
+                  <a:srgbClr val="C00000"/>
+                </a:solidFill>
+              </a:rPr>
+              <a:t>failed</a:t>
+            </a:r>
+            <a:endParaRPr lang="en-US" sz="2000" b="1" dirty="0">
+              <a:solidFill>
+                <a:srgbClr val="C00000"/>
+              </a:solidFill>
+            </a:endParaRPr>
+          </a:p>
+        </p:txBody>
+      </p:sp>
+      <p:sp>
+        <p:nvSpPr>
+          <p:cNvPr id="48" name="TextBox 47"/>
+          <p:cNvSpPr txBox="1"/>
+          <p:nvPr/>
+        </p:nvSpPr>
+        <p:spPr>
+          <a:xfrm>
+            <a:off x="6565212" y="5562600"/>
+            <a:ext cx="1652375" cy="461665"/>
+          </a:xfrm>
+          <a:prstGeom prst="rect">
+            <a:avLst/>
+          </a:prstGeom>
+          <a:noFill/>
+        </p:spPr>
+        <p:txBody>
+          <a:bodyPr wrap="none" rtlCol="0">
+            <a:spAutoFit/>
+          </a:bodyPr>
+          <a:lstStyle/>
+          <a:p>
+            <a:r>
+              <a:rPr lang="fr-FR" sz="2400" dirty="0" smtClean="0"/>
+              <a:t>Notification</a:t>
+            </a:r>
+            <a:endParaRPr lang="en-US" sz="2400" dirty="0"/>
+          </a:p>
+        </p:txBody>
+      </p:sp>
     </p:spTree>
     <p:extLst>
       <p:ext uri="{BB962C8B-B14F-4D97-AF65-F5344CB8AC3E}">
-        <p14:creationId xmlns:p14="http://schemas.microsoft.com/office/powerpoint/2010/main" val="850727640"/>
+        <p14:creationId xmlns:p14="http://schemas.microsoft.com/office/powerpoint/2010/main" val="945232045"/>
       </p:ext>
     </p:extLst>
   </p:cSld>
@@ -15722,26 +16350,24 @@
         </p:nvSpPr>
         <p:spPr/>
         <p:txBody>
-          <a:bodyPr>
-            <a:normAutofit/>
-          </a:bodyPr>
-          <a:lstStyle/>
-          <a:p>
-            <a:r>
-              <a:rPr lang="fr-FR" dirty="0" err="1" smtClean="0"/>
-              <a:t>Workflows</a:t>
-            </a:r>
-            <a:r>
-              <a:rPr lang="fr-FR" dirty="0" smtClean="0"/>
-              <a:t> : </a:t>
-            </a:r>
-            <a:r>
-              <a:rPr lang="fr-FR" baseline="0" dirty="0" smtClean="0"/>
-              <a:t> simple </a:t>
-            </a:r>
-            <a:r>
-              <a:rPr lang="fr-FR" baseline="0" dirty="0" err="1" smtClean="0"/>
-              <a:t>example</a:t>
+          <a:bodyPr/>
+          <a:lstStyle/>
+          <a:p>
+            <a:r>
+              <a:rPr lang="fr-FR" dirty="0" smtClean="0"/>
+              <a:t>More </a:t>
+            </a:r>
+            <a:r>
+              <a:rPr lang="fr-FR" dirty="0" err="1" smtClean="0"/>
+              <a:t>advanced</a:t>
+            </a:r>
+            <a:r>
+              <a:rPr lang="fr-FR" dirty="0" smtClean="0"/>
+              <a:t> </a:t>
+            </a:r>
+            <a:r>
+              <a:rPr lang="fr-FR" dirty="0" err="1" smtClean="0"/>
+              <a:t>stuff</a:t>
             </a:r>
             <a:endParaRPr lang="fr-FR" dirty="0"/>
           </a:p>
@@ -15749,7 +16375,115 @@
       </p:sp>
       <p:sp>
         <p:nvSpPr>
-          <p:cNvPr id="3" name="Slide Number Placeholder 2"/>
+          <p:cNvPr id="3" name="Content Placeholder 2"/>
+          <p:cNvSpPr>
+            <a:spLocks noGrp="1"/>
+          </p:cNvSpPr>
+          <p:nvPr>
+            <p:ph idx="1"/>
+          </p:nvPr>
+        </p:nvSpPr>
+        <p:spPr/>
+        <p:txBody>
+          <a:bodyPr/>
+          <a:lstStyle/>
+          <a:p>
+            <a:r>
+              <a:rPr lang="fr-FR" dirty="0" smtClean="0"/>
+              <a:t>Pull = </a:t>
+            </a:r>
+            <a:r>
+              <a:rPr lang="fr-FR" dirty="0" err="1" smtClean="0"/>
+              <a:t>fetch</a:t>
+            </a:r>
+            <a:r>
+              <a:rPr lang="fr-FR" dirty="0" smtClean="0"/>
+              <a:t> + </a:t>
+            </a:r>
+            <a:r>
+              <a:rPr lang="fr-FR" dirty="0" err="1" smtClean="0"/>
+              <a:t>automatical</a:t>
+            </a:r>
+            <a:r>
+              <a:rPr lang="fr-FR" dirty="0" smtClean="0"/>
+              <a:t> </a:t>
+            </a:r>
+            <a:r>
+              <a:rPr lang="fr-FR" dirty="0" err="1" smtClean="0"/>
+              <a:t>merge</a:t>
+            </a:r>
+            <a:endParaRPr lang="fr-FR" dirty="0" smtClean="0"/>
+          </a:p>
+          <a:p>
+            <a:r>
+              <a:rPr lang="fr-FR" dirty="0" smtClean="0"/>
+              <a:t>Reset and </a:t>
+            </a:r>
+            <a:r>
+              <a:rPr lang="fr-FR" dirty="0" err="1" smtClean="0"/>
+              <a:t>ammend</a:t>
+            </a:r>
+            <a:endParaRPr lang="fr-FR" dirty="0" smtClean="0"/>
+          </a:p>
+          <a:p>
+            <a:r>
+              <a:rPr lang="fr-FR" dirty="0" err="1" smtClean="0"/>
+              <a:t>Submodules</a:t>
+            </a:r>
+            <a:endParaRPr lang="fr-FR" dirty="0" smtClean="0"/>
+          </a:p>
+          <a:p>
+            <a:r>
+              <a:rPr lang="fr-FR" dirty="0" err="1" smtClean="0"/>
+              <a:t>Hooks</a:t>
+            </a:r>
+            <a:endParaRPr lang="fr-FR" dirty="0" smtClean="0"/>
+          </a:p>
+          <a:p>
+            <a:r>
+              <a:rPr lang="fr-FR" dirty="0" err="1" smtClean="0"/>
+              <a:t>Some</a:t>
+            </a:r>
+            <a:r>
+              <a:rPr lang="fr-FR" dirty="0" smtClean="0"/>
+              <a:t> notes about Hg</a:t>
+            </a:r>
+          </a:p>
+          <a:p>
+            <a:r>
+              <a:rPr lang="fr-FR" dirty="0" smtClean="0"/>
+              <a:t>Git </a:t>
+            </a:r>
+            <a:r>
+              <a:rPr lang="fr-FR" dirty="0" smtClean="0"/>
+              <a:t>clients</a:t>
+            </a:r>
+          </a:p>
+          <a:p>
+            <a:r>
+              <a:rPr lang="fr-FR" dirty="0" smtClean="0"/>
+              <a:t>Git server </a:t>
+            </a:r>
+            <a:r>
+              <a:rPr lang="fr-FR" dirty="0" err="1" smtClean="0"/>
+              <a:t>side</a:t>
+            </a:r>
+            <a:endParaRPr lang="fr-FR" dirty="0" smtClean="0"/>
+          </a:p>
+          <a:p>
+            <a:pPr marL="0" indent="0">
+              <a:buNone/>
+            </a:pPr>
+            <a:endParaRPr lang="fr-FR" baseline="0" dirty="0" smtClean="0"/>
+          </a:p>
+          <a:p>
+            <a:endParaRPr lang="fr-FR" dirty="0"/>
+          </a:p>
+        </p:txBody>
+      </p:sp>
+      <p:sp>
+        <p:nvSpPr>
+          <p:cNvPr id="4" name="Slide Number Placeholder 3"/>
           <p:cNvSpPr>
             <a:spLocks noGrp="1"/>
           </p:cNvSpPr>
@@ -15771,135 +16505,10 @@
           </a:p>
         </p:txBody>
       </p:sp>
-      <p:sp>
-        <p:nvSpPr>
-          <p:cNvPr id="5" name="Content Placeholder 4"/>
-          <p:cNvSpPr>
-            <a:spLocks noGrp="1"/>
-          </p:cNvSpPr>
-          <p:nvPr>
-            <p:ph idx="1"/>
-          </p:nvPr>
-        </p:nvSpPr>
-        <p:spPr/>
-        <p:txBody>
-          <a:bodyPr/>
-          <a:lstStyle/>
-          <a:p>
-            <a:r>
-              <a:rPr lang="fr-FR" dirty="0" smtClean="0"/>
-              <a:t>1 </a:t>
-            </a:r>
-            <a:r>
-              <a:rPr lang="fr-FR" dirty="0" err="1" smtClean="0"/>
-              <a:t>readable</a:t>
-            </a:r>
-            <a:r>
-              <a:rPr lang="fr-FR" dirty="0" smtClean="0"/>
-              <a:t> server</a:t>
-            </a:r>
-          </a:p>
-          <a:p>
-            <a:r>
-              <a:rPr lang="fr-FR" dirty="0" smtClean="0"/>
-              <a:t>1 </a:t>
-            </a:r>
-            <a:r>
-              <a:rPr lang="fr-FR" dirty="0" err="1" smtClean="0"/>
-              <a:t>test+build</a:t>
-            </a:r>
-            <a:r>
-              <a:rPr lang="fr-FR" dirty="0" smtClean="0"/>
-              <a:t> repo (</a:t>
-            </a:r>
-            <a:r>
-              <a:rPr lang="fr-FR" dirty="0" err="1" smtClean="0"/>
-              <a:t>before</a:t>
-            </a:r>
-            <a:r>
-              <a:rPr lang="fr-FR" dirty="0" smtClean="0"/>
-              <a:t> to </a:t>
-            </a:r>
-            <a:r>
-              <a:rPr lang="fr-FR" dirty="0" err="1" smtClean="0"/>
-              <a:t>publish</a:t>
-            </a:r>
-            <a:r>
-              <a:rPr lang="fr-FR" dirty="0" smtClean="0"/>
-              <a:t> on the </a:t>
-            </a:r>
-            <a:r>
-              <a:rPr lang="fr-FR" dirty="0" err="1" smtClean="0"/>
-              <a:t>readable</a:t>
-            </a:r>
-            <a:r>
-              <a:rPr lang="fr-FR" dirty="0" smtClean="0"/>
-              <a:t> one)</a:t>
-            </a:r>
-          </a:p>
-          <a:p>
-            <a:r>
-              <a:rPr lang="fr-FR" dirty="0" smtClean="0"/>
-              <a:t>1 </a:t>
-            </a:r>
-            <a:r>
-              <a:rPr lang="fr-FR" dirty="0" err="1" smtClean="0"/>
-              <a:t>private</a:t>
-            </a:r>
-            <a:r>
-              <a:rPr lang="fr-FR" dirty="0" smtClean="0"/>
-              <a:t> per </a:t>
-            </a:r>
-            <a:r>
-              <a:rPr lang="fr-FR" dirty="0" err="1" smtClean="0"/>
-              <a:t>developer</a:t>
-            </a:r>
-            <a:endParaRPr lang="fr-FR" dirty="0" smtClean="0"/>
-          </a:p>
-          <a:p>
-            <a:r>
-              <a:rPr lang="fr-FR" dirty="0" err="1" smtClean="0"/>
-              <a:t>Some</a:t>
-            </a:r>
-            <a:r>
-              <a:rPr lang="fr-FR" dirty="0" smtClean="0"/>
-              <a:t> public repos for </a:t>
-            </a:r>
-            <a:r>
-              <a:rPr lang="fr-FR" dirty="0" err="1" smtClean="0"/>
-              <a:t>research</a:t>
-            </a:r>
-            <a:r>
-              <a:rPr lang="fr-FR" dirty="0" smtClean="0"/>
-              <a:t> or </a:t>
-            </a:r>
-            <a:r>
-              <a:rPr lang="fr-FR" dirty="0" err="1" smtClean="0"/>
-              <a:t>big</a:t>
-            </a:r>
-            <a:r>
-              <a:rPr lang="fr-FR" dirty="0" smtClean="0"/>
-              <a:t> changes in the code, for a team, for a </a:t>
-            </a:r>
-            <a:r>
-              <a:rPr lang="fr-FR" dirty="0" err="1" smtClean="0"/>
-              <a:t>project</a:t>
-            </a:r>
-            <a:r>
-              <a:rPr lang="fr-FR" dirty="0" smtClean="0"/>
-              <a:t> …</a:t>
-            </a:r>
-          </a:p>
-          <a:p>
-            <a:pPr lvl="1"/>
-            <a:endParaRPr lang="en-US" dirty="0"/>
-          </a:p>
-        </p:txBody>
-      </p:sp>
     </p:spTree>
     <p:extLst>
       <p:ext uri="{BB962C8B-B14F-4D97-AF65-F5344CB8AC3E}">
-        <p14:creationId xmlns:p14="http://schemas.microsoft.com/office/powerpoint/2010/main" val="3443818590"/>
+        <p14:creationId xmlns:p14="http://schemas.microsoft.com/office/powerpoint/2010/main" val="2590797587"/>
       </p:ext>
     </p:extLst>
   </p:cSld>
@@ -15945,7 +16554,9 @@
         </p:nvSpPr>
         <p:spPr/>
         <p:txBody>
-          <a:bodyPr/>
+          <a:bodyPr>
+            <a:normAutofit fontScale="90000"/>
+          </a:bodyPr>
           <a:lstStyle/>
           <a:p>
             <a:r>
@@ -15964,7 +16575,34 @@
               <a:rPr lang="fr-FR" dirty="0" err="1" smtClean="0"/>
               <a:t>stuff</a:t>
             </a:r>
-            <a:endParaRPr lang="fr-FR" dirty="0"/>
+            <a:r>
+              <a:rPr lang="fr-FR" dirty="0" smtClean="0"/>
+              <a:t/>
+            </a:r>
+            <a:br>
+              <a:rPr lang="fr-FR" dirty="0" smtClean="0"/>
+            </a:br>
+            <a:r>
+              <a:rPr lang="fr-FR" sz="3600" dirty="0" smtClean="0"/>
+              <a:t>(pull != </a:t>
+            </a:r>
+            <a:r>
+              <a:rPr lang="fr-FR" sz="3600" dirty="0" err="1" smtClean="0"/>
+              <a:t>fetch</a:t>
+            </a:r>
+            <a:r>
+              <a:rPr lang="fr-FR" sz="3600" dirty="0" smtClean="0"/>
+              <a:t> + </a:t>
+            </a:r>
+            <a:r>
+              <a:rPr lang="fr-FR" sz="3600" dirty="0" err="1" smtClean="0"/>
+              <a:t>merge</a:t>
+            </a:r>
+            <a:r>
+              <a:rPr lang="fr-FR" sz="3600" dirty="0" smtClean="0"/>
+              <a:t>)</a:t>
+            </a:r>
+            <a:endParaRPr lang="fr-FR" sz="3600" dirty="0"/>
           </a:p>
         </p:txBody>
       </p:sp>
@@ -15984,8 +16622,102 @@
           <a:lstStyle/>
           <a:p>
             <a:r>
-              <a:rPr lang="fr-FR" dirty="0" smtClean="0"/>
-              <a:t>Pull = </a:t>
+              <a:rPr lang="fr-FR" dirty="0" err="1" smtClean="0"/>
+              <a:t>Fetch</a:t>
+            </a:r>
+            <a:r>
+              <a:rPr lang="fr-FR" dirty="0" smtClean="0"/>
+              <a:t> </a:t>
+            </a:r>
+            <a:r>
+              <a:rPr lang="fr-FR" dirty="0" err="1" smtClean="0"/>
+              <a:t>is</a:t>
+            </a:r>
+            <a:r>
+              <a:rPr lang="fr-FR" dirty="0" smtClean="0"/>
+              <a:t> a simple </a:t>
+            </a:r>
+            <a:r>
+              <a:rPr lang="fr-FR" dirty="0" err="1" smtClean="0"/>
+              <a:t>download</a:t>
+            </a:r>
+            <a:r>
+              <a:rPr lang="fr-FR" dirty="0" smtClean="0"/>
+              <a:t> of a </a:t>
+            </a:r>
+            <a:r>
+              <a:rPr lang="fr-FR" dirty="0" err="1" smtClean="0"/>
+              <a:t>remote</a:t>
+            </a:r>
+            <a:r>
+              <a:rPr lang="fr-FR" dirty="0" smtClean="0"/>
+              <a:t> state</a:t>
+            </a:r>
+            <a:br>
+              <a:rPr lang="fr-FR" dirty="0" smtClean="0"/>
+            </a:br>
+            <a:r>
+              <a:rPr lang="fr-FR" dirty="0" smtClean="0"/>
+              <a:t>IT DOES NOT CHANGE YOUR CODE</a:t>
+            </a:r>
+          </a:p>
+          <a:p>
+            <a:r>
+              <a:rPr lang="fr-FR" dirty="0" smtClean="0"/>
+              <a:t>Pull </a:t>
+            </a:r>
+            <a:r>
+              <a:rPr lang="fr-FR" dirty="0" err="1" smtClean="0"/>
+              <a:t>is</a:t>
+            </a:r>
+            <a:r>
+              <a:rPr lang="fr-FR" dirty="0" smtClean="0"/>
+              <a:t> </a:t>
+            </a:r>
+            <a:r>
+              <a:rPr lang="fr-FR" dirty="0" err="1" smtClean="0"/>
+              <a:t>merging</a:t>
+            </a:r>
+            <a:r>
+              <a:rPr lang="fr-FR" dirty="0" smtClean="0"/>
+              <a:t> </a:t>
+            </a:r>
+            <a:r>
+              <a:rPr lang="fr-FR" dirty="0" err="1" smtClean="0"/>
+              <a:t>automatically</a:t>
+            </a:r>
+            <a:r>
+              <a:rPr lang="fr-FR" dirty="0" smtClean="0"/>
+              <a:t> (</a:t>
+            </a:r>
+            <a:r>
+              <a:rPr lang="fr-FR" dirty="0" err="1" smtClean="0"/>
+              <a:t>like</a:t>
+            </a:r>
+            <a:r>
+              <a:rPr lang="fr-FR" dirty="0" smtClean="0"/>
+              <a:t> update </a:t>
+            </a:r>
+            <a:r>
+              <a:rPr lang="fr-FR" dirty="0" err="1" smtClean="0"/>
+              <a:t>with</a:t>
+            </a:r>
+            <a:r>
+              <a:rPr lang="fr-FR" dirty="0" smtClean="0"/>
+              <a:t> SVN)</a:t>
+            </a:r>
+          </a:p>
+          <a:p>
+            <a:endParaRPr lang="fr-FR" dirty="0"/>
+          </a:p>
+          <a:p>
+            <a:r>
+              <a:rPr lang="fr-FR" dirty="0" err="1" smtClean="0"/>
+              <a:t>Doing</a:t>
+            </a:r>
+            <a:r>
+              <a:rPr lang="fr-FR" dirty="0" smtClean="0"/>
+              <a:t> a </a:t>
             </a:r>
             <a:r>
               <a:rPr lang="fr-FR" dirty="0" err="1" smtClean="0"/>
@@ -15993,67 +16725,74 @@
             </a:r>
             <a:r>
               <a:rPr lang="fr-FR" dirty="0" smtClean="0"/>
-              <a:t> + </a:t>
-            </a:r>
-            <a:r>
-              <a:rPr lang="fr-FR" dirty="0" err="1" smtClean="0"/>
-              <a:t>automatical</a:t>
-            </a:r>
-            <a:r>
-              <a:rPr lang="fr-FR" dirty="0" smtClean="0"/>
-              <a:t> </a:t>
+              <a:t> and a </a:t>
             </a:r>
             <a:r>
               <a:rPr lang="fr-FR" dirty="0" err="1" smtClean="0"/>
               <a:t>merge</a:t>
             </a:r>
+            <a:r>
+              <a:rPr lang="fr-FR" dirty="0" smtClean="0"/>
+              <a:t> </a:t>
+            </a:r>
+            <a:r>
+              <a:rPr lang="fr-FR" dirty="0" err="1" smtClean="0"/>
+              <a:t>gives</a:t>
+            </a:r>
+            <a:r>
+              <a:rPr lang="fr-FR" dirty="0" smtClean="0"/>
+              <a:t> </a:t>
+            </a:r>
+            <a:r>
+              <a:rPr lang="fr-FR" dirty="0" err="1" smtClean="0"/>
+              <a:t>you</a:t>
+            </a:r>
+            <a:r>
+              <a:rPr lang="fr-FR" dirty="0" smtClean="0"/>
+              <a:t> the </a:t>
+            </a:r>
+            <a:r>
+              <a:rPr lang="fr-FR" dirty="0" err="1" smtClean="0"/>
+              <a:t>opportunity</a:t>
+            </a:r>
+            <a:r>
+              <a:rPr lang="fr-FR" dirty="0" smtClean="0"/>
+              <a:t> to </a:t>
+            </a:r>
+            <a:r>
+              <a:rPr lang="fr-FR" dirty="0" err="1" smtClean="0"/>
+              <a:t>inspect</a:t>
+            </a:r>
+            <a:r>
+              <a:rPr lang="fr-FR" dirty="0" smtClean="0"/>
+              <a:t> changes </a:t>
+            </a:r>
+            <a:r>
+              <a:rPr lang="fr-FR" dirty="0" err="1" smtClean="0"/>
+              <a:t>before</a:t>
+            </a:r>
+            <a:r>
+              <a:rPr lang="fr-FR" dirty="0" smtClean="0"/>
+              <a:t> to </a:t>
+            </a:r>
+            <a:r>
+              <a:rPr lang="fr-FR" dirty="0" err="1" smtClean="0"/>
+              <a:t>merge</a:t>
+            </a:r>
+            <a:r>
+              <a:rPr lang="fr-FR" dirty="0" smtClean="0"/>
+              <a:t> </a:t>
+            </a:r>
+            <a:r>
+              <a:rPr lang="fr-FR" dirty="0" err="1" smtClean="0"/>
+              <a:t>them</a:t>
+            </a:r>
             <a:endParaRPr lang="fr-FR" dirty="0" smtClean="0"/>
           </a:p>
           <a:p>
-            <a:r>
-              <a:rPr lang="fr-FR" dirty="0" smtClean="0"/>
-              <a:t>Reset and </a:t>
-            </a:r>
-            <a:r>
-              <a:rPr lang="fr-FR" dirty="0" err="1" smtClean="0"/>
-              <a:t>ammend</a:t>
-            </a:r>
             <a:endParaRPr lang="fr-FR" dirty="0" smtClean="0"/>
           </a:p>
           <a:p>
-            <a:r>
-              <a:rPr lang="fr-FR" dirty="0" err="1" smtClean="0"/>
-              <a:t>Submodules</a:t>
-            </a:r>
-            <a:endParaRPr lang="fr-FR" dirty="0" smtClean="0"/>
-          </a:p>
-          <a:p>
-            <a:r>
-              <a:rPr lang="fr-FR" dirty="0" err="1" smtClean="0"/>
-              <a:t>Hooks</a:t>
-            </a:r>
-            <a:endParaRPr lang="fr-FR" dirty="0" smtClean="0"/>
-          </a:p>
-          <a:p>
-            <a:r>
-              <a:rPr lang="fr-FR" dirty="0" err="1" smtClean="0"/>
-              <a:t>Some</a:t>
-            </a:r>
-            <a:r>
-              <a:rPr lang="fr-FR" dirty="0" smtClean="0"/>
-              <a:t> notes about Hg</a:t>
-            </a:r>
-          </a:p>
-          <a:p>
-            <a:r>
-              <a:rPr lang="fr-FR" dirty="0" smtClean="0"/>
-              <a:t>Git clients</a:t>
-            </a:r>
-          </a:p>
-          <a:p>
-            <a:pPr marL="0" indent="0">
-              <a:buNone/>
-            </a:pPr>
             <a:endParaRPr lang="fr-FR" baseline="0" dirty="0" smtClean="0"/>
           </a:p>
           <a:p>
@@ -16088,7 +16827,7 @@
     </p:spTree>
     <p:extLst>
       <p:ext uri="{BB962C8B-B14F-4D97-AF65-F5344CB8AC3E}">
-        <p14:creationId xmlns:p14="http://schemas.microsoft.com/office/powerpoint/2010/main" val="2590797587"/>
+        <p14:creationId xmlns:p14="http://schemas.microsoft.com/office/powerpoint/2010/main" val="298684976"/>
       </p:ext>
     </p:extLst>
   </p:cSld>
@@ -16164,19 +16903,11 @@
             </a:br>
             <a:r>
               <a:rPr lang="fr-FR" sz="3600" dirty="0" smtClean="0"/>
-              <a:t>(pull != </a:t>
+              <a:t>(reset and </a:t>
             </a:r>
             <a:r>
               <a:rPr lang="fr-FR" sz="3600" dirty="0" err="1" smtClean="0"/>
-              <a:t>fetch</a:t>
-            </a:r>
-            <a:r>
-              <a:rPr lang="fr-FR" sz="3600" dirty="0" smtClean="0"/>
-              <a:t> + </a:t>
-            </a:r>
-            <a:r>
-              <a:rPr lang="fr-FR" sz="3600" dirty="0" err="1" smtClean="0"/>
-              <a:t>merge</a:t>
+              <a:t>ammend</a:t>
             </a:r>
             <a:r>
               <a:rPr lang="fr-FR" sz="3600" dirty="0" smtClean="0"/>
@@ -16198,178 +16929,474 @@
         </p:nvSpPr>
         <p:spPr/>
         <p:txBody>
-          <a:bodyPr/>
-          <a:lstStyle/>
-          <a:p>
-            <a:r>
-              <a:rPr lang="fr-FR" dirty="0" err="1" smtClean="0"/>
-              <a:t>Fetch</a:t>
-            </a:r>
-            <a:r>
-              <a:rPr lang="fr-FR" dirty="0" smtClean="0"/>
-              <a:t> </a:t>
-            </a:r>
-            <a:r>
-              <a:rPr lang="fr-FR" dirty="0" err="1" smtClean="0"/>
+          <a:bodyPr>
+            <a:normAutofit fontScale="92500"/>
+          </a:bodyPr>
+          <a:lstStyle/>
+          <a:p>
+            <a:r>
+              <a:rPr lang="fr-FR" sz="2400" dirty="0" err="1" smtClean="0"/>
+              <a:t>Sometimes</a:t>
+            </a:r>
+            <a:r>
+              <a:rPr lang="fr-FR" sz="2400" dirty="0" smtClean="0"/>
+              <a:t> </a:t>
+            </a:r>
+            <a:r>
+              <a:rPr lang="fr-FR" sz="2400" dirty="0" err="1" smtClean="0"/>
+              <a:t>you</a:t>
+            </a:r>
+            <a:r>
+              <a:rPr lang="fr-FR" sz="2400" dirty="0" smtClean="0"/>
+              <a:t> </a:t>
+            </a:r>
+            <a:r>
+              <a:rPr lang="fr-FR" sz="2400" dirty="0" err="1" smtClean="0"/>
+              <a:t>see</a:t>
+            </a:r>
+            <a:r>
+              <a:rPr lang="fr-FR" sz="2400" dirty="0" smtClean="0"/>
+              <a:t> </a:t>
+            </a:r>
+            <a:r>
+              <a:rPr lang="fr-FR" sz="2400" dirty="0" err="1" smtClean="0"/>
+              <a:t>that</a:t>
+            </a:r>
+            <a:r>
+              <a:rPr lang="fr-FR" sz="2400" dirty="0" smtClean="0"/>
+              <a:t> </a:t>
+            </a:r>
+            <a:r>
+              <a:rPr lang="fr-FR" sz="2400" dirty="0" err="1" smtClean="0"/>
+              <a:t>just</a:t>
+            </a:r>
+            <a:r>
+              <a:rPr lang="fr-FR" sz="2400" dirty="0" smtClean="0"/>
+              <a:t> </a:t>
+            </a:r>
+            <a:r>
+              <a:rPr lang="fr-FR" sz="2400" dirty="0" err="1" smtClean="0"/>
+              <a:t>after</a:t>
+            </a:r>
+            <a:r>
+              <a:rPr lang="fr-FR" sz="2400" dirty="0" smtClean="0"/>
+              <a:t> a commit </a:t>
+            </a:r>
+            <a:r>
+              <a:rPr lang="fr-FR" sz="2400" dirty="0" err="1" smtClean="0"/>
+              <a:t>you</a:t>
+            </a:r>
+            <a:r>
+              <a:rPr lang="fr-FR" sz="2400" dirty="0" smtClean="0"/>
+              <a:t> </a:t>
+            </a:r>
+            <a:r>
+              <a:rPr lang="fr-FR" sz="2400" dirty="0" err="1" smtClean="0"/>
+              <a:t>forgot</a:t>
+            </a:r>
+            <a:r>
+              <a:rPr lang="fr-FR" sz="2400" dirty="0" smtClean="0"/>
+              <a:t> to commit a file. </a:t>
+            </a:r>
+            <a:r>
+              <a:rPr lang="fr-FR" sz="2400" dirty="0" err="1" smtClean="0"/>
+              <a:t>Then</a:t>
+            </a:r>
+            <a:r>
+              <a:rPr lang="fr-FR" sz="2400" dirty="0" smtClean="0"/>
+              <a:t> </a:t>
+            </a:r>
+            <a:r>
+              <a:rPr lang="fr-FR" sz="2400" dirty="0" err="1" smtClean="0"/>
+              <a:t>you</a:t>
+            </a:r>
+            <a:r>
+              <a:rPr lang="fr-FR" sz="2400" dirty="0" smtClean="0"/>
+              <a:t> </a:t>
+            </a:r>
+            <a:r>
+              <a:rPr lang="fr-FR" sz="2400" dirty="0" err="1" smtClean="0"/>
+              <a:t>should</a:t>
+            </a:r>
+            <a:r>
+              <a:rPr lang="fr-FR" sz="2400" dirty="0" smtClean="0"/>
+              <a:t> use </a:t>
+            </a:r>
+            <a:r>
+              <a:rPr lang="fr-FR" sz="2400" b="1" dirty="0" smtClean="0"/>
+              <a:t>git commit –</a:t>
+            </a:r>
+            <a:r>
+              <a:rPr lang="fr-FR" sz="2400" b="1" dirty="0" err="1" smtClean="0"/>
+              <a:t>ammend</a:t>
+            </a:r>
+            <a:r>
+              <a:rPr lang="fr-FR" sz="2400" dirty="0" smtClean="0"/>
+              <a:t>, </a:t>
+            </a:r>
+            <a:r>
+              <a:rPr lang="fr-FR" sz="2400" dirty="0" err="1" smtClean="0"/>
+              <a:t>this</a:t>
+            </a:r>
+            <a:r>
+              <a:rPr lang="fr-FR" sz="2400" dirty="0" smtClean="0"/>
+              <a:t> </a:t>
+            </a:r>
+            <a:r>
+              <a:rPr lang="fr-FR" sz="2400" dirty="0" err="1" smtClean="0"/>
+              <a:t>way</a:t>
+            </a:r>
+            <a:r>
+              <a:rPr lang="fr-FR" sz="2400" dirty="0" smtClean="0"/>
+              <a:t> </a:t>
+            </a:r>
+            <a:r>
+              <a:rPr lang="fr-FR" sz="2400" dirty="0" err="1" smtClean="0"/>
+              <a:t>you</a:t>
+            </a:r>
+            <a:r>
+              <a:rPr lang="fr-FR" sz="2400" dirty="0" smtClean="0"/>
+              <a:t> </a:t>
+            </a:r>
+            <a:r>
+              <a:rPr lang="fr-FR" sz="2400" dirty="0" err="1" smtClean="0"/>
+              <a:t>will</a:t>
+            </a:r>
+            <a:r>
+              <a:rPr lang="fr-FR" sz="2400" dirty="0" smtClean="0"/>
+              <a:t> not have 2 </a:t>
+            </a:r>
+            <a:r>
+              <a:rPr lang="fr-FR" sz="2400" dirty="0" err="1" smtClean="0"/>
+              <a:t>commits</a:t>
+            </a:r>
+            <a:r>
+              <a:rPr lang="fr-FR" sz="2400" dirty="0" smtClean="0"/>
+              <a:t>, but </a:t>
+            </a:r>
+            <a:r>
+              <a:rPr lang="fr-FR" sz="2400" dirty="0" err="1" smtClean="0"/>
+              <a:t>only</a:t>
+            </a:r>
+            <a:r>
+              <a:rPr lang="fr-FR" sz="2400" dirty="0" smtClean="0"/>
+              <a:t> 1.</a:t>
+            </a:r>
+            <a:br>
+              <a:rPr lang="fr-FR" sz="2400" dirty="0" smtClean="0"/>
+            </a:br>
+            <a:r>
+              <a:rPr lang="fr-FR" sz="2400" b="1" dirty="0" smtClean="0"/>
+              <a:t>IT  IS CLEANER</a:t>
+            </a:r>
+            <a:endParaRPr lang="fr-FR" sz="2400" dirty="0"/>
+          </a:p>
+          <a:p>
+            <a:r>
+              <a:rPr lang="fr-FR" sz="2400" dirty="0" err="1" smtClean="0"/>
+              <a:t>Sometimes</a:t>
+            </a:r>
+            <a:r>
+              <a:rPr lang="fr-FR" sz="2400" dirty="0" smtClean="0"/>
+              <a:t> </a:t>
+            </a:r>
+            <a:r>
+              <a:rPr lang="fr-FR" sz="2400" dirty="0" err="1" smtClean="0"/>
+              <a:t>you</a:t>
+            </a:r>
+            <a:r>
+              <a:rPr lang="fr-FR" sz="2400" dirty="0" smtClean="0"/>
+              <a:t> </a:t>
+            </a:r>
+            <a:r>
+              <a:rPr lang="fr-FR" sz="2400" dirty="0" err="1" smtClean="0"/>
+              <a:t>need</a:t>
+            </a:r>
+            <a:r>
+              <a:rPr lang="fr-FR" sz="2400" dirty="0" smtClean="0"/>
+              <a:t> to </a:t>
+            </a:r>
+            <a:r>
+              <a:rPr lang="fr-FR" sz="2400" dirty="0" err="1" smtClean="0"/>
+              <a:t>revert</a:t>
+            </a:r>
+            <a:r>
+              <a:rPr lang="fr-FR" sz="2400" dirty="0" smtClean="0"/>
+              <a:t> changes, </a:t>
+            </a:r>
+            <a:r>
+              <a:rPr lang="fr-FR" sz="2400" dirty="0" err="1" smtClean="0"/>
+              <a:t>this</a:t>
+            </a:r>
+            <a:r>
+              <a:rPr lang="fr-FR" sz="2400" dirty="0" smtClean="0"/>
+              <a:t> </a:t>
+            </a:r>
+            <a:r>
+              <a:rPr lang="fr-FR" sz="2400" dirty="0" err="1" smtClean="0"/>
               <a:t>is</a:t>
             </a:r>
             <a:r>
-              <a:rPr lang="fr-FR" dirty="0" smtClean="0"/>
-              <a:t> a simple </a:t>
-            </a:r>
-            <a:r>
-              <a:rPr lang="fr-FR" dirty="0" err="1" smtClean="0"/>
-              <a:t>download</a:t>
-            </a:r>
-            <a:r>
-              <a:rPr lang="fr-FR" dirty="0" smtClean="0"/>
-              <a:t> of a </a:t>
-            </a:r>
-            <a:r>
-              <a:rPr lang="fr-FR" dirty="0" err="1" smtClean="0"/>
-              <a:t>remote</a:t>
-            </a:r>
-            <a:r>
-              <a:rPr lang="fr-FR" dirty="0" smtClean="0"/>
-              <a:t> state</a:t>
-            </a:r>
-            <a:br>
-              <a:rPr lang="fr-FR" dirty="0" smtClean="0"/>
-            </a:br>
-            <a:r>
-              <a:rPr lang="fr-FR" dirty="0" smtClean="0"/>
-              <a:t>IT DOES NOT CHANGE YOUR CODE</a:t>
-            </a:r>
-          </a:p>
-          <a:p>
-            <a:r>
-              <a:rPr lang="fr-FR" dirty="0" smtClean="0"/>
-              <a:t>Pull </a:t>
-            </a:r>
-            <a:r>
-              <a:rPr lang="fr-FR" dirty="0" err="1" smtClean="0"/>
+              <a:rPr lang="fr-FR" sz="2400" dirty="0" smtClean="0"/>
+              <a:t> the use of reset.</a:t>
+            </a:r>
+          </a:p>
+          <a:p>
+            <a:pPr lvl="1"/>
+            <a:r>
+              <a:rPr lang="fr-FR" sz="2000" dirty="0" err="1" smtClean="0"/>
+              <a:t>Going</a:t>
+            </a:r>
+            <a:r>
+              <a:rPr lang="fr-FR" sz="2000" dirty="0" smtClean="0"/>
+              <a:t> back to the </a:t>
+            </a:r>
+            <a:r>
+              <a:rPr lang="fr-FR" sz="2000" dirty="0" err="1" smtClean="0"/>
+              <a:t>unmodified</a:t>
+            </a:r>
+            <a:r>
+              <a:rPr lang="fr-FR" sz="2000" dirty="0" smtClean="0"/>
+              <a:t> file </a:t>
+            </a:r>
+            <a:r>
+              <a:rPr lang="fr-FR" sz="2000" dirty="0" err="1" smtClean="0"/>
               <a:t>is</a:t>
             </a:r>
             <a:r>
-              <a:rPr lang="fr-FR" dirty="0" smtClean="0"/>
-              <a:t> </a:t>
-            </a:r>
-            <a:r>
-              <a:rPr lang="fr-FR" dirty="0" err="1" smtClean="0"/>
-              <a:t>merging</a:t>
-            </a:r>
-            <a:r>
-              <a:rPr lang="fr-FR" dirty="0" smtClean="0"/>
-              <a:t> </a:t>
-            </a:r>
-            <a:r>
-              <a:rPr lang="fr-FR" dirty="0" err="1" smtClean="0"/>
-              <a:t>automatically</a:t>
-            </a:r>
-            <a:r>
-              <a:rPr lang="fr-FR" dirty="0" smtClean="0"/>
-              <a:t> (</a:t>
-            </a:r>
-            <a:r>
-              <a:rPr lang="fr-FR" dirty="0" err="1" smtClean="0"/>
-              <a:t>like</a:t>
-            </a:r>
-            <a:r>
-              <a:rPr lang="fr-FR" dirty="0" smtClean="0"/>
-              <a:t> update </a:t>
-            </a:r>
-            <a:r>
-              <a:rPr lang="fr-FR" dirty="0" err="1" smtClean="0"/>
-              <a:t>with</a:t>
-            </a:r>
-            <a:r>
-              <a:rPr lang="fr-FR" dirty="0" smtClean="0"/>
-              <a:t> SVN)</a:t>
-            </a:r>
-          </a:p>
-          <a:p>
-            <a:endParaRPr lang="fr-FR" dirty="0"/>
-          </a:p>
-          <a:p>
-            <a:r>
-              <a:rPr lang="fr-FR" dirty="0" err="1" smtClean="0"/>
-              <a:t>Doing</a:t>
-            </a:r>
-            <a:r>
-              <a:rPr lang="fr-FR" dirty="0" smtClean="0"/>
-              <a:t> a </a:t>
-            </a:r>
-            <a:r>
-              <a:rPr lang="fr-FR" dirty="0" err="1" smtClean="0"/>
-              <a:t>fetch</a:t>
-            </a:r>
-            <a:r>
-              <a:rPr lang="fr-FR" dirty="0" smtClean="0"/>
-              <a:t> and a </a:t>
-            </a:r>
-            <a:r>
-              <a:rPr lang="fr-FR" dirty="0" err="1" smtClean="0"/>
-              <a:t>merge</a:t>
-            </a:r>
-            <a:r>
-              <a:rPr lang="fr-FR" dirty="0" smtClean="0"/>
-              <a:t> </a:t>
-            </a:r>
-            <a:r>
-              <a:rPr lang="fr-FR" dirty="0" err="1" smtClean="0"/>
-              <a:t>gives</a:t>
-            </a:r>
-            <a:r>
-              <a:rPr lang="fr-FR" dirty="0" smtClean="0"/>
-              <a:t> </a:t>
-            </a:r>
-            <a:r>
-              <a:rPr lang="fr-FR" dirty="0" err="1" smtClean="0"/>
+              <a:rPr lang="fr-FR" sz="2000" dirty="0" smtClean="0"/>
+              <a:t> $ git reset &lt;</a:t>
+            </a:r>
+            <a:r>
+              <a:rPr lang="fr-FR" sz="2000" dirty="0" err="1" smtClean="0"/>
+              <a:t>filename</a:t>
+            </a:r>
+            <a:r>
+              <a:rPr lang="fr-FR" sz="2000" dirty="0" smtClean="0"/>
+              <a:t>&gt; HEAD</a:t>
+            </a:r>
+          </a:p>
+          <a:p>
+            <a:pPr lvl="1"/>
+            <a:r>
+              <a:rPr lang="fr-FR" sz="2000" dirty="0" smtClean="0"/>
+              <a:t>You </a:t>
+            </a:r>
+            <a:r>
+              <a:rPr lang="fr-FR" sz="2000" dirty="0" err="1" smtClean="0"/>
+              <a:t>can</a:t>
+            </a:r>
+            <a:r>
+              <a:rPr lang="fr-FR" sz="2000" dirty="0" smtClean="0"/>
+              <a:t> </a:t>
+            </a:r>
+            <a:r>
+              <a:rPr lang="fr-FR" sz="2000" dirty="0" err="1" smtClean="0"/>
+              <a:t>also</a:t>
+            </a:r>
+            <a:r>
+              <a:rPr lang="fr-FR" sz="2000" dirty="0" smtClean="0"/>
+              <a:t> go back </a:t>
+            </a:r>
+            <a:r>
+              <a:rPr lang="fr-FR" sz="2000" dirty="0" err="1" smtClean="0"/>
+              <a:t>from</a:t>
+            </a:r>
+            <a:r>
+              <a:rPr lang="fr-FR" sz="2000" dirty="0" smtClean="0"/>
+              <a:t> </a:t>
+            </a:r>
+            <a:r>
+              <a:rPr lang="fr-FR" sz="2000" dirty="0" err="1" smtClean="0"/>
+              <a:t>several</a:t>
+            </a:r>
+            <a:r>
+              <a:rPr lang="fr-FR" sz="2000" dirty="0" smtClean="0"/>
+              <a:t> </a:t>
+            </a:r>
+            <a:r>
+              <a:rPr lang="fr-FR" sz="2000" dirty="0" err="1" smtClean="0"/>
+              <a:t>commits</a:t>
+            </a:r>
+            <a:r>
+              <a:rPr lang="fr-FR" sz="2000" dirty="0" smtClean="0"/>
+              <a:t>, or go back to a </a:t>
+            </a:r>
+            <a:r>
+              <a:rPr lang="fr-FR" sz="2000" dirty="0" err="1" smtClean="0"/>
+              <a:t>specific</a:t>
+            </a:r>
+            <a:r>
+              <a:rPr lang="fr-FR" sz="2000" dirty="0" smtClean="0"/>
+              <a:t> one</a:t>
+            </a:r>
+          </a:p>
+          <a:p>
+            <a:pPr lvl="1"/>
+            <a:r>
+              <a:rPr lang="fr-FR" sz="2000" dirty="0" err="1" smtClean="0"/>
+              <a:t>Finnaly</a:t>
+            </a:r>
+            <a:r>
+              <a:rPr lang="fr-FR" sz="2000" dirty="0" smtClean="0"/>
+              <a:t> </a:t>
+            </a:r>
+            <a:r>
+              <a:rPr lang="fr-FR" sz="2000" dirty="0" err="1" smtClean="0"/>
+              <a:t>it</a:t>
+            </a:r>
+            <a:r>
+              <a:rPr lang="fr-FR" sz="2000" dirty="0" smtClean="0"/>
+              <a:t> </a:t>
+            </a:r>
+            <a:r>
+              <a:rPr lang="fr-FR" sz="2000" dirty="0" err="1" smtClean="0"/>
+              <a:t>is</a:t>
+            </a:r>
+            <a:r>
+              <a:rPr lang="fr-FR" sz="2000" dirty="0" smtClean="0"/>
+              <a:t> </a:t>
+            </a:r>
+            <a:r>
+              <a:rPr lang="fr-FR" sz="2000" dirty="0" err="1" smtClean="0"/>
+              <a:t>usefull</a:t>
+            </a:r>
+            <a:r>
+              <a:rPr lang="fr-FR" sz="2000" dirty="0" smtClean="0"/>
+              <a:t> </a:t>
+            </a:r>
+            <a:r>
+              <a:rPr lang="fr-FR" sz="2000" dirty="0" err="1" smtClean="0"/>
+              <a:t>when</a:t>
+            </a:r>
+            <a:r>
+              <a:rPr lang="fr-FR" sz="2000" dirty="0" smtClean="0"/>
+              <a:t> </a:t>
+            </a:r>
+            <a:r>
+              <a:rPr lang="fr-FR" sz="2000" dirty="0" err="1" smtClean="0"/>
               <a:t>you</a:t>
             </a:r>
             <a:r>
-              <a:rPr lang="fr-FR" dirty="0" smtClean="0"/>
-              <a:t> the </a:t>
-            </a:r>
-            <a:r>
-              <a:rPr lang="fr-FR" dirty="0" err="1" smtClean="0"/>
-              <a:t>opportunity</a:t>
-            </a:r>
-            <a:r>
-              <a:rPr lang="fr-FR" dirty="0" smtClean="0"/>
-              <a:t> to </a:t>
-            </a:r>
-            <a:r>
-              <a:rPr lang="fr-FR" dirty="0" err="1" smtClean="0"/>
-              <a:t>inspect</a:t>
-            </a:r>
-            <a:r>
-              <a:rPr lang="fr-FR" dirty="0" smtClean="0"/>
+              <a:rPr lang="fr-FR" sz="2000" dirty="0" smtClean="0"/>
+              <a:t> know </a:t>
+            </a:r>
+            <a:r>
+              <a:rPr lang="fr-FR" sz="2000" dirty="0" err="1" smtClean="0"/>
+              <a:t>your</a:t>
+            </a:r>
+            <a:r>
+              <a:rPr lang="fr-FR" sz="2000" dirty="0" smtClean="0"/>
               <a:t> changes </a:t>
             </a:r>
             <a:r>
-              <a:rPr lang="fr-FR" dirty="0" err="1" smtClean="0"/>
-              <a:t>before</a:t>
-            </a:r>
-            <a:r>
-              <a:rPr lang="fr-FR" dirty="0" smtClean="0"/>
-              <a:t> to </a:t>
-            </a:r>
-            <a:r>
-              <a:rPr lang="fr-FR" dirty="0" err="1" smtClean="0"/>
-              <a:t>merge</a:t>
-            </a:r>
-            <a:r>
-              <a:rPr lang="fr-FR" dirty="0" smtClean="0"/>
-              <a:t> </a:t>
-            </a:r>
-            <a:r>
-              <a:rPr lang="fr-FR" dirty="0" err="1" smtClean="0"/>
-              <a:t>them</a:t>
-            </a:r>
-            <a:endParaRPr lang="fr-FR" dirty="0" smtClean="0"/>
-          </a:p>
-          <a:p>
+              <a:rPr lang="fr-FR" sz="2000" dirty="0" err="1" smtClean="0"/>
+              <a:t>should</a:t>
+            </a:r>
+            <a:r>
+              <a:rPr lang="fr-FR" sz="2000" dirty="0" smtClean="0"/>
+              <a:t> </a:t>
+            </a:r>
+            <a:r>
+              <a:rPr lang="fr-FR" sz="2000" dirty="0" err="1" smtClean="0"/>
+              <a:t>be</a:t>
+            </a:r>
+            <a:r>
+              <a:rPr lang="fr-FR" sz="2000" dirty="0" smtClean="0"/>
+              <a:t> </a:t>
+            </a:r>
+            <a:r>
+              <a:rPr lang="fr-FR" sz="2000" dirty="0" err="1" smtClean="0"/>
+              <a:t>kept</a:t>
+            </a:r>
+            <a:r>
+              <a:rPr lang="fr-FR" sz="2000" dirty="0" smtClean="0"/>
+              <a:t> but in a </a:t>
+            </a:r>
+            <a:r>
+              <a:rPr lang="fr-FR" sz="2000" dirty="0" err="1" smtClean="0"/>
+              <a:t>branch</a:t>
+            </a:r>
+            <a:r>
+              <a:rPr lang="fr-FR" sz="2000" dirty="0" smtClean="0"/>
+              <a:t> </a:t>
+            </a:r>
+            <a:r>
+              <a:rPr lang="fr-FR" sz="2000" dirty="0" err="1" smtClean="0"/>
+              <a:t>instead</a:t>
+            </a:r>
+            <a:r>
+              <a:rPr lang="fr-FR" sz="2000" dirty="0" smtClean="0"/>
+              <a:t> of the master </a:t>
+            </a:r>
+            <a:r>
+              <a:rPr lang="fr-FR" sz="2000" dirty="0" err="1" smtClean="0"/>
+              <a:t>you</a:t>
+            </a:r>
+            <a:r>
+              <a:rPr lang="fr-FR" sz="2000" dirty="0" smtClean="0"/>
+              <a:t> </a:t>
+            </a:r>
+            <a:r>
+              <a:rPr lang="fr-FR" sz="2000" dirty="0" err="1" smtClean="0"/>
+              <a:t>were</a:t>
+            </a:r>
+            <a:r>
+              <a:rPr lang="fr-FR" sz="2000" dirty="0" smtClean="0"/>
+              <a:t> </a:t>
+            </a:r>
+            <a:r>
+              <a:rPr lang="fr-FR" sz="2000" dirty="0" err="1" smtClean="0"/>
+              <a:t>working</a:t>
+            </a:r>
+            <a:r>
+              <a:rPr lang="fr-FR" sz="2000" dirty="0" smtClean="0"/>
+              <a:t> on. </a:t>
+            </a:r>
+            <a:r>
+              <a:rPr lang="fr-FR" sz="2000" dirty="0" err="1" smtClean="0"/>
+              <a:t>Then</a:t>
+            </a:r>
+            <a:r>
+              <a:rPr lang="fr-FR" sz="2000" dirty="0" smtClean="0"/>
+              <a:t> </a:t>
+            </a:r>
+            <a:r>
+              <a:rPr lang="fr-FR" sz="2000" dirty="0" err="1" smtClean="0"/>
+              <a:t>branch</a:t>
+            </a:r>
+            <a:r>
+              <a:rPr lang="fr-FR" sz="2000" dirty="0" smtClean="0"/>
+              <a:t> the master, and do a $ git reset - -hard on the master to </a:t>
+            </a:r>
+            <a:r>
+              <a:rPr lang="fr-FR" sz="2000" dirty="0" err="1" smtClean="0"/>
+              <a:t>remove</a:t>
+            </a:r>
+            <a:r>
+              <a:rPr lang="fr-FR" sz="2000" dirty="0" smtClean="0"/>
+              <a:t> the changes.</a:t>
+            </a:r>
+            <a:endParaRPr lang="fr-FR" sz="2000" dirty="0"/>
+          </a:p>
+          <a:p>
+            <a:pPr lvl="1"/>
+            <a:r>
+              <a:rPr lang="fr-FR" sz="2000" dirty="0" smtClean="0"/>
+              <a:t>More info : </a:t>
+            </a:r>
+            <a:r>
+              <a:rPr lang="fr-FR" sz="2000" dirty="0" smtClean="0">
+                <a:hlinkClick r:id="rId2"/>
+              </a:rPr>
+              <a:t>reset </a:t>
+            </a:r>
+            <a:r>
+              <a:rPr lang="fr-FR" sz="2000" dirty="0" err="1" smtClean="0">
+                <a:hlinkClick r:id="rId2"/>
+              </a:rPr>
+              <a:t>demystified</a:t>
+            </a:r>
             <a:endParaRPr lang="fr-FR" dirty="0" smtClean="0"/>
           </a:p>
           <a:p>
@@ -16404,10 +17431,54 @@
           </a:p>
         </p:txBody>
       </p:sp>
+      <p:sp>
+        <p:nvSpPr>
+          <p:cNvPr id="5" name="&quot;No&quot; Symbol 4"/>
+          <p:cNvSpPr/>
+          <p:nvPr/>
+        </p:nvSpPr>
+        <p:spPr>
+          <a:xfrm>
+            <a:off x="38100" y="38100"/>
+            <a:ext cx="533400" cy="533400"/>
+          </a:xfrm>
+          <a:prstGeom prst="noSmoking">
+            <a:avLst/>
+          </a:prstGeom>
+        </p:spPr>
+        <p:style>
+          <a:lnRef idx="2">
+            <a:schemeClr val="accent1">
+              <a:shade val="50000"/>
+            </a:schemeClr>
+          </a:lnRef>
+          <a:fillRef idx="1">
+            <a:schemeClr val="accent1"/>
+          </a:fillRef>
+          <a:effectRef idx="0">
+            <a:schemeClr val="accent1"/>
+          </a:effectRef>
+          <a:fontRef idx="minor">
+            <a:schemeClr val="lt1"/>
+          </a:fontRef>
+        </p:style>
+        <p:txBody>
+          <a:bodyPr rtlCol="0" anchor="ctr"/>
+          <a:lstStyle/>
+          <a:p>
+            <a:pPr algn="ctr"/>
+            <a:endParaRPr lang="en-US">
+              <a:solidFill>
+                <a:schemeClr val="tx1"/>
+              </a:solidFill>
+            </a:endParaRPr>
+          </a:p>
+        </p:txBody>
+      </p:sp>
     </p:spTree>
     <p:extLst>
       <p:ext uri="{BB962C8B-B14F-4D97-AF65-F5344CB8AC3E}">
-        <p14:creationId xmlns:p14="http://schemas.microsoft.com/office/powerpoint/2010/main" val="298684976"/>
+        <p14:creationId xmlns:p14="http://schemas.microsoft.com/office/powerpoint/2010/main" val="275042707"/>
       </p:ext>
     </p:extLst>
   </p:cSld>
@@ -16459,22 +17530,26 @@
           <a:lstStyle/>
           <a:p>
             <a:r>
-              <a:rPr lang="fr-FR" dirty="0" smtClean="0"/>
+              <a:rPr lang="fr-FR" dirty="0"/>
               <a:t>More </a:t>
             </a:r>
             <a:r>
-              <a:rPr lang="fr-FR" dirty="0" err="1" smtClean="0"/>
+              <a:rPr lang="fr-FR" dirty="0" err="1"/>
               <a:t>advanced</a:t>
             </a:r>
             <a:r>
-              <a:rPr lang="fr-FR" dirty="0" smtClean="0"/>
-              <a:t> </a:t>
-            </a:r>
-            <a:r>
-              <a:rPr lang="fr-FR" dirty="0" err="1" smtClean="0"/>
+              <a:rPr lang="fr-FR" dirty="0"/>
+              <a:t> </a:t>
+            </a:r>
+            <a:r>
+              <a:rPr lang="fr-FR" dirty="0" err="1"/>
               <a:t>stuff</a:t>
             </a:r>
             <a:r>
+              <a:rPr lang="fr-FR" dirty="0"/>
+              <a:t> </a:t>
+            </a:r>
+            <a:r>
               <a:rPr lang="fr-FR" dirty="0" smtClean="0"/>
               <a:t/>
             </a:r>
@@ -16483,17 +17558,25 @@
             </a:br>
             <a:r>
               <a:rPr lang="fr-FR" sz="3600" dirty="0" smtClean="0"/>
-              <a:t>(reset and </a:t>
+              <a:t>(Use </a:t>
             </a:r>
             <a:r>
               <a:rPr lang="fr-FR" sz="3600" dirty="0" err="1" smtClean="0"/>
-              <a:t>ammend</a:t>
+              <a:t>submodules</a:t>
+            </a:r>
+            <a:r>
+              <a:rPr lang="fr-FR" sz="3600" dirty="0" smtClean="0"/>
+              <a:t> and </a:t>
+            </a:r>
+            <a:r>
+              <a:rPr lang="fr-FR" sz="3600" dirty="0" err="1" smtClean="0"/>
+              <a:t>dependencies</a:t>
             </a:r>
             <a:r>
               <a:rPr lang="fr-FR" sz="3600" dirty="0" smtClean="0"/>
               <a:t>)</a:t>
             </a:r>
-            <a:endParaRPr lang="fr-FR" sz="3600" dirty="0"/>
+            <a:endParaRPr lang="fr-FR" dirty="0"/>
           </a:p>
         </p:txBody>
       </p:sp>
@@ -16510,472 +17593,322 @@
         <p:spPr/>
         <p:txBody>
           <a:bodyPr>
-            <a:normAutofit fontScale="92500"/>
+            <a:normAutofit lnSpcReduction="10000"/>
           </a:bodyPr>
           <a:lstStyle/>
           <a:p>
             <a:r>
-              <a:rPr lang="fr-FR" sz="2400" dirty="0" err="1" smtClean="0"/>
-              <a:t>Sometimes</a:t>
-            </a:r>
-            <a:r>
-              <a:rPr lang="fr-FR" sz="2400" dirty="0" smtClean="0"/>
-              <a:t> </a:t>
-            </a:r>
-            <a:r>
-              <a:rPr lang="fr-FR" sz="2400" dirty="0" err="1" smtClean="0"/>
+              <a:rPr lang="fr-FR" dirty="0" smtClean="0"/>
+              <a:t>A </a:t>
+            </a:r>
+            <a:r>
+              <a:rPr lang="fr-FR" dirty="0" err="1" smtClean="0"/>
+              <a:t>submodule</a:t>
+            </a:r>
+            <a:r>
+              <a:rPr lang="fr-FR" dirty="0" smtClean="0"/>
+              <a:t> </a:t>
+            </a:r>
+            <a:r>
+              <a:rPr lang="fr-FR" dirty="0" err="1" smtClean="0"/>
+              <a:t>is</a:t>
+            </a:r>
+            <a:r>
+              <a:rPr lang="fr-FR" dirty="0" smtClean="0"/>
+              <a:t> a </a:t>
+            </a:r>
+            <a:r>
+              <a:rPr lang="fr-FR" dirty="0" err="1" smtClean="0"/>
+              <a:t>repository</a:t>
+            </a:r>
+            <a:r>
+              <a:rPr lang="fr-FR" dirty="0" smtClean="0"/>
+              <a:t> </a:t>
+            </a:r>
+            <a:r>
+              <a:rPr lang="fr-FR" dirty="0" err="1" smtClean="0"/>
+              <a:t>declared</a:t>
+            </a:r>
+            <a:r>
+              <a:rPr lang="fr-FR" dirty="0" smtClean="0"/>
+              <a:t> as a </a:t>
+            </a:r>
+            <a:r>
+              <a:rPr lang="fr-FR" dirty="0" err="1" smtClean="0"/>
+              <a:t>dependency</a:t>
+            </a:r>
+            <a:r>
+              <a:rPr lang="fr-FR" dirty="0" smtClean="0"/>
+              <a:t> of </a:t>
+            </a:r>
+            <a:r>
+              <a:rPr lang="fr-FR" dirty="0" err="1" smtClean="0"/>
+              <a:t>your</a:t>
+            </a:r>
+            <a:r>
+              <a:rPr lang="fr-FR" dirty="0" smtClean="0"/>
+              <a:t> </a:t>
+            </a:r>
+            <a:r>
+              <a:rPr lang="fr-FR" dirty="0" err="1" smtClean="0"/>
+              <a:t>repository</a:t>
+            </a:r>
+            <a:r>
+              <a:rPr lang="fr-FR" dirty="0" smtClean="0"/>
+              <a:t>.</a:t>
+            </a:r>
+          </a:p>
+          <a:p>
+            <a:r>
+              <a:rPr lang="fr-FR" dirty="0" smtClean="0"/>
+              <a:t>You </a:t>
+            </a:r>
+            <a:r>
+              <a:rPr lang="fr-FR" dirty="0" err="1" smtClean="0"/>
+              <a:t>will</a:t>
+            </a:r>
+            <a:r>
+              <a:rPr lang="fr-FR" dirty="0" smtClean="0"/>
+              <a:t> have a clone of </a:t>
+            </a:r>
+            <a:r>
+              <a:rPr lang="fr-FR" dirty="0" err="1" smtClean="0"/>
+              <a:t>that</a:t>
+            </a:r>
+            <a:r>
+              <a:rPr lang="fr-FR" dirty="0" smtClean="0"/>
+              <a:t> </a:t>
+            </a:r>
+            <a:r>
+              <a:rPr lang="fr-FR" dirty="0" err="1" smtClean="0"/>
+              <a:t>repository</a:t>
+            </a:r>
+            <a:r>
+              <a:rPr lang="fr-FR" dirty="0" smtClean="0"/>
+              <a:t> in </a:t>
+            </a:r>
+            <a:r>
+              <a:rPr lang="fr-FR" dirty="0" err="1" smtClean="0"/>
               <a:t>you</a:t>
             </a:r>
             <a:r>
-              <a:rPr lang="fr-FR" sz="2400" dirty="0" smtClean="0"/>
-              <a:t> </a:t>
-            </a:r>
-            <a:r>
-              <a:rPr lang="fr-FR" sz="2400" dirty="0" err="1" smtClean="0"/>
-              <a:t>see</a:t>
-            </a:r>
-            <a:r>
-              <a:rPr lang="fr-FR" sz="2400" dirty="0" smtClean="0"/>
-              <a:t> </a:t>
-            </a:r>
-            <a:r>
-              <a:rPr lang="fr-FR" sz="2400" dirty="0" err="1" smtClean="0"/>
-              <a:t>that</a:t>
-            </a:r>
-            <a:r>
-              <a:rPr lang="fr-FR" sz="2400" dirty="0" smtClean="0"/>
-              <a:t> </a:t>
-            </a:r>
-            <a:r>
-              <a:rPr lang="fr-FR" sz="2400" dirty="0" err="1" smtClean="0"/>
-              <a:t>just</a:t>
-            </a:r>
-            <a:r>
-              <a:rPr lang="fr-FR" sz="2400" dirty="0" smtClean="0"/>
-              <a:t> </a:t>
-            </a:r>
-            <a:r>
-              <a:rPr lang="fr-FR" sz="2400" dirty="0" err="1" smtClean="0"/>
-              <a:t>after</a:t>
-            </a:r>
-            <a:r>
-              <a:rPr lang="fr-FR" sz="2400" dirty="0" smtClean="0"/>
-              <a:t> a commit </a:t>
-            </a:r>
-            <a:r>
-              <a:rPr lang="fr-FR" sz="2400" dirty="0" err="1" smtClean="0"/>
-              <a:t>you</a:t>
-            </a:r>
-            <a:r>
-              <a:rPr lang="fr-FR" sz="2400" dirty="0" smtClean="0"/>
-              <a:t> </a:t>
-            </a:r>
-            <a:r>
-              <a:rPr lang="fr-FR" sz="2400" dirty="0" err="1" smtClean="0"/>
-              <a:t>forgot</a:t>
-            </a:r>
-            <a:r>
-              <a:rPr lang="fr-FR" sz="2400" dirty="0" smtClean="0"/>
-              <a:t> to commit a file. </a:t>
-            </a:r>
-            <a:r>
-              <a:rPr lang="fr-FR" sz="2400" dirty="0" err="1" smtClean="0"/>
-              <a:t>Then</a:t>
-            </a:r>
-            <a:r>
-              <a:rPr lang="fr-FR" sz="2400" dirty="0" smtClean="0"/>
-              <a:t> </a:t>
-            </a:r>
-            <a:r>
-              <a:rPr lang="fr-FR" sz="2400" dirty="0" err="1" smtClean="0"/>
-              <a:t>you</a:t>
-            </a:r>
-            <a:r>
-              <a:rPr lang="fr-FR" sz="2400" dirty="0" smtClean="0"/>
-              <a:t> </a:t>
-            </a:r>
-            <a:r>
-              <a:rPr lang="fr-FR" sz="2400" dirty="0" err="1" smtClean="0"/>
-              <a:t>should</a:t>
-            </a:r>
-            <a:r>
-              <a:rPr lang="fr-FR" sz="2400" dirty="0" smtClean="0"/>
-              <a:t> use </a:t>
-            </a:r>
-            <a:r>
-              <a:rPr lang="fr-FR" sz="2400" b="1" dirty="0" smtClean="0"/>
-              <a:t>git commit –</a:t>
-            </a:r>
-            <a:r>
-              <a:rPr lang="fr-FR" sz="2400" b="1" dirty="0" err="1" smtClean="0"/>
-              <a:t>ammend</a:t>
-            </a:r>
-            <a:r>
-              <a:rPr lang="fr-FR" sz="2400" dirty="0" smtClean="0"/>
+              <a:rPr lang="fr-FR" dirty="0" smtClean="0"/>
+              <a:t> main </a:t>
+            </a:r>
+            <a:r>
+              <a:rPr lang="fr-FR" dirty="0" err="1" smtClean="0"/>
+              <a:t>project</a:t>
+            </a:r>
+            <a:r>
+              <a:rPr lang="fr-FR" dirty="0" smtClean="0"/>
+              <a:t> </a:t>
+            </a:r>
+            <a:r>
+              <a:rPr lang="fr-FR" dirty="0" err="1" smtClean="0"/>
+              <a:t>repository</a:t>
+            </a:r>
+            <a:endParaRPr lang="fr-FR" dirty="0" smtClean="0"/>
+          </a:p>
+          <a:p>
+            <a:r>
+              <a:rPr lang="fr-FR" baseline="0" dirty="0" smtClean="0"/>
+              <a:t>The</a:t>
+            </a:r>
+            <a:r>
+              <a:rPr lang="fr-FR" dirty="0" smtClean="0"/>
+              <a:t> </a:t>
+            </a:r>
+            <a:r>
+              <a:rPr lang="fr-FR" dirty="0" err="1" smtClean="0"/>
+              <a:t>submodule</a:t>
+            </a:r>
+            <a:r>
+              <a:rPr lang="fr-FR" dirty="0" smtClean="0"/>
+              <a:t> has a </a:t>
+            </a:r>
+            <a:r>
+              <a:rPr lang="fr-FR" dirty="0" err="1" smtClean="0"/>
+              <a:t>detached</a:t>
+            </a:r>
+            <a:r>
+              <a:rPr lang="fr-FR" dirty="0" smtClean="0"/>
+              <a:t> </a:t>
+            </a:r>
+            <a:r>
+              <a:rPr lang="fr-FR" dirty="0" err="1" smtClean="0"/>
+              <a:t>head</a:t>
+            </a:r>
+            <a:r>
+              <a:rPr lang="fr-FR" dirty="0" smtClean="0"/>
+              <a:t> : </a:t>
+            </a:r>
+            <a:r>
+              <a:rPr lang="fr-FR" dirty="0" err="1" smtClean="0"/>
+              <a:t>which</a:t>
+            </a:r>
+            <a:r>
+              <a:rPr lang="fr-FR" dirty="0" smtClean="0"/>
+              <a:t> </a:t>
+            </a:r>
+            <a:r>
+              <a:rPr lang="fr-FR" dirty="0" err="1" smtClean="0"/>
+              <a:t>means</a:t>
+            </a:r>
+            <a:r>
+              <a:rPr lang="fr-FR" dirty="0" smtClean="0"/>
+              <a:t> the </a:t>
+            </a:r>
+            <a:r>
+              <a:rPr lang="fr-FR" dirty="0" err="1" smtClean="0"/>
+              <a:t>it</a:t>
+            </a:r>
+            <a:r>
+              <a:rPr lang="fr-FR" dirty="0" smtClean="0"/>
+              <a:t> points to a commit and not to a </a:t>
+            </a:r>
+            <a:r>
+              <a:rPr lang="fr-FR" dirty="0" err="1" smtClean="0"/>
+              <a:t>branch</a:t>
+            </a:r>
+            <a:r>
+              <a:rPr lang="fr-FR" dirty="0" smtClean="0"/>
+              <a:t> </a:t>
+            </a:r>
+            <a:r>
+              <a:rPr lang="fr-FR" dirty="0" err="1" smtClean="0"/>
+              <a:t>head</a:t>
+            </a:r>
+            <a:r>
+              <a:rPr lang="fr-FR" dirty="0" smtClean="0"/>
+              <a:t> (</a:t>
+            </a:r>
+            <a:r>
+              <a:rPr lang="fr-FR" dirty="0" err="1" smtClean="0"/>
+              <a:t>it</a:t>
+            </a:r>
+            <a:r>
+              <a:rPr lang="fr-FR" dirty="0" smtClean="0"/>
+              <a:t> </a:t>
+            </a:r>
+            <a:r>
+              <a:rPr lang="fr-FR" dirty="0" err="1" smtClean="0"/>
+              <a:t>is</a:t>
+            </a:r>
+            <a:r>
+              <a:rPr lang="fr-FR" dirty="0" smtClean="0"/>
+              <a:t> </a:t>
+            </a:r>
+            <a:r>
+              <a:rPr lang="fr-FR" dirty="0" err="1" smtClean="0"/>
+              <a:t>like</a:t>
+            </a:r>
+            <a:r>
+              <a:rPr lang="fr-FR" dirty="0" smtClean="0"/>
+              <a:t> </a:t>
+            </a:r>
+            <a:r>
+              <a:rPr lang="fr-FR" dirty="0" err="1" smtClean="0"/>
+              <a:t>pointing</a:t>
+            </a:r>
+            <a:r>
+              <a:rPr lang="fr-FR" dirty="0" smtClean="0"/>
+              <a:t> to a </a:t>
+            </a:r>
+            <a:r>
+              <a:rPr lang="fr-FR" dirty="0" err="1" smtClean="0"/>
+              <a:t>specific</a:t>
+            </a:r>
+            <a:r>
+              <a:rPr lang="fr-FR" dirty="0" smtClean="0"/>
+              <a:t> </a:t>
+            </a:r>
+            <a:r>
+              <a:rPr lang="fr-FR" dirty="0" err="1" smtClean="0"/>
+              <a:t>revision</a:t>
+            </a:r>
+            <a:r>
+              <a:rPr lang="fr-FR" dirty="0" smtClean="0"/>
               <a:t>, </a:t>
             </a:r>
             <a:r>
-              <a:rPr lang="fr-FR" sz="2400" dirty="0" err="1" smtClean="0"/>
-              <a:t>this</a:t>
-            </a:r>
-            <a:r>
-              <a:rPr lang="fr-FR" sz="2400" dirty="0" smtClean="0"/>
-              <a:t> </a:t>
-            </a:r>
-            <a:r>
-              <a:rPr lang="fr-FR" sz="2400" dirty="0" err="1" smtClean="0"/>
-              <a:t>way</a:t>
-            </a:r>
-            <a:r>
-              <a:rPr lang="fr-FR" sz="2400" dirty="0" smtClean="0"/>
-              <a:t> </a:t>
-            </a:r>
-            <a:r>
-              <a:rPr lang="fr-FR" sz="2400" dirty="0" err="1" smtClean="0"/>
-              <a:t>you</a:t>
-            </a:r>
-            <a:r>
-              <a:rPr lang="fr-FR" sz="2400" dirty="0" smtClean="0"/>
-              <a:t> </a:t>
-            </a:r>
-            <a:r>
-              <a:rPr lang="fr-FR" sz="2400" dirty="0" err="1" smtClean="0"/>
-              <a:t>will</a:t>
-            </a:r>
-            <a:r>
-              <a:rPr lang="fr-FR" sz="2400" dirty="0" smtClean="0"/>
-              <a:t> not have 2 </a:t>
-            </a:r>
-            <a:r>
-              <a:rPr lang="fr-FR" sz="2400" dirty="0" err="1" smtClean="0"/>
-              <a:t>commits</a:t>
-            </a:r>
-            <a:r>
-              <a:rPr lang="fr-FR" sz="2400" dirty="0" smtClean="0"/>
-              <a:t>, but </a:t>
-            </a:r>
-            <a:r>
-              <a:rPr lang="fr-FR" sz="2400" dirty="0" err="1" smtClean="0"/>
-              <a:t>only</a:t>
-            </a:r>
-            <a:r>
-              <a:rPr lang="fr-FR" sz="2400" dirty="0" smtClean="0"/>
-              <a:t> 1.</a:t>
-            </a:r>
-            <a:br>
-              <a:rPr lang="fr-FR" sz="2400" dirty="0" smtClean="0"/>
-            </a:br>
-            <a:r>
-              <a:rPr lang="fr-FR" sz="2400" b="1" dirty="0" smtClean="0"/>
-              <a:t>IT  IS CLEANER</a:t>
-            </a:r>
-            <a:endParaRPr lang="fr-FR" sz="2400" dirty="0"/>
-          </a:p>
-          <a:p>
-            <a:r>
-              <a:rPr lang="fr-FR" sz="2400" dirty="0" err="1" smtClean="0"/>
-              <a:t>Sometimes</a:t>
-            </a:r>
-            <a:r>
-              <a:rPr lang="fr-FR" sz="2400" dirty="0" smtClean="0"/>
-              <a:t> </a:t>
-            </a:r>
-            <a:r>
-              <a:rPr lang="fr-FR" sz="2400" dirty="0" err="1" smtClean="0"/>
-              <a:t>you</a:t>
-            </a:r>
-            <a:r>
-              <a:rPr lang="fr-FR" sz="2400" dirty="0" smtClean="0"/>
-              <a:t> </a:t>
-            </a:r>
-            <a:r>
-              <a:rPr lang="fr-FR" sz="2400" dirty="0" err="1" smtClean="0"/>
-              <a:t>need</a:t>
-            </a:r>
-            <a:r>
-              <a:rPr lang="fr-FR" sz="2400" dirty="0" smtClean="0"/>
-              <a:t> to </a:t>
-            </a:r>
-            <a:r>
-              <a:rPr lang="fr-FR" sz="2400" dirty="0" err="1" smtClean="0"/>
-              <a:t>revert</a:t>
-            </a:r>
-            <a:r>
-              <a:rPr lang="fr-FR" sz="2400" dirty="0" smtClean="0"/>
-              <a:t> changes, </a:t>
-            </a:r>
-            <a:r>
-              <a:rPr lang="fr-FR" sz="2400" dirty="0" err="1" smtClean="0"/>
-              <a:t>this</a:t>
-            </a:r>
-            <a:r>
-              <a:rPr lang="fr-FR" sz="2400" dirty="0" smtClean="0"/>
-              <a:t> </a:t>
-            </a:r>
-            <a:r>
-              <a:rPr lang="fr-FR" sz="2400" dirty="0" err="1" smtClean="0"/>
-              <a:t>is</a:t>
-            </a:r>
-            <a:r>
-              <a:rPr lang="fr-FR" sz="2400" dirty="0" smtClean="0"/>
-              <a:t> the use of reset.</a:t>
-            </a:r>
-          </a:p>
-          <a:p>
-            <a:pPr lvl="1"/>
-            <a:r>
-              <a:rPr lang="fr-FR" sz="2000" dirty="0" err="1" smtClean="0"/>
-              <a:t>Going</a:t>
-            </a:r>
-            <a:r>
-              <a:rPr lang="fr-FR" sz="2000" dirty="0" smtClean="0"/>
-              <a:t> back to the </a:t>
-            </a:r>
-            <a:r>
-              <a:rPr lang="fr-FR" sz="2000" dirty="0" err="1" smtClean="0"/>
-              <a:t>unmodified</a:t>
-            </a:r>
-            <a:r>
-              <a:rPr lang="fr-FR" sz="2000" dirty="0" smtClean="0"/>
-              <a:t> file </a:t>
-            </a:r>
-            <a:r>
-              <a:rPr lang="fr-FR" sz="2000" dirty="0" err="1" smtClean="0"/>
-              <a:t>is</a:t>
-            </a:r>
-            <a:r>
-              <a:rPr lang="fr-FR" sz="2000" dirty="0" smtClean="0"/>
-              <a:t> $ git reset &lt;</a:t>
-            </a:r>
-            <a:r>
-              <a:rPr lang="fr-FR" sz="2000" dirty="0" err="1" smtClean="0"/>
-              <a:t>filename</a:t>
-            </a:r>
-            <a:r>
-              <a:rPr lang="fr-FR" sz="2000" dirty="0" smtClean="0"/>
-              <a:t>&gt; HEAD</a:t>
-            </a:r>
-          </a:p>
-          <a:p>
-            <a:pPr lvl="1"/>
-            <a:r>
-              <a:rPr lang="fr-FR" sz="2000" dirty="0" smtClean="0"/>
-              <a:t>You </a:t>
-            </a:r>
-            <a:r>
-              <a:rPr lang="fr-FR" sz="2000" dirty="0" err="1" smtClean="0"/>
+              <a:rPr lang="fr-FR" dirty="0" err="1" smtClean="0"/>
+              <a:t>instead</a:t>
+            </a:r>
+            <a:r>
+              <a:rPr lang="fr-FR" dirty="0" smtClean="0"/>
+              <a:t> of </a:t>
+            </a:r>
+            <a:r>
+              <a:rPr lang="fr-FR" dirty="0" err="1" smtClean="0"/>
+              <a:t>pointing</a:t>
+            </a:r>
+            <a:r>
+              <a:rPr lang="fr-FR" dirty="0" smtClean="0"/>
+              <a:t> to a </a:t>
+            </a:r>
+            <a:r>
+              <a:rPr lang="fr-FR" dirty="0" err="1" smtClean="0"/>
+              <a:t>branch</a:t>
+            </a:r>
+            <a:r>
+              <a:rPr lang="fr-FR" dirty="0" smtClean="0"/>
+              <a:t>)</a:t>
+            </a:r>
+          </a:p>
+          <a:p>
+            <a:r>
+              <a:rPr lang="fr-FR" dirty="0" err="1" smtClean="0"/>
+              <a:t>Submodules</a:t>
+            </a:r>
+            <a:r>
+              <a:rPr lang="fr-FR" dirty="0" smtClean="0"/>
+              <a:t> </a:t>
+            </a:r>
+            <a:r>
+              <a:rPr lang="fr-FR" dirty="0" err="1" smtClean="0"/>
               <a:t>can</a:t>
             </a:r>
             <a:r>
-              <a:rPr lang="fr-FR" sz="2000" dirty="0" smtClean="0"/>
-              <a:t> </a:t>
-            </a:r>
-            <a:r>
-              <a:rPr lang="fr-FR" sz="2000" dirty="0" err="1" smtClean="0"/>
-              <a:t>also</a:t>
-            </a:r>
-            <a:r>
-              <a:rPr lang="fr-FR" sz="2000" dirty="0" smtClean="0"/>
-              <a:t> go back </a:t>
-            </a:r>
-            <a:r>
-              <a:rPr lang="fr-FR" sz="2000" dirty="0" err="1" smtClean="0"/>
-              <a:t>from</a:t>
-            </a:r>
-            <a:r>
-              <a:rPr lang="fr-FR" sz="2000" dirty="0" smtClean="0"/>
-              <a:t> </a:t>
-            </a:r>
-            <a:r>
-              <a:rPr lang="fr-FR" sz="2000" dirty="0" err="1" smtClean="0"/>
-              <a:t>several</a:t>
-            </a:r>
-            <a:r>
-              <a:rPr lang="fr-FR" sz="2000" dirty="0" smtClean="0"/>
-              <a:t> </a:t>
-            </a:r>
-            <a:r>
-              <a:rPr lang="fr-FR" sz="2000" dirty="0" err="1" smtClean="0"/>
-              <a:t>commits</a:t>
-            </a:r>
-            <a:r>
-              <a:rPr lang="fr-FR" sz="2000" dirty="0" smtClean="0"/>
-              <a:t>, or go back to a </a:t>
-            </a:r>
-            <a:r>
-              <a:rPr lang="fr-FR" sz="2000" dirty="0" err="1" smtClean="0"/>
-              <a:t>specific</a:t>
-            </a:r>
-            <a:r>
-              <a:rPr lang="fr-FR" sz="2000" dirty="0" smtClean="0"/>
-              <a:t> one</a:t>
-            </a:r>
-          </a:p>
-          <a:p>
-            <a:pPr lvl="1"/>
-            <a:r>
-              <a:rPr lang="fr-FR" sz="2000" dirty="0" err="1" smtClean="0"/>
-              <a:t>Finnaly</a:t>
-            </a:r>
-            <a:r>
-              <a:rPr lang="fr-FR" sz="2000" dirty="0" smtClean="0"/>
-              <a:t> </a:t>
-            </a:r>
-            <a:r>
-              <a:rPr lang="fr-FR" sz="2000" dirty="0" err="1" smtClean="0"/>
-              <a:t>it</a:t>
-            </a:r>
-            <a:r>
-              <a:rPr lang="fr-FR" sz="2000" dirty="0" smtClean="0"/>
-              <a:t> </a:t>
-            </a:r>
-            <a:r>
-              <a:rPr lang="fr-FR" sz="2000" dirty="0" err="1" smtClean="0"/>
-              <a:t>is</a:t>
-            </a:r>
-            <a:r>
-              <a:rPr lang="fr-FR" sz="2000" dirty="0" smtClean="0"/>
-              <a:t> </a:t>
-            </a:r>
-            <a:r>
-              <a:rPr lang="fr-FR" sz="2000" dirty="0" err="1" smtClean="0"/>
-              <a:t>usefull</a:t>
-            </a:r>
-            <a:r>
-              <a:rPr lang="fr-FR" sz="2000" dirty="0" smtClean="0"/>
-              <a:t> </a:t>
-            </a:r>
-            <a:r>
-              <a:rPr lang="fr-FR" sz="2000" dirty="0" err="1" smtClean="0"/>
-              <a:t>when</a:t>
-            </a:r>
-            <a:r>
-              <a:rPr lang="fr-FR" sz="2000" dirty="0" smtClean="0"/>
-              <a:t> </a:t>
-            </a:r>
-            <a:r>
-              <a:rPr lang="fr-FR" sz="2000" dirty="0" err="1" smtClean="0"/>
-              <a:t>you</a:t>
-            </a:r>
-            <a:r>
-              <a:rPr lang="fr-FR" sz="2000" dirty="0" smtClean="0"/>
-              <a:t> know </a:t>
-            </a:r>
-            <a:r>
-              <a:rPr lang="fr-FR" sz="2000" dirty="0" err="1" smtClean="0"/>
-              <a:t>your</a:t>
-            </a:r>
-            <a:r>
-              <a:rPr lang="fr-FR" sz="2000" dirty="0" smtClean="0"/>
-              <a:t> changes </a:t>
-            </a:r>
-            <a:r>
-              <a:rPr lang="fr-FR" sz="2000" dirty="0" err="1" smtClean="0"/>
-              <a:t>should</a:t>
-            </a:r>
-            <a:r>
-              <a:rPr lang="fr-FR" sz="2000" dirty="0" smtClean="0"/>
-              <a:t> </a:t>
-            </a:r>
-            <a:r>
-              <a:rPr lang="fr-FR" sz="2000" dirty="0" err="1" smtClean="0"/>
+              <a:rPr lang="fr-FR" dirty="0" smtClean="0"/>
+              <a:t> </a:t>
+            </a:r>
+            <a:r>
+              <a:rPr lang="fr-FR" dirty="0" err="1" smtClean="0"/>
               <a:t>be</a:t>
             </a:r>
             <a:r>
-              <a:rPr lang="fr-FR" sz="2000" dirty="0" smtClean="0"/>
-              <a:t> </a:t>
-            </a:r>
-            <a:r>
-              <a:rPr lang="fr-FR" sz="2000" dirty="0" err="1" smtClean="0"/>
-              <a:t>kept</a:t>
-            </a:r>
-            <a:r>
-              <a:rPr lang="fr-FR" sz="2000" dirty="0" smtClean="0"/>
-              <a:t> but in a </a:t>
-            </a:r>
-            <a:r>
-              <a:rPr lang="fr-FR" sz="2000" dirty="0" err="1" smtClean="0"/>
-              <a:t>branch</a:t>
-            </a:r>
-            <a:r>
-              <a:rPr lang="fr-FR" sz="2000" dirty="0" smtClean="0"/>
-              <a:t> </a:t>
-            </a:r>
-            <a:r>
-              <a:rPr lang="fr-FR" sz="2000" dirty="0" err="1" smtClean="0"/>
-              <a:t>instead</a:t>
-            </a:r>
-            <a:r>
-              <a:rPr lang="fr-FR" sz="2000" dirty="0" smtClean="0"/>
-              <a:t> of the master </a:t>
-            </a:r>
-            <a:r>
-              <a:rPr lang="fr-FR" sz="2000" dirty="0" err="1" smtClean="0"/>
-              <a:t>you</a:t>
-            </a:r>
-            <a:r>
-              <a:rPr lang="fr-FR" sz="2000" dirty="0" smtClean="0"/>
-              <a:t> </a:t>
-            </a:r>
-            <a:r>
-              <a:rPr lang="fr-FR" sz="2000" dirty="0" err="1" smtClean="0"/>
-              <a:t>were</a:t>
-            </a:r>
-            <a:r>
-              <a:rPr lang="fr-FR" sz="2000" dirty="0" smtClean="0"/>
-              <a:t> </a:t>
-            </a:r>
-            <a:r>
-              <a:rPr lang="fr-FR" sz="2000" dirty="0" err="1" smtClean="0"/>
-              <a:t>working</a:t>
-            </a:r>
-            <a:r>
-              <a:rPr lang="fr-FR" sz="2000" dirty="0" smtClean="0"/>
-              <a:t> on. </a:t>
-            </a:r>
-            <a:r>
-              <a:rPr lang="fr-FR" sz="2000" dirty="0" err="1" smtClean="0"/>
-              <a:t>Then</a:t>
-            </a:r>
-            <a:r>
-              <a:rPr lang="fr-FR" sz="2000" dirty="0" smtClean="0"/>
-              <a:t> </a:t>
-            </a:r>
-            <a:r>
-              <a:rPr lang="fr-FR" sz="2000" dirty="0" err="1" smtClean="0"/>
-              <a:t>branch</a:t>
-            </a:r>
-            <a:r>
-              <a:rPr lang="fr-FR" sz="2000" dirty="0" smtClean="0"/>
-              <a:t> the master, and do a $ git reset - -hard on the master to </a:t>
-            </a:r>
-            <a:r>
-              <a:rPr lang="fr-FR" sz="2000" dirty="0" err="1" smtClean="0"/>
-              <a:t>remove</a:t>
-            </a:r>
-            <a:r>
-              <a:rPr lang="fr-FR" sz="2000" dirty="0" smtClean="0"/>
-              <a:t> the changes.</a:t>
-            </a:r>
-            <a:endParaRPr lang="fr-FR" sz="2000" dirty="0"/>
-          </a:p>
-          <a:p>
-            <a:pPr lvl="1"/>
-            <a:r>
-              <a:rPr lang="fr-FR" sz="2000" dirty="0" smtClean="0"/>
-              <a:t>More info : </a:t>
-            </a:r>
-            <a:r>
-              <a:rPr lang="fr-FR" sz="2000" dirty="0" smtClean="0">
+              <a:rPr lang="fr-FR" dirty="0" smtClean="0"/>
+              <a:t> </a:t>
+            </a:r>
+            <a:r>
+              <a:rPr lang="fr-FR" dirty="0" err="1" smtClean="0"/>
+              <a:t>used</a:t>
+            </a:r>
+            <a:r>
+              <a:rPr lang="fr-FR" dirty="0" smtClean="0"/>
+              <a:t> </a:t>
+            </a:r>
+            <a:r>
+              <a:rPr lang="fr-FR" dirty="0" err="1" smtClean="0"/>
+              <a:t>with</a:t>
+            </a:r>
+            <a:r>
+              <a:rPr lang="fr-FR" dirty="0" smtClean="0"/>
+              <a:t> </a:t>
+            </a:r>
+            <a:r>
+              <a:rPr lang="fr-FR" dirty="0" err="1" smtClean="0"/>
+              <a:t>maven</a:t>
+            </a:r>
+            <a:r>
+              <a:rPr lang="fr-FR" dirty="0" smtClean="0"/>
+              <a:t> </a:t>
+            </a:r>
+            <a:r>
+              <a:rPr lang="fr-FR" dirty="0" err="1" smtClean="0">
                 <a:hlinkClick r:id="rId2"/>
               </a:rPr>
-              <a:t>reset </a:t>
-            </a:r>
-            <a:r>
-              <a:rPr lang="fr-FR" sz="2000" dirty="0" err="1" smtClean="0">
-                <a:hlinkClick r:id="rId2"/>
-              </a:rPr>
-              <a:t>demystified</a:t>
+              <a:t>link</a:t>
             </a:r>
             <a:endParaRPr lang="fr-FR" dirty="0" smtClean="0"/>
           </a:p>
@@ -17011,54 +17944,10 @@
           </a:p>
         </p:txBody>
       </p:sp>
-      <p:sp>
-        <p:nvSpPr>
-          <p:cNvPr id="5" name="&quot;No&quot; Symbol 4"/>
-          <p:cNvSpPr/>
-          <p:nvPr/>
-        </p:nvSpPr>
-        <p:spPr>
-          <a:xfrm>
-            <a:off x="38100" y="38100"/>
-            <a:ext cx="533400" cy="533400"/>
-          </a:xfrm>
-          <a:prstGeom prst="noSmoking">
-            <a:avLst/>
-          </a:prstGeom>
-        </p:spPr>
-        <p:style>
-          <a:lnRef idx="2">
-            <a:schemeClr val="accent1">
-              <a:shade val="50000"/>
-            </a:schemeClr>
-          </a:lnRef>
-          <a:fillRef idx="1">
-            <a:schemeClr val="accent1"/>
-          </a:fillRef>
-          <a:effectRef idx="0">
-            <a:schemeClr val="accent1"/>
-          </a:effectRef>
-          <a:fontRef idx="minor">
-            <a:schemeClr val="lt1"/>
-          </a:fontRef>
-        </p:style>
-        <p:txBody>
-          <a:bodyPr rtlCol="0" anchor="ctr"/>
-          <a:lstStyle/>
-          <a:p>
-            <a:pPr algn="ctr"/>
-            <a:endParaRPr lang="en-US">
-              <a:solidFill>
-                <a:schemeClr val="tx1"/>
-              </a:solidFill>
-            </a:endParaRPr>
-          </a:p>
-        </p:txBody>
-      </p:sp>
     </p:spTree>
     <p:extLst>
       <p:ext uri="{BB962C8B-B14F-4D97-AF65-F5344CB8AC3E}">
-        <p14:creationId xmlns:p14="http://schemas.microsoft.com/office/powerpoint/2010/main" val="275042707"/>
+        <p14:creationId xmlns:p14="http://schemas.microsoft.com/office/powerpoint/2010/main" val="2608339161"/>
       </p:ext>
     </p:extLst>
   </p:cSld>
@@ -17926,19 +18815,11 @@
             </a:br>
             <a:r>
               <a:rPr lang="fr-FR" sz="3600" dirty="0" smtClean="0"/>
-              <a:t>(Use </a:t>
+              <a:t>(</a:t>
             </a:r>
             <a:r>
               <a:rPr lang="fr-FR" sz="3600" dirty="0" err="1" smtClean="0"/>
-              <a:t>submodules</a:t>
-            </a:r>
-            <a:r>
-              <a:rPr lang="fr-FR" sz="3600" dirty="0" smtClean="0"/>
-              <a:t> and </a:t>
-            </a:r>
-            <a:r>
-              <a:rPr lang="fr-FR" sz="3600" dirty="0" err="1" smtClean="0"/>
-              <a:t>dependencies</a:t>
+              <a:t>Hooks</a:t>
             </a:r>
             <a:r>
               <a:rPr lang="fr-FR" sz="3600" dirty="0" smtClean="0"/>
@@ -17948,346 +18829,35 @@
           </a:p>
         </p:txBody>
       </p:sp>
-      <p:sp>
-        <p:nvSpPr>
-          <p:cNvPr id="3" name="Content Placeholder 2"/>
-          <p:cNvSpPr>
-            <a:spLocks noGrp="1"/>
-          </p:cNvSpPr>
+      <p:pic>
+        <p:nvPicPr>
+          <p:cNvPr id="5" name="Content Placeholder 4"/>
+          <p:cNvPicPr>
+            <a:picLocks noGrp="1" noChangeAspect="1"/>
+          </p:cNvPicPr>
           <p:nvPr>
             <p:ph idx="1"/>
           </p:nvPr>
-        </p:nvSpPr>
-        <p:spPr/>
-        <p:txBody>
-          <a:bodyPr>
-            <a:normAutofit lnSpcReduction="10000"/>
-          </a:bodyPr>
-          <a:lstStyle/>
-          <a:p>
-            <a:r>
-              <a:rPr lang="fr-FR" dirty="0" smtClean="0"/>
-              <a:t>A </a:t>
-            </a:r>
-            <a:r>
-              <a:rPr lang="fr-FR" dirty="0" err="1" smtClean="0"/>
-              <a:t>submodule</a:t>
-            </a:r>
-            <a:r>
-              <a:rPr lang="fr-FR" dirty="0" smtClean="0"/>
-              <a:t> </a:t>
-            </a:r>
-            <a:r>
-              <a:rPr lang="fr-FR" dirty="0" err="1" smtClean="0"/>
-              <a:t>is</a:t>
-            </a:r>
-            <a:r>
-              <a:rPr lang="fr-FR" dirty="0" smtClean="0"/>
-              <a:t> a </a:t>
-            </a:r>
-            <a:r>
-              <a:rPr lang="fr-FR" dirty="0" err="1" smtClean="0"/>
-              <a:t>repository</a:t>
-            </a:r>
-            <a:r>
-              <a:rPr lang="fr-FR" dirty="0" smtClean="0"/>
-              <a:t> </a:t>
-            </a:r>
-            <a:r>
-              <a:rPr lang="fr-FR" dirty="0" err="1" smtClean="0"/>
-              <a:t>declared</a:t>
-            </a:r>
-            <a:r>
-              <a:rPr lang="fr-FR" dirty="0" smtClean="0"/>
-              <a:t> as a </a:t>
-            </a:r>
-            <a:r>
-              <a:rPr lang="fr-FR" dirty="0" err="1" smtClean="0"/>
-              <a:t>dependency</a:t>
-            </a:r>
-            <a:r>
-              <a:rPr lang="fr-FR" dirty="0" smtClean="0"/>
-              <a:t> of </a:t>
-            </a:r>
-            <a:r>
-              <a:rPr lang="fr-FR" dirty="0" err="1" smtClean="0"/>
-              <a:t>your</a:t>
-            </a:r>
-            <a:r>
-              <a:rPr lang="fr-FR" dirty="0" smtClean="0"/>
-              <a:t> </a:t>
-            </a:r>
-            <a:r>
-              <a:rPr lang="fr-FR" dirty="0" err="1" smtClean="0"/>
-              <a:t>repository</a:t>
-            </a:r>
-            <a:r>
-              <a:rPr lang="fr-FR" dirty="0" smtClean="0"/>
-              <a:t>.</a:t>
-            </a:r>
-          </a:p>
-          <a:p>
-            <a:r>
-              <a:rPr lang="fr-FR" dirty="0" smtClean="0"/>
-              <a:t>You </a:t>
-            </a:r>
-            <a:r>
-              <a:rPr lang="fr-FR" dirty="0" err="1" smtClean="0"/>
-              <a:t>will</a:t>
-            </a:r>
-            <a:r>
-              <a:rPr lang="fr-FR" dirty="0" smtClean="0"/>
-              <a:t> have a clone of </a:t>
-            </a:r>
-            <a:r>
-              <a:rPr lang="fr-FR" dirty="0" err="1" smtClean="0"/>
-              <a:t>that</a:t>
-            </a:r>
-            <a:r>
-              <a:rPr lang="fr-FR" dirty="0" smtClean="0"/>
-              <a:t> </a:t>
-            </a:r>
-            <a:r>
-              <a:rPr lang="fr-FR" dirty="0" err="1" smtClean="0"/>
-              <a:t>repository</a:t>
-            </a:r>
-            <a:r>
-              <a:rPr lang="fr-FR" dirty="0" smtClean="0"/>
-              <a:t> in </a:t>
-            </a:r>
-            <a:r>
-              <a:rPr lang="fr-FR" dirty="0" err="1" smtClean="0"/>
-              <a:t>you</a:t>
-            </a:r>
-            <a:r>
-              <a:rPr lang="fr-FR" dirty="0" smtClean="0"/>
-              <a:t> main </a:t>
-            </a:r>
-            <a:r>
-              <a:rPr lang="fr-FR" dirty="0" err="1" smtClean="0"/>
-              <a:t>project</a:t>
-            </a:r>
-            <a:r>
-              <a:rPr lang="fr-FR" dirty="0" smtClean="0"/>
-              <a:t> </a:t>
-            </a:r>
-            <a:r>
-              <a:rPr lang="fr-FR" dirty="0" err="1" smtClean="0"/>
-              <a:t>repository</a:t>
-            </a:r>
-            <a:endParaRPr lang="fr-FR" dirty="0" smtClean="0"/>
-          </a:p>
-          <a:p>
-            <a:r>
-              <a:rPr lang="fr-FR" baseline="0" dirty="0" smtClean="0"/>
-              <a:t>The</a:t>
-            </a:r>
-            <a:r>
-              <a:rPr lang="fr-FR" dirty="0" smtClean="0"/>
-              <a:t> </a:t>
-            </a:r>
-            <a:r>
-              <a:rPr lang="fr-FR" dirty="0" err="1" smtClean="0"/>
-              <a:t>submodule</a:t>
-            </a:r>
-            <a:r>
-              <a:rPr lang="fr-FR" dirty="0" smtClean="0"/>
-              <a:t> has a </a:t>
-            </a:r>
-            <a:r>
-              <a:rPr lang="fr-FR" dirty="0" err="1" smtClean="0"/>
-              <a:t>detached</a:t>
-            </a:r>
-            <a:r>
-              <a:rPr lang="fr-FR" dirty="0" smtClean="0"/>
-              <a:t> </a:t>
-            </a:r>
-            <a:r>
-              <a:rPr lang="fr-FR" dirty="0" err="1" smtClean="0"/>
-              <a:t>head</a:t>
-            </a:r>
-            <a:r>
-              <a:rPr lang="fr-FR" dirty="0" smtClean="0"/>
-              <a:t> : </a:t>
-            </a:r>
-            <a:r>
-              <a:rPr lang="fr-FR" dirty="0" err="1" smtClean="0"/>
-              <a:t>which</a:t>
-            </a:r>
-            <a:r>
-              <a:rPr lang="fr-FR" dirty="0" smtClean="0"/>
-              <a:t> </a:t>
-            </a:r>
-            <a:r>
-              <a:rPr lang="fr-FR" dirty="0" err="1" smtClean="0"/>
-              <a:t>means</a:t>
-            </a:r>
-            <a:r>
-              <a:rPr lang="fr-FR" dirty="0" smtClean="0"/>
-              <a:t> the </a:t>
-            </a:r>
-            <a:r>
-              <a:rPr lang="fr-FR" dirty="0" err="1" smtClean="0"/>
-              <a:t>it</a:t>
-            </a:r>
-            <a:r>
-              <a:rPr lang="fr-FR" dirty="0" smtClean="0"/>
-              <a:t> points to a commit and not to a </a:t>
-            </a:r>
-            <a:r>
-              <a:rPr lang="fr-FR" dirty="0" err="1" smtClean="0"/>
-              <a:t>branch</a:t>
-            </a:r>
-            <a:r>
-              <a:rPr lang="fr-FR" dirty="0" smtClean="0"/>
-              <a:t> </a:t>
-            </a:r>
-            <a:r>
-              <a:rPr lang="fr-FR" dirty="0" err="1" smtClean="0"/>
-              <a:t>head</a:t>
-            </a:r>
-            <a:r>
-              <a:rPr lang="fr-FR" dirty="0" smtClean="0"/>
-              <a:t> (</a:t>
-            </a:r>
-            <a:r>
-              <a:rPr lang="fr-FR" dirty="0" err="1" smtClean="0"/>
-              <a:t>it</a:t>
-            </a:r>
-            <a:r>
-              <a:rPr lang="fr-FR" dirty="0" smtClean="0"/>
-              <a:t> </a:t>
-            </a:r>
-            <a:r>
-              <a:rPr lang="fr-FR" dirty="0" err="1" smtClean="0"/>
-              <a:t>is</a:t>
-            </a:r>
-            <a:r>
-              <a:rPr lang="fr-FR" dirty="0" smtClean="0"/>
-              <a:t> </a:t>
-            </a:r>
-            <a:r>
-              <a:rPr lang="fr-FR" dirty="0" err="1" smtClean="0"/>
-              <a:t>like</a:t>
-            </a:r>
-            <a:r>
-              <a:rPr lang="fr-FR" dirty="0" smtClean="0"/>
-              <a:t> </a:t>
-            </a:r>
-            <a:r>
-              <a:rPr lang="fr-FR" dirty="0" err="1" smtClean="0"/>
-              <a:t>pointing</a:t>
-            </a:r>
-            <a:r>
-              <a:rPr lang="fr-FR" dirty="0" smtClean="0"/>
-              <a:t> to a </a:t>
-            </a:r>
-            <a:r>
-              <a:rPr lang="fr-FR" dirty="0" err="1" smtClean="0"/>
-              <a:t>specific</a:t>
-            </a:r>
-            <a:r>
-              <a:rPr lang="fr-FR" dirty="0" smtClean="0"/>
-              <a:t> </a:t>
-            </a:r>
-            <a:r>
-              <a:rPr lang="fr-FR" dirty="0" err="1" smtClean="0"/>
-              <a:t>revision</a:t>
-            </a:r>
-            <a:r>
-              <a:rPr lang="fr-FR" dirty="0" smtClean="0"/>
-              <a:t>, </a:t>
-            </a:r>
-            <a:r>
-              <a:rPr lang="fr-FR" dirty="0" err="1" smtClean="0"/>
-              <a:t>instead</a:t>
-            </a:r>
-            <a:r>
-              <a:rPr lang="fr-FR" dirty="0" smtClean="0"/>
-              <a:t> of </a:t>
-            </a:r>
-            <a:r>
-              <a:rPr lang="fr-FR" dirty="0" err="1" smtClean="0"/>
-              <a:t>pointing</a:t>
-            </a:r>
-            <a:r>
-              <a:rPr lang="fr-FR" dirty="0" smtClean="0"/>
-              <a:t> to a </a:t>
-            </a:r>
-            <a:r>
-              <a:rPr lang="fr-FR" dirty="0" err="1" smtClean="0"/>
-              <a:t>branch</a:t>
-            </a:r>
-            <a:r>
-              <a:rPr lang="fr-FR" dirty="0" smtClean="0"/>
-              <a:t>)</a:t>
-            </a:r>
-          </a:p>
-          <a:p>
-            <a:r>
-              <a:rPr lang="fr-FR" dirty="0" err="1" smtClean="0"/>
-              <a:t>Submodules</a:t>
-            </a:r>
-            <a:r>
-              <a:rPr lang="fr-FR" dirty="0" smtClean="0"/>
-              <a:t> </a:t>
-            </a:r>
-            <a:r>
-              <a:rPr lang="fr-FR" dirty="0" err="1" smtClean="0"/>
-              <a:t>can</a:t>
-            </a:r>
-            <a:r>
-              <a:rPr lang="fr-FR" dirty="0" smtClean="0"/>
-              <a:t> </a:t>
-            </a:r>
-            <a:r>
-              <a:rPr lang="fr-FR" dirty="0" err="1" smtClean="0"/>
-              <a:t>be</a:t>
-            </a:r>
-            <a:r>
-              <a:rPr lang="fr-FR" dirty="0" smtClean="0"/>
-              <a:t> </a:t>
-            </a:r>
-            <a:r>
-              <a:rPr lang="fr-FR" dirty="0" err="1" smtClean="0"/>
-              <a:t>used</a:t>
-            </a:r>
-            <a:r>
-              <a:rPr lang="fr-FR" dirty="0" smtClean="0"/>
-              <a:t> </a:t>
-            </a:r>
-            <a:r>
-              <a:rPr lang="fr-FR" dirty="0" err="1" smtClean="0"/>
-              <a:t>with</a:t>
-            </a:r>
-            <a:r>
-              <a:rPr lang="fr-FR" dirty="0" smtClean="0"/>
-              <a:t> </a:t>
-            </a:r>
-            <a:r>
-              <a:rPr lang="fr-FR" dirty="0" err="1" smtClean="0"/>
-              <a:t>maven</a:t>
-            </a:r>
-            <a:r>
-              <a:rPr lang="fr-FR" dirty="0" smtClean="0"/>
-              <a:t> </a:t>
-            </a:r>
-            <a:r>
-              <a:rPr lang="fr-FR" dirty="0" err="1" smtClean="0">
-                <a:hlinkClick r:id="rId2"/>
-              </a:rPr>
-              <a:t>link</a:t>
-            </a:r>
-            <a:endParaRPr lang="fr-FR" dirty="0" smtClean="0"/>
-          </a:p>
-          <a:p>
-            <a:endParaRPr lang="fr-FR" baseline="0" dirty="0" smtClean="0"/>
-          </a:p>
-          <a:p>
-            <a:endParaRPr lang="fr-FR" dirty="0"/>
-          </a:p>
-        </p:txBody>
-      </p:sp>
+        </p:nvPicPr>
+        <p:blipFill>
+          <a:blip r:embed="rId2">
+            <a:extLst>
+              <a:ext uri="{28A0092B-C50C-407E-A947-70E740481C1C}">
+                <a14:useLocalDpi xmlns:a14="http://schemas.microsoft.com/office/drawing/2010/main" val="0"/>
+              </a:ext>
+            </a:extLst>
+          </a:blip>
+          <a:stretch>
+            <a:fillRect/>
+          </a:stretch>
+        </p:blipFill>
+        <p:spPr>
+          <a:xfrm>
+            <a:off x="5562600" y="2743200"/>
+            <a:ext cx="2862386" cy="3388446"/>
+          </a:xfrm>
+        </p:spPr>
+      </p:pic>
       <p:sp>
         <p:nvSpPr>
           <p:cNvPr id="4" name="Slide Number Placeholder 3"/>
@@ -18312,10 +18882,300 @@
           </a:p>
         </p:txBody>
       </p:sp>
+      <p:sp>
+        <p:nvSpPr>
+          <p:cNvPr id="6" name="TextBox 5"/>
+          <p:cNvSpPr txBox="1"/>
+          <p:nvPr/>
+        </p:nvSpPr>
+        <p:spPr>
+          <a:xfrm>
+            <a:off x="76200" y="1524000"/>
+            <a:ext cx="5239576" cy="4278094"/>
+          </a:xfrm>
+          <a:prstGeom prst="rect">
+            <a:avLst/>
+          </a:prstGeom>
+          <a:noFill/>
+        </p:spPr>
+        <p:txBody>
+          <a:bodyPr wrap="none" rtlCol="0">
+            <a:spAutoFit/>
+          </a:bodyPr>
+          <a:lstStyle/>
+          <a:p>
+            <a:pPr algn="ctr"/>
+            <a:r>
+              <a:rPr lang="en-US" sz="1600" b="1" dirty="0" err="1" smtClean="0"/>
+              <a:t>Exemple</a:t>
+            </a:r>
+            <a:r>
+              <a:rPr lang="en-US" sz="1600" b="1" dirty="0" smtClean="0"/>
+              <a:t> : Automatic Unit test before commit</a:t>
+            </a:r>
+          </a:p>
+          <a:p>
+            <a:endParaRPr lang="en-US" sz="1600" dirty="0"/>
+          </a:p>
+          <a:p>
+            <a:r>
+              <a:rPr lang="en-US" sz="1600" dirty="0" smtClean="0"/>
+              <a:t>&gt;&gt; in .</a:t>
+            </a:r>
+            <a:r>
+              <a:rPr lang="en-US" sz="1600" dirty="0" err="1" smtClean="0"/>
+              <a:t>git</a:t>
+            </a:r>
+            <a:r>
+              <a:rPr lang="en-US" sz="1600" dirty="0" smtClean="0"/>
+              <a:t>/hooks/pre-commit</a:t>
+            </a:r>
+          </a:p>
+          <a:p>
+            <a:endParaRPr lang="en-US" sz="1600" dirty="0" smtClean="0"/>
+          </a:p>
+          <a:p>
+            <a:r>
+              <a:rPr lang="en-US" sz="1600" dirty="0" smtClean="0"/>
+              <a:t>#!/</a:t>
+            </a:r>
+            <a:r>
+              <a:rPr lang="en-US" sz="1600" dirty="0"/>
+              <a:t>bin/</a:t>
+            </a:r>
+            <a:r>
+              <a:rPr lang="en-US" sz="1600" dirty="0" err="1"/>
+              <a:t>sh</a:t>
+            </a:r>
+            <a:endParaRPr lang="en-US" sz="1600" dirty="0"/>
+          </a:p>
+          <a:p>
+            <a:r>
+              <a:rPr lang="en-US" sz="1600" dirty="0"/>
+              <a:t> </a:t>
+            </a:r>
+          </a:p>
+          <a:p>
+            <a:r>
+              <a:rPr lang="en-US" sz="1600" dirty="0"/>
+              <a:t># Run the test suite.</a:t>
+            </a:r>
+          </a:p>
+          <a:p>
+            <a:r>
+              <a:rPr lang="en-US" sz="1600" dirty="0"/>
+              <a:t># It will exit with 0 if it everything compiled and tested fine.</a:t>
+            </a:r>
+          </a:p>
+          <a:p>
+            <a:r>
+              <a:rPr lang="en-US" sz="1600" dirty="0"/>
+              <a:t>ant test</a:t>
+            </a:r>
+          </a:p>
+          <a:p>
+            <a:r>
+              <a:rPr lang="en-US" sz="1600" dirty="0"/>
+              <a:t>if [ $? -</a:t>
+            </a:r>
+            <a:r>
+              <a:rPr lang="en-US" sz="1600" dirty="0" err="1"/>
+              <a:t>eq</a:t>
+            </a:r>
+            <a:r>
+              <a:rPr lang="en-US" sz="1600" dirty="0"/>
+              <a:t> 0 ]; then</a:t>
+            </a:r>
+          </a:p>
+          <a:p>
+            <a:r>
+              <a:rPr lang="en-US" sz="1600" dirty="0"/>
+              <a:t>  exit 0</a:t>
+            </a:r>
+          </a:p>
+          <a:p>
+            <a:r>
+              <a:rPr lang="en-US" sz="1600" dirty="0"/>
+              <a:t>else</a:t>
+            </a:r>
+          </a:p>
+          <a:p>
+            <a:r>
+              <a:rPr lang="en-US" sz="1600" dirty="0"/>
+              <a:t>  echo "Building your project or running the tests failed."</a:t>
+            </a:r>
+          </a:p>
+          <a:p>
+            <a:r>
+              <a:rPr lang="en-US" sz="1600" dirty="0"/>
+              <a:t>  echo "Aborting the commit. Run with --no-verify to ignore."</a:t>
+            </a:r>
+          </a:p>
+          <a:p>
+            <a:r>
+              <a:rPr lang="en-US" sz="1600" dirty="0"/>
+              <a:t>  exit 1</a:t>
+            </a:r>
+          </a:p>
+          <a:p>
+            <a:r>
+              <a:rPr lang="en-US" sz="1600" dirty="0"/>
+              <a:t>fi</a:t>
+            </a:r>
+          </a:p>
+          <a:p>
+            <a:endParaRPr lang="fr-FR" sz="1600" dirty="0"/>
+          </a:p>
+        </p:txBody>
+      </p:sp>
+      <p:sp>
+        <p:nvSpPr>
+          <p:cNvPr id="7" name="TextBox 6"/>
+          <p:cNvSpPr txBox="1"/>
+          <p:nvPr/>
+        </p:nvSpPr>
+        <p:spPr>
+          <a:xfrm>
+            <a:off x="5562600" y="1307068"/>
+            <a:ext cx="3658309" cy="923330"/>
+          </a:xfrm>
+          <a:prstGeom prst="rect">
+            <a:avLst/>
+          </a:prstGeom>
+          <a:noFill/>
+        </p:spPr>
+        <p:txBody>
+          <a:bodyPr wrap="none" rtlCol="0">
+            <a:spAutoFit/>
+          </a:bodyPr>
+          <a:lstStyle/>
+          <a:p>
+            <a:r>
+              <a:rPr lang="fr-FR" dirty="0" smtClean="0"/>
+              <a:t>Note : the </a:t>
+            </a:r>
+            <a:r>
+              <a:rPr lang="fr-FR" dirty="0" err="1" smtClean="0"/>
+              <a:t>hooks</a:t>
+            </a:r>
+            <a:r>
+              <a:rPr lang="fr-FR" dirty="0" smtClean="0"/>
+              <a:t> </a:t>
+            </a:r>
+            <a:r>
+              <a:rPr lang="fr-FR" dirty="0" err="1" smtClean="0"/>
+              <a:t>folder</a:t>
+            </a:r>
+            <a:r>
+              <a:rPr lang="fr-FR" dirty="0" smtClean="0"/>
+              <a:t> </a:t>
+            </a:r>
+            <a:r>
+              <a:rPr lang="fr-FR" dirty="0" err="1" smtClean="0"/>
+              <a:t>contains</a:t>
+            </a:r>
+            <a:r>
+              <a:rPr lang="fr-FR" dirty="0" smtClean="0"/>
+              <a:t> </a:t>
+            </a:r>
+            <a:br>
+              <a:rPr lang="fr-FR" dirty="0" smtClean="0"/>
+            </a:br>
+            <a:r>
+              <a:rPr lang="fr-FR" dirty="0" err="1" smtClean="0"/>
+              <a:t>some</a:t>
+            </a:r>
+            <a:r>
+              <a:rPr lang="fr-FR" dirty="0" smtClean="0"/>
+              <a:t> </a:t>
+            </a:r>
+            <a:r>
+              <a:rPr lang="fr-FR" dirty="0" err="1" smtClean="0"/>
+              <a:t>samples</a:t>
+            </a:r>
+            <a:r>
+              <a:rPr lang="fr-FR" dirty="0" smtClean="0"/>
+              <a:t> of scripts, to use </a:t>
+            </a:r>
+            <a:r>
+              <a:rPr lang="fr-FR" dirty="0" err="1" smtClean="0"/>
+              <a:t>them</a:t>
+            </a:r>
+            <a:r>
+              <a:rPr lang="fr-FR" dirty="0" smtClean="0"/>
+              <a:t/>
+            </a:r>
+            <a:br>
+              <a:rPr lang="fr-FR" dirty="0" smtClean="0"/>
+            </a:br>
+            <a:r>
+              <a:rPr lang="fr-FR" dirty="0" err="1" smtClean="0"/>
+              <a:t>remove</a:t>
+            </a:r>
+            <a:r>
+              <a:rPr lang="fr-FR" dirty="0" smtClean="0"/>
+              <a:t> the « .</a:t>
+            </a:r>
+            <a:r>
+              <a:rPr lang="fr-FR" dirty="0" err="1" smtClean="0"/>
+              <a:t>sample</a:t>
+            </a:r>
+            <a:r>
+              <a:rPr lang="fr-FR" dirty="0" smtClean="0"/>
+              <a:t> »</a:t>
+            </a:r>
+            <a:endParaRPr lang="fr-FR" dirty="0"/>
+          </a:p>
+        </p:txBody>
+      </p:sp>
+      <p:sp>
+        <p:nvSpPr>
+          <p:cNvPr id="8" name="&quot;No&quot; Symbol 7"/>
+          <p:cNvSpPr/>
+          <p:nvPr/>
+        </p:nvSpPr>
+        <p:spPr>
+          <a:xfrm>
+            <a:off x="38100" y="38100"/>
+            <a:ext cx="533400" cy="533400"/>
+          </a:xfrm>
+          <a:prstGeom prst="noSmoking">
+            <a:avLst/>
+          </a:prstGeom>
+        </p:spPr>
+        <p:style>
+          <a:lnRef idx="2">
+            <a:schemeClr val="accent1">
+              <a:shade val="50000"/>
+            </a:schemeClr>
+          </a:lnRef>
+          <a:fillRef idx="1">
+            <a:schemeClr val="accent1"/>
+          </a:fillRef>
+          <a:effectRef idx="0">
+            <a:schemeClr val="accent1"/>
+          </a:effectRef>
+          <a:fontRef idx="minor">
+            <a:schemeClr val="lt1"/>
+          </a:fontRef>
+        </p:style>
+        <p:txBody>
+          <a:bodyPr rtlCol="0" anchor="ctr"/>
+          <a:lstStyle/>
+          <a:p>
+            <a:pPr algn="ctr"/>
+            <a:endParaRPr lang="en-US">
+              <a:solidFill>
+                <a:schemeClr val="tx1"/>
+              </a:solidFill>
+            </a:endParaRPr>
+          </a:p>
+        </p:txBody>
+      </p:sp>
     </p:spTree>
     <p:extLst>
       <p:ext uri="{BB962C8B-B14F-4D97-AF65-F5344CB8AC3E}">
-        <p14:creationId xmlns:p14="http://schemas.microsoft.com/office/powerpoint/2010/main" val="2608339161"/>
+        <p14:creationId xmlns:p14="http://schemas.microsoft.com/office/powerpoint/2010/main" val="2963695279"/>
       </p:ext>
     </p:extLst>
   </p:cSld>
@@ -18395,49 +19255,12 @@
             </a:br>
             <a:r>
               <a:rPr lang="fr-FR" sz="3600" dirty="0" smtClean="0"/>
-              <a:t>(</a:t>
-            </a:r>
-            <a:r>
-              <a:rPr lang="fr-FR" sz="3600" dirty="0" err="1" smtClean="0"/>
-              <a:t>Hooks</a:t>
-            </a:r>
-            <a:r>
-              <a:rPr lang="fr-FR" sz="3600" dirty="0" smtClean="0"/>
-              <a:t>)</a:t>
+              <a:t>(Notes about Hg)</a:t>
             </a:r>
             <a:endParaRPr lang="fr-FR" dirty="0"/>
           </a:p>
         </p:txBody>
       </p:sp>
-      <p:pic>
-        <p:nvPicPr>
-          <p:cNvPr id="5" name="Content Placeholder 4"/>
-          <p:cNvPicPr>
-            <a:picLocks noGrp="1" noChangeAspect="1"/>
-          </p:cNvPicPr>
-          <p:nvPr>
-            <p:ph idx="1"/>
-          </p:nvPr>
-        </p:nvPicPr>
-        <p:blipFill>
-          <a:blip r:embed="rId2">
-            <a:extLst>
-              <a:ext uri="{28A0092B-C50C-407E-A947-70E740481C1C}">
-                <a14:useLocalDpi xmlns:a14="http://schemas.microsoft.com/office/drawing/2010/main" val="0"/>
-              </a:ext>
-            </a:extLst>
-          </a:blip>
-          <a:stretch>
-            <a:fillRect/>
-          </a:stretch>
-        </p:blipFill>
-        <p:spPr>
-          <a:xfrm>
-            <a:off x="5562600" y="2743200"/>
-            <a:ext cx="2862386" cy="3388446"/>
-          </a:xfrm>
-        </p:spPr>
-      </p:pic>
       <p:sp>
         <p:nvSpPr>
           <p:cNvPr id="4" name="Slide Number Placeholder 3"/>
@@ -18464,247 +19287,52 @@
       </p:sp>
       <p:sp>
         <p:nvSpPr>
-          <p:cNvPr id="6" name="TextBox 5"/>
-          <p:cNvSpPr txBox="1"/>
-          <p:nvPr/>
-        </p:nvSpPr>
-        <p:spPr>
-          <a:xfrm>
-            <a:off x="76200" y="1524000"/>
-            <a:ext cx="5239576" cy="4278094"/>
-          </a:xfrm>
-          <a:prstGeom prst="rect">
-            <a:avLst/>
-          </a:prstGeom>
-          <a:noFill/>
-        </p:spPr>
-        <p:txBody>
-          <a:bodyPr wrap="none" rtlCol="0">
-            <a:spAutoFit/>
-          </a:bodyPr>
-          <a:lstStyle/>
-          <a:p>
-            <a:pPr algn="ctr"/>
-            <a:r>
-              <a:rPr lang="en-US" sz="1600" b="1" dirty="0" err="1" smtClean="0"/>
-              <a:t>Exemple</a:t>
-            </a:r>
-            <a:r>
-              <a:rPr lang="en-US" sz="1600" b="1" dirty="0" smtClean="0"/>
-              <a:t> : Automatic Unit test before commit</a:t>
-            </a:r>
-          </a:p>
-          <a:p>
-            <a:endParaRPr lang="en-US" sz="1600" dirty="0"/>
-          </a:p>
-          <a:p>
-            <a:r>
-              <a:rPr lang="en-US" sz="1600" dirty="0" smtClean="0"/>
-              <a:t>&gt;&gt; in .</a:t>
-            </a:r>
-            <a:r>
-              <a:rPr lang="en-US" sz="1600" dirty="0" err="1" smtClean="0"/>
-              <a:t>git</a:t>
-            </a:r>
-            <a:r>
-              <a:rPr lang="en-US" sz="1600" dirty="0" smtClean="0"/>
-              <a:t>/hooks/pre-commit</a:t>
-            </a:r>
-          </a:p>
-          <a:p>
-            <a:endParaRPr lang="en-US" sz="1600" dirty="0" smtClean="0"/>
-          </a:p>
-          <a:p>
-            <a:r>
-              <a:rPr lang="en-US" sz="1600" dirty="0" smtClean="0"/>
-              <a:t>#!/</a:t>
-            </a:r>
-            <a:r>
-              <a:rPr lang="en-US" sz="1600" dirty="0"/>
-              <a:t>bin/</a:t>
-            </a:r>
-            <a:r>
-              <a:rPr lang="en-US" sz="1600" dirty="0" err="1"/>
-              <a:t>sh</a:t>
-            </a:r>
-            <a:endParaRPr lang="en-US" sz="1600" dirty="0"/>
-          </a:p>
-          <a:p>
-            <a:r>
-              <a:rPr lang="en-US" sz="1600" dirty="0"/>
-              <a:t> </a:t>
-            </a:r>
-          </a:p>
-          <a:p>
-            <a:r>
-              <a:rPr lang="en-US" sz="1600" dirty="0"/>
-              <a:t># Run the test suite.</a:t>
-            </a:r>
-          </a:p>
-          <a:p>
-            <a:r>
-              <a:rPr lang="en-US" sz="1600" dirty="0"/>
-              <a:t># It will exit with 0 if it everything compiled and tested fine.</a:t>
-            </a:r>
-          </a:p>
-          <a:p>
-            <a:r>
-              <a:rPr lang="en-US" sz="1600" dirty="0"/>
-              <a:t>ant test</a:t>
-            </a:r>
-          </a:p>
-          <a:p>
-            <a:r>
-              <a:rPr lang="en-US" sz="1600" dirty="0"/>
-              <a:t>if [ $? -</a:t>
-            </a:r>
-            <a:r>
-              <a:rPr lang="en-US" sz="1600" dirty="0" err="1"/>
-              <a:t>eq</a:t>
-            </a:r>
-            <a:r>
-              <a:rPr lang="en-US" sz="1600" dirty="0"/>
-              <a:t> 0 ]; then</a:t>
-            </a:r>
-          </a:p>
-          <a:p>
-            <a:r>
-              <a:rPr lang="en-US" sz="1600" dirty="0"/>
-              <a:t>  exit 0</a:t>
-            </a:r>
-          </a:p>
-          <a:p>
-            <a:r>
-              <a:rPr lang="en-US" sz="1600" dirty="0"/>
-              <a:t>else</a:t>
-            </a:r>
-          </a:p>
-          <a:p>
-            <a:r>
-              <a:rPr lang="en-US" sz="1600" dirty="0"/>
-              <a:t>  echo "Building your project or running the tests failed."</a:t>
-            </a:r>
-          </a:p>
-          <a:p>
-            <a:r>
-              <a:rPr lang="en-US" sz="1600" dirty="0"/>
-              <a:t>  echo "Aborting the commit. Run with --no-verify to ignore."</a:t>
-            </a:r>
-          </a:p>
-          <a:p>
-            <a:r>
-              <a:rPr lang="en-US" sz="1600" dirty="0"/>
-              <a:t>  exit 1</a:t>
-            </a:r>
-          </a:p>
-          <a:p>
-            <a:r>
-              <a:rPr lang="en-US" sz="1600" dirty="0"/>
-              <a:t>fi</a:t>
-            </a:r>
-          </a:p>
-          <a:p>
-            <a:endParaRPr lang="fr-FR" sz="1600" dirty="0"/>
-          </a:p>
-        </p:txBody>
-      </p:sp>
-      <p:sp>
-        <p:nvSpPr>
-          <p:cNvPr id="7" name="TextBox 6"/>
-          <p:cNvSpPr txBox="1"/>
-          <p:nvPr/>
-        </p:nvSpPr>
-        <p:spPr>
-          <a:xfrm>
-            <a:off x="5562600" y="1307068"/>
-            <a:ext cx="3658309" cy="923330"/>
-          </a:xfrm>
-          <a:prstGeom prst="rect">
-            <a:avLst/>
-          </a:prstGeom>
-          <a:noFill/>
-        </p:spPr>
-        <p:txBody>
-          <a:bodyPr wrap="none" rtlCol="0">
-            <a:spAutoFit/>
-          </a:bodyPr>
-          <a:lstStyle/>
-          <a:p>
-            <a:r>
-              <a:rPr lang="fr-FR" dirty="0" smtClean="0"/>
-              <a:t>Note : the </a:t>
-            </a:r>
-            <a:r>
-              <a:rPr lang="fr-FR" dirty="0" err="1" smtClean="0"/>
-              <a:t>hooks</a:t>
-            </a:r>
-            <a:r>
-              <a:rPr lang="fr-FR" dirty="0" smtClean="0"/>
-              <a:t> </a:t>
-            </a:r>
-            <a:r>
-              <a:rPr lang="fr-FR" dirty="0" err="1" smtClean="0"/>
-              <a:t>folder</a:t>
-            </a:r>
-            <a:r>
-              <a:rPr lang="fr-FR" dirty="0" smtClean="0"/>
-              <a:t> </a:t>
-            </a:r>
-            <a:r>
-              <a:rPr lang="fr-FR" dirty="0" err="1" smtClean="0"/>
-              <a:t>contains</a:t>
-            </a:r>
-            <a:r>
-              <a:rPr lang="fr-FR" dirty="0" smtClean="0"/>
-              <a:t> </a:t>
-            </a:r>
-            <a:br>
-              <a:rPr lang="fr-FR" dirty="0" smtClean="0"/>
-            </a:br>
-            <a:r>
-              <a:rPr lang="fr-FR" dirty="0" err="1" smtClean="0"/>
-              <a:t>some</a:t>
-            </a:r>
-            <a:r>
-              <a:rPr lang="fr-FR" dirty="0" smtClean="0"/>
-              <a:t> </a:t>
-            </a:r>
-            <a:r>
-              <a:rPr lang="fr-FR" dirty="0" err="1" smtClean="0"/>
-              <a:t>samples</a:t>
-            </a:r>
-            <a:r>
-              <a:rPr lang="fr-FR" dirty="0" smtClean="0"/>
-              <a:t> of scripts, to use </a:t>
-            </a:r>
-            <a:r>
-              <a:rPr lang="fr-FR" dirty="0" err="1" smtClean="0"/>
-              <a:t>them</a:t>
-            </a:r>
-            <a:r>
-              <a:rPr lang="fr-FR" dirty="0" smtClean="0"/>
-              <a:t/>
-            </a:r>
-            <a:br>
-              <a:rPr lang="fr-FR" dirty="0" smtClean="0"/>
-            </a:br>
-            <a:r>
-              <a:rPr lang="fr-FR" dirty="0" err="1" smtClean="0"/>
-              <a:t>remove</a:t>
-            </a:r>
-            <a:r>
-              <a:rPr lang="fr-FR" dirty="0" smtClean="0"/>
-              <a:t> the « .</a:t>
-            </a:r>
-            <a:r>
-              <a:rPr lang="fr-FR" dirty="0" err="1" smtClean="0"/>
-              <a:t>sample</a:t>
-            </a:r>
-            <a:r>
-              <a:rPr lang="fr-FR" dirty="0" smtClean="0"/>
-              <a:t> »</a:t>
-            </a:r>
-            <a:endParaRPr lang="fr-FR" dirty="0"/>
+          <p:cNvPr id="3" name="Content Placeholder 2"/>
+          <p:cNvSpPr>
+            <a:spLocks noGrp="1"/>
+          </p:cNvSpPr>
+          <p:nvPr>
+            <p:ph idx="1"/>
+          </p:nvPr>
+        </p:nvSpPr>
+        <p:spPr/>
+        <p:txBody>
+          <a:bodyPr/>
+          <a:lstStyle/>
+          <a:p>
+            <a:r>
+              <a:rPr lang="fr-FR" dirty="0" err="1" smtClean="0"/>
+              <a:t>Submodules</a:t>
+            </a:r>
+            <a:r>
+              <a:rPr lang="fr-FR" dirty="0" smtClean="0"/>
+              <a:t> in Hg (</a:t>
+            </a:r>
+            <a:r>
+              <a:rPr lang="fr-FR" dirty="0" smtClean="0">
+                <a:hlinkClick r:id="rId2"/>
+              </a:rPr>
+              <a:t>wiki</a:t>
+            </a:r>
+            <a:r>
+              <a:rPr lang="fr-FR" dirty="0" smtClean="0"/>
+              <a:t>)</a:t>
+            </a:r>
+          </a:p>
+          <a:p>
+            <a:r>
+              <a:rPr lang="fr-FR" dirty="0" err="1" smtClean="0"/>
+              <a:t>Integration</a:t>
+            </a:r>
+            <a:r>
+              <a:rPr lang="fr-FR" dirty="0" smtClean="0"/>
+              <a:t> to </a:t>
+            </a:r>
+            <a:r>
+              <a:rPr lang="fr-FR" dirty="0" err="1" smtClean="0"/>
+              <a:t>kiln</a:t>
+            </a:r>
+            <a:endParaRPr lang="en-US" dirty="0"/>
           </a:p>
         </p:txBody>
       </p:sp>
@@ -18755,7 +19383,7 @@
     </p:spTree>
     <p:extLst>
       <p:ext uri="{BB962C8B-B14F-4D97-AF65-F5344CB8AC3E}">
-        <p14:creationId xmlns:p14="http://schemas.microsoft.com/office/powerpoint/2010/main" val="2963695279"/>
+        <p14:creationId xmlns:p14="http://schemas.microsoft.com/office/powerpoint/2010/main" val="493990242"/>
       </p:ext>
     </p:extLst>
   </p:cSld>
@@ -18826,16 +19454,156 @@
               <a:rPr lang="fr-FR" dirty="0"/>
               <a:t> </a:t>
             </a:r>
-            <a:r>
-              <a:rPr lang="fr-FR" dirty="0" smtClean="0"/>
-              <a:t/>
-            </a:r>
             <a:br>
-              <a:rPr lang="fr-FR" dirty="0" smtClean="0"/>
+              <a:rPr lang="fr-FR" dirty="0"/>
             </a:br>
             <a:r>
               <a:rPr lang="fr-FR" sz="3600" dirty="0" smtClean="0"/>
-              <a:t>(Notes about Hg)</a:t>
+              <a:t>(clients / browser)</a:t>
+            </a:r>
+            <a:endParaRPr lang="fr-FR" dirty="0"/>
+          </a:p>
+        </p:txBody>
+      </p:sp>
+      <p:sp>
+        <p:nvSpPr>
+          <p:cNvPr id="3" name="Content Placeholder 2"/>
+          <p:cNvSpPr>
+            <a:spLocks noGrp="1"/>
+          </p:cNvSpPr>
+          <p:nvPr>
+            <p:ph idx="1"/>
+          </p:nvPr>
+        </p:nvSpPr>
+        <p:spPr/>
+        <p:txBody>
+          <a:bodyPr>
+            <a:normAutofit fontScale="85000" lnSpcReduction="20000"/>
+          </a:bodyPr>
+          <a:lstStyle/>
+          <a:p>
+            <a:r>
+              <a:rPr lang="fr-FR" dirty="0" smtClean="0"/>
+              <a:t>Windows</a:t>
+            </a:r>
+          </a:p>
+          <a:p>
+            <a:pPr lvl="1"/>
+            <a:r>
+              <a:rPr lang="fr-FR" b="1" dirty="0" smtClean="0"/>
+              <a:t>Git </a:t>
+            </a:r>
+            <a:r>
+              <a:rPr lang="fr-FR" b="1" dirty="0" err="1" smtClean="0"/>
+              <a:t>bash</a:t>
+            </a:r>
+            <a:r>
+              <a:rPr lang="fr-FR" b="1" dirty="0" smtClean="0"/>
+              <a:t> </a:t>
+            </a:r>
+            <a:r>
+              <a:rPr lang="fr-FR" dirty="0" smtClean="0"/>
+              <a:t>or Windows command line</a:t>
+            </a:r>
+          </a:p>
+          <a:p>
+            <a:pPr lvl="1"/>
+            <a:r>
+              <a:rPr lang="fr-FR" dirty="0" err="1" smtClean="0"/>
+              <a:t>TortoiseGit</a:t>
+            </a:r>
+            <a:r>
+              <a:rPr lang="fr-FR" dirty="0" smtClean="0"/>
+              <a:t>, </a:t>
+            </a:r>
+            <a:r>
+              <a:rPr lang="fr-FR" b="1" dirty="0" err="1" smtClean="0"/>
+              <a:t>GitExtensions</a:t>
+            </a:r>
+            <a:r>
+              <a:rPr lang="fr-FR" b="1" dirty="0" smtClean="0"/>
+              <a:t>, </a:t>
+            </a:r>
+            <a:r>
+              <a:rPr lang="fr-FR" dirty="0" smtClean="0"/>
+              <a:t>Git GUI</a:t>
+            </a:r>
+          </a:p>
+          <a:p>
+            <a:r>
+              <a:rPr lang="fr-FR" dirty="0" smtClean="0"/>
+              <a:t>Mac</a:t>
+            </a:r>
+          </a:p>
+          <a:p>
+            <a:pPr lvl="1"/>
+            <a:r>
+              <a:rPr lang="fr-FR" b="1" dirty="0" smtClean="0"/>
+              <a:t>Command line</a:t>
+            </a:r>
+          </a:p>
+          <a:p>
+            <a:pPr lvl="1"/>
+            <a:r>
+              <a:rPr lang="fr-FR" b="1" dirty="0" smtClean="0"/>
+              <a:t>Source </a:t>
+            </a:r>
+            <a:r>
+              <a:rPr lang="fr-FR" b="1" dirty="0" err="1" smtClean="0"/>
+              <a:t>Tree</a:t>
+            </a:r>
+            <a:endParaRPr lang="fr-FR" b="1" dirty="0" smtClean="0"/>
+          </a:p>
+          <a:p>
+            <a:r>
+              <a:rPr lang="fr-FR" dirty="0" smtClean="0"/>
+              <a:t>Mac &amp; Win</a:t>
+            </a:r>
+          </a:p>
+          <a:p>
+            <a:pPr lvl="1"/>
+            <a:r>
+              <a:rPr lang="fr-FR" dirty="0" smtClean="0"/>
+              <a:t>Git-cola, smart git, </a:t>
+            </a:r>
+          </a:p>
+          <a:p>
+            <a:r>
+              <a:rPr lang="fr-FR" dirty="0" smtClean="0"/>
+              <a:t>Web</a:t>
+            </a:r>
+          </a:p>
+          <a:p>
+            <a:pPr lvl="1"/>
+            <a:r>
+              <a:rPr lang="fr-FR" dirty="0" err="1" smtClean="0"/>
+              <a:t>Gitweb</a:t>
+            </a:r>
+            <a:endParaRPr lang="fr-FR" dirty="0" smtClean="0"/>
+          </a:p>
+          <a:p>
+            <a:pPr lvl="1"/>
+            <a:r>
+              <a:rPr lang="fr-FR" b="1" dirty="0" err="1" smtClean="0"/>
+              <a:t>Cgit</a:t>
+            </a:r>
+            <a:r>
+              <a:rPr lang="fr-FR" b="1" dirty="0" smtClean="0"/>
+              <a:t> </a:t>
+            </a:r>
+            <a:r>
+              <a:rPr lang="fr-FR" dirty="0" smtClean="0"/>
+              <a:t>(</a:t>
+            </a:r>
+            <a:r>
+              <a:rPr lang="fr-FR" dirty="0" err="1" smtClean="0">
+                <a:hlinkClick r:id="rId2"/>
+              </a:rPr>
+              <a:t>link</a:t>
+            </a:r>
+            <a:r>
+              <a:rPr lang="fr-FR" dirty="0" smtClean="0"/>
+              <a:t>)</a:t>
             </a:r>
             <a:endParaRPr lang="fr-FR" dirty="0"/>
           </a:p>
@@ -18865,105 +19633,10 @@
           </a:p>
         </p:txBody>
       </p:sp>
-      <p:sp>
-        <p:nvSpPr>
-          <p:cNvPr id="3" name="Content Placeholder 2"/>
-          <p:cNvSpPr>
-            <a:spLocks noGrp="1"/>
-          </p:cNvSpPr>
-          <p:nvPr>
-            <p:ph idx="1"/>
-          </p:nvPr>
-        </p:nvSpPr>
-        <p:spPr/>
-        <p:txBody>
-          <a:bodyPr/>
-          <a:lstStyle/>
-          <a:p>
-            <a:r>
-              <a:rPr lang="fr-FR" dirty="0" err="1" smtClean="0"/>
-              <a:t>Submodules</a:t>
-            </a:r>
-            <a:r>
-              <a:rPr lang="fr-FR" dirty="0" smtClean="0"/>
-              <a:t> in Hg (</a:t>
-            </a:r>
-            <a:r>
-              <a:rPr lang="fr-FR" dirty="0" smtClean="0">
-                <a:hlinkClick r:id="rId2"/>
-              </a:rPr>
-              <a:t>wiki</a:t>
-            </a:r>
-            <a:r>
-              <a:rPr lang="fr-FR" dirty="0" smtClean="0"/>
-              <a:t>)</a:t>
-            </a:r>
-          </a:p>
-          <a:p>
-            <a:r>
-              <a:rPr lang="fr-FR" dirty="0" err="1" smtClean="0"/>
-              <a:t>Integration</a:t>
-            </a:r>
-            <a:r>
-              <a:rPr lang="fr-FR" dirty="0" smtClean="0"/>
-              <a:t> to </a:t>
-            </a:r>
-            <a:r>
-              <a:rPr lang="fr-FR" dirty="0" err="1" smtClean="0"/>
-              <a:t>kiln</a:t>
-            </a:r>
-            <a:endParaRPr lang="en-US" dirty="0"/>
-          </a:p>
-        </p:txBody>
-      </p:sp>
-      <p:sp>
-        <p:nvSpPr>
-          <p:cNvPr id="8" name="&quot;No&quot; Symbol 7"/>
-          <p:cNvSpPr/>
-          <p:nvPr/>
-        </p:nvSpPr>
-        <p:spPr>
-          <a:xfrm>
-            <a:off x="38100" y="38100"/>
-            <a:ext cx="533400" cy="533400"/>
-          </a:xfrm>
-          <a:prstGeom prst="noSmoking">
-            <a:avLst/>
-          </a:prstGeom>
-        </p:spPr>
-        <p:style>
-          <a:lnRef idx="2">
-            <a:schemeClr val="accent1">
-              <a:shade val="50000"/>
-            </a:schemeClr>
-          </a:lnRef>
-          <a:fillRef idx="1">
-            <a:schemeClr val="accent1"/>
-          </a:fillRef>
-          <a:effectRef idx="0">
-            <a:schemeClr val="accent1"/>
-          </a:effectRef>
-          <a:fontRef idx="minor">
-            <a:schemeClr val="lt1"/>
-          </a:fontRef>
-        </p:style>
-        <p:txBody>
-          <a:bodyPr rtlCol="0" anchor="ctr"/>
-          <a:lstStyle/>
-          <a:p>
-            <a:pPr algn="ctr"/>
-            <a:endParaRPr lang="en-US">
-              <a:solidFill>
-                <a:schemeClr val="tx1"/>
-              </a:solidFill>
-            </a:endParaRPr>
-          </a:p>
-        </p:txBody>
-      </p:sp>
     </p:spTree>
     <p:extLst>
       <p:ext uri="{BB962C8B-B14F-4D97-AF65-F5344CB8AC3E}">
-        <p14:creationId xmlns:p14="http://schemas.microsoft.com/office/powerpoint/2010/main" val="493990242"/>
+        <p14:creationId xmlns:p14="http://schemas.microsoft.com/office/powerpoint/2010/main" val="1772392281"/>
       </p:ext>
     </p:extLst>
   </p:cSld>
@@ -19009,12 +19682,45 @@
         </p:nvSpPr>
         <p:spPr/>
         <p:txBody>
-          <a:bodyPr/>
-          <a:lstStyle/>
-          <a:p>
-            <a:r>
-              <a:rPr lang="fr-FR" dirty="0" smtClean="0"/>
-              <a:t>Git clients/browser</a:t>
+          <a:bodyPr>
+            <a:normAutofit fontScale="90000"/>
+          </a:bodyPr>
+          <a:lstStyle/>
+          <a:p>
+            <a:r>
+              <a:rPr lang="fr-FR" dirty="0"/>
+              <a:t>More </a:t>
+            </a:r>
+            <a:r>
+              <a:rPr lang="fr-FR" dirty="0" err="1"/>
+              <a:t>advanced</a:t>
+            </a:r>
+            <a:r>
+              <a:rPr lang="fr-FR" dirty="0"/>
+              <a:t> </a:t>
+            </a:r>
+            <a:r>
+              <a:rPr lang="fr-FR" dirty="0" err="1"/>
+              <a:t>stuff</a:t>
+            </a:r>
+            <a:r>
+              <a:rPr lang="fr-FR" dirty="0"/>
+              <a:t> </a:t>
+            </a:r>
+            <a:br>
+              <a:rPr lang="fr-FR" dirty="0"/>
+            </a:br>
+            <a:r>
+              <a:rPr lang="fr-FR" sz="3600" dirty="0" smtClean="0"/>
+              <a:t>(Git server </a:t>
+            </a:r>
+            <a:r>
+              <a:rPr lang="fr-FR" sz="3600" dirty="0" err="1" smtClean="0"/>
+              <a:t>side</a:t>
+            </a:r>
+            <a:r>
+              <a:rPr lang="fr-FR" sz="3600" dirty="0" smtClean="0"/>
+              <a:t>)</a:t>
             </a:r>
             <a:endParaRPr lang="fr-FR" dirty="0"/>
           </a:p>
@@ -19033,132 +19739,426 @@
         <p:spPr/>
         <p:txBody>
           <a:bodyPr>
-            <a:normAutofit fontScale="85000" lnSpcReduction="20000"/>
+            <a:normAutofit fontScale="70000" lnSpcReduction="20000"/>
           </a:bodyPr>
           <a:lstStyle/>
           <a:p>
             <a:r>
               <a:rPr lang="fr-FR" dirty="0" smtClean="0"/>
-              <a:t>Windows</a:t>
+              <a:t>As Git </a:t>
+            </a:r>
+            <a:r>
+              <a:rPr lang="fr-FR" dirty="0" err="1" smtClean="0"/>
+              <a:t>is</a:t>
+            </a:r>
+            <a:r>
+              <a:rPr lang="fr-FR" dirty="0" smtClean="0"/>
+              <a:t> </a:t>
+            </a:r>
+            <a:r>
+              <a:rPr lang="fr-FR" dirty="0" err="1"/>
+              <a:t>d</a:t>
+            </a:r>
+            <a:r>
+              <a:rPr lang="fr-FR" dirty="0" err="1" smtClean="0"/>
+              <a:t>istributed</a:t>
+            </a:r>
+            <a:r>
+              <a:rPr lang="fr-FR" dirty="0" smtClean="0"/>
+              <a:t> </a:t>
+            </a:r>
+            <a:r>
+              <a:rPr lang="fr-FR" dirty="0" err="1" smtClean="0"/>
+              <a:t>it</a:t>
+            </a:r>
+            <a:r>
+              <a:rPr lang="fr-FR" dirty="0" smtClean="0"/>
+              <a:t> </a:t>
+            </a:r>
+            <a:r>
+              <a:rPr lang="fr-FR" dirty="0" err="1" smtClean="0"/>
+              <a:t>is</a:t>
+            </a:r>
+            <a:r>
+              <a:rPr lang="fr-FR" dirty="0" smtClean="0"/>
+              <a:t> </a:t>
+            </a:r>
+            <a:r>
+              <a:rPr lang="fr-FR" dirty="0" err="1" smtClean="0"/>
+              <a:t>very</a:t>
+            </a:r>
+            <a:r>
+              <a:rPr lang="fr-FR" dirty="0" smtClean="0"/>
+              <a:t> </a:t>
+            </a:r>
+            <a:r>
+              <a:rPr lang="fr-FR" dirty="0" err="1" smtClean="0"/>
+              <a:t>interesting</a:t>
+            </a:r>
+            <a:r>
+              <a:rPr lang="fr-FR" dirty="0" smtClean="0"/>
+              <a:t> for </a:t>
+            </a:r>
+            <a:r>
+              <a:rPr lang="fr-FR" dirty="0" err="1" smtClean="0"/>
+              <a:t>everyone</a:t>
+            </a:r>
+            <a:r>
+              <a:rPr lang="fr-FR" dirty="0" smtClean="0"/>
+              <a:t> to </a:t>
+            </a:r>
+            <a:r>
+              <a:rPr lang="fr-FR" dirty="0" err="1" smtClean="0"/>
+              <a:t>be</a:t>
+            </a:r>
+            <a:r>
+              <a:rPr lang="fr-FR" dirty="0" smtClean="0"/>
+              <a:t> a server (</a:t>
+            </a:r>
+            <a:r>
+              <a:rPr lang="fr-FR" dirty="0" err="1" smtClean="0"/>
+              <a:t>so</a:t>
+            </a:r>
+            <a:r>
+              <a:rPr lang="fr-FR" dirty="0" smtClean="0"/>
+              <a:t> </a:t>
+            </a:r>
+            <a:r>
+              <a:rPr lang="fr-FR" dirty="0" err="1" smtClean="0"/>
+              <a:t>you</a:t>
+            </a:r>
+            <a:r>
+              <a:rPr lang="fr-FR" dirty="0" smtClean="0"/>
+              <a:t> </a:t>
+            </a:r>
+            <a:r>
+              <a:rPr lang="fr-FR" dirty="0" err="1" smtClean="0"/>
+              <a:t>don’t</a:t>
+            </a:r>
+            <a:r>
+              <a:rPr lang="fr-FR" dirty="0" smtClean="0"/>
+              <a:t> </a:t>
+            </a:r>
+            <a:r>
+              <a:rPr lang="fr-FR" dirty="0" err="1" smtClean="0"/>
+              <a:t>need</a:t>
+            </a:r>
+            <a:r>
+              <a:rPr lang="fr-FR" dirty="0" smtClean="0"/>
+              <a:t> to use the central one)</a:t>
+            </a:r>
+          </a:p>
+          <a:p>
+            <a:r>
+              <a:rPr lang="fr-FR" dirty="0" smtClean="0"/>
+              <a:t>Tools :</a:t>
             </a:r>
           </a:p>
           <a:p>
             <a:pPr lvl="1"/>
             <a:r>
+              <a:rPr lang="fr-FR" dirty="0" smtClean="0"/>
+              <a:t>Git daemon : </a:t>
+            </a:r>
+            <a:r>
+              <a:rPr lang="fr-FR" dirty="0" err="1" smtClean="0"/>
+              <a:t>included</a:t>
+            </a:r>
+            <a:r>
+              <a:rPr lang="fr-FR" dirty="0" smtClean="0"/>
+              <a:t> in Git </a:t>
+            </a:r>
+            <a:r>
+              <a:rPr lang="fr-FR" dirty="0" err="1" smtClean="0"/>
+              <a:t>install</a:t>
+            </a:r>
+            <a:r>
+              <a:rPr lang="fr-FR" dirty="0" smtClean="0"/>
+              <a:t>, use Git </a:t>
+            </a:r>
+            <a:r>
+              <a:rPr lang="fr-FR" dirty="0" err="1" smtClean="0"/>
+              <a:t>protocol</a:t>
+            </a:r>
+            <a:r>
+              <a:rPr lang="fr-FR" dirty="0" smtClean="0"/>
+              <a:t> (efficient, </a:t>
+            </a:r>
+            <a:r>
+              <a:rPr lang="fr-FR" dirty="0" err="1" smtClean="0"/>
+              <a:t>easy</a:t>
+            </a:r>
+            <a:r>
+              <a:rPr lang="fr-FR" dirty="0" smtClean="0"/>
+              <a:t> to set up, no user </a:t>
+            </a:r>
+            <a:r>
+              <a:rPr lang="fr-FR" dirty="0" err="1" smtClean="0"/>
+              <a:t>access</a:t>
+            </a:r>
+            <a:r>
+              <a:rPr lang="fr-FR" dirty="0" smtClean="0"/>
+              <a:t> management, but bugs on </a:t>
+            </a:r>
+            <a:r>
+              <a:rPr lang="fr-FR" dirty="0" err="1" smtClean="0"/>
+              <a:t>windows</a:t>
+            </a:r>
+            <a:r>
+              <a:rPr lang="fr-FR" dirty="0" smtClean="0"/>
+              <a:t>)</a:t>
+            </a:r>
+          </a:p>
+          <a:p>
+            <a:pPr lvl="1"/>
+            <a:r>
+              <a:rPr lang="fr-FR" dirty="0" smtClean="0"/>
+              <a:t>Git </a:t>
+            </a:r>
+            <a:r>
+              <a:rPr lang="fr-FR" dirty="0" err="1" smtClean="0"/>
+              <a:t>protocol</a:t>
+            </a:r>
+            <a:r>
+              <a:rPr lang="fr-FR" dirty="0" smtClean="0"/>
+              <a:t> + SSH : </a:t>
+            </a:r>
+            <a:r>
+              <a:rPr lang="fr-FR" dirty="0" err="1" smtClean="0"/>
+              <a:t>very</a:t>
+            </a:r>
+            <a:r>
+              <a:rPr lang="fr-FR" dirty="0" smtClean="0"/>
+              <a:t> efficient and </a:t>
+            </a:r>
+            <a:r>
+              <a:rPr lang="fr-FR" dirty="0" err="1" smtClean="0"/>
+              <a:t>secure</a:t>
+            </a:r>
+            <a:r>
+              <a:rPr lang="fr-FR" dirty="0" smtClean="0"/>
+              <a:t>, but not </a:t>
+            </a:r>
+            <a:r>
+              <a:rPr lang="fr-FR" dirty="0" err="1" smtClean="0"/>
+              <a:t>everyone</a:t>
+            </a:r>
+            <a:r>
+              <a:rPr lang="fr-FR" dirty="0" smtClean="0"/>
+              <a:t> </a:t>
+            </a:r>
+            <a:r>
+              <a:rPr lang="fr-FR" dirty="0" err="1" smtClean="0"/>
+              <a:t>want</a:t>
+            </a:r>
+            <a:r>
+              <a:rPr lang="fr-FR" dirty="0" smtClean="0"/>
+              <a:t> to </a:t>
+            </a:r>
+            <a:r>
+              <a:rPr lang="fr-FR" dirty="0" err="1" smtClean="0"/>
+              <a:t>spend</a:t>
+            </a:r>
+            <a:r>
+              <a:rPr lang="fr-FR" dirty="0" smtClean="0"/>
+              <a:t> time setting up SSH for </a:t>
+            </a:r>
+            <a:r>
+              <a:rPr lang="fr-FR" dirty="0" err="1" smtClean="0"/>
+              <a:t>several</a:t>
+            </a:r>
+            <a:r>
+              <a:rPr lang="fr-FR" dirty="0" smtClean="0"/>
+              <a:t> </a:t>
+            </a:r>
+            <a:r>
+              <a:rPr lang="fr-FR" dirty="0" err="1" smtClean="0"/>
+              <a:t>users</a:t>
+            </a:r>
+            <a:endParaRPr lang="fr-FR" dirty="0" smtClean="0"/>
+          </a:p>
+          <a:p>
+            <a:pPr lvl="1"/>
+            <a:r>
+              <a:rPr lang="fr-FR" dirty="0" smtClean="0"/>
+              <a:t>http : </a:t>
+            </a:r>
+            <a:r>
+              <a:rPr lang="fr-FR" dirty="0" err="1" smtClean="0"/>
+              <a:t>very</a:t>
+            </a:r>
+            <a:r>
+              <a:rPr lang="fr-FR" dirty="0" smtClean="0"/>
+              <a:t> </a:t>
+            </a:r>
+            <a:r>
+              <a:rPr lang="fr-FR" dirty="0" err="1" smtClean="0"/>
+              <a:t>easy</a:t>
+            </a:r>
+            <a:r>
+              <a:rPr lang="fr-FR" dirty="0" smtClean="0"/>
+              <a:t> to use if </a:t>
+            </a:r>
+            <a:r>
+              <a:rPr lang="fr-FR" dirty="0" err="1" smtClean="0"/>
+              <a:t>you</a:t>
+            </a:r>
+            <a:r>
+              <a:rPr lang="fr-FR" dirty="0" smtClean="0"/>
+              <a:t> have an http server:</a:t>
+            </a:r>
+          </a:p>
+          <a:p>
+            <a:pPr lvl="2"/>
+            <a:r>
+              <a:rPr lang="fr-FR" dirty="0" smtClean="0"/>
+              <a:t>Java </a:t>
+            </a:r>
+            <a:r>
+              <a:rPr lang="fr-FR" dirty="0" err="1" smtClean="0"/>
+              <a:t>app</a:t>
+            </a:r>
+            <a:r>
+              <a:rPr lang="fr-FR" dirty="0" smtClean="0"/>
+              <a:t> </a:t>
+            </a:r>
+            <a:r>
+              <a:rPr lang="fr-FR" dirty="0" err="1" smtClean="0"/>
+              <a:t>providing</a:t>
+            </a:r>
+            <a:r>
+              <a:rPr lang="fr-FR" dirty="0" smtClean="0"/>
+              <a:t> the http server (</a:t>
+            </a:r>
+            <a:r>
+              <a:rPr lang="fr-FR" dirty="0" err="1" smtClean="0"/>
+              <a:t>really</a:t>
+            </a:r>
+            <a:r>
+              <a:rPr lang="fr-FR" dirty="0" smtClean="0"/>
+              <a:t> </a:t>
+            </a:r>
+            <a:r>
+              <a:rPr lang="fr-FR" dirty="0" err="1" smtClean="0"/>
+              <a:t>easy</a:t>
+            </a:r>
+            <a:r>
+              <a:rPr lang="fr-FR" dirty="0" smtClean="0"/>
+              <a:t> to use, not </a:t>
+            </a:r>
+            <a:r>
+              <a:rPr lang="fr-FR" dirty="0" err="1" smtClean="0"/>
+              <a:t>really</a:t>
+            </a:r>
+            <a:r>
+              <a:rPr lang="fr-FR" dirty="0" smtClean="0"/>
+              <a:t> </a:t>
+            </a:r>
+            <a:r>
+              <a:rPr lang="fr-FR" dirty="0" err="1" smtClean="0"/>
+              <a:t>heavy</a:t>
+            </a:r>
+            <a:r>
+              <a:rPr lang="fr-FR" dirty="0" smtClean="0"/>
+              <a:t>) </a:t>
+            </a:r>
+            <a:r>
               <a:rPr lang="fr-FR" b="1" dirty="0" smtClean="0"/>
-              <a:t>Git </a:t>
-            </a:r>
-            <a:r>
-              <a:rPr lang="fr-FR" b="1" dirty="0" err="1" smtClean="0"/>
-              <a:t>bash</a:t>
-            </a:r>
-            <a:r>
-              <a:rPr lang="fr-FR" b="1" dirty="0" smtClean="0"/>
-              <a:t> </a:t>
-            </a:r>
-            <a:r>
-              <a:rPr lang="fr-FR" dirty="0" smtClean="0"/>
-              <a:t>or Windows command line</a:t>
+              <a:t>THAT IS PROBABLE THE BEST SOLUTON</a:t>
+            </a:r>
+            <a:r>
+              <a:rPr lang="fr-FR" dirty="0" smtClean="0"/>
+              <a:t> for </a:t>
+            </a:r>
+            <a:r>
+              <a:rPr lang="fr-FR" dirty="0" err="1" smtClean="0"/>
+              <a:t>individual</a:t>
+            </a:r>
+            <a:r>
+              <a:rPr lang="fr-FR" dirty="0" smtClean="0"/>
+              <a:t> server</a:t>
+            </a:r>
+          </a:p>
+          <a:p>
+            <a:pPr lvl="2"/>
+            <a:r>
+              <a:rPr lang="fr-FR" dirty="0" smtClean="0"/>
+              <a:t>Apache server : </a:t>
+            </a:r>
+            <a:r>
+              <a:rPr lang="fr-FR" dirty="0" err="1" smtClean="0"/>
+              <a:t>very</a:t>
+            </a:r>
+            <a:r>
+              <a:rPr lang="fr-FR" dirty="0" smtClean="0"/>
+              <a:t> stable and light solution, harder to set up</a:t>
             </a:r>
           </a:p>
           <a:p>
             <a:pPr lvl="1"/>
             <a:r>
-              <a:rPr lang="fr-FR" dirty="0" err="1" smtClean="0"/>
-              <a:t>TortoiseGit</a:t>
-            </a:r>
-            <a:r>
-              <a:rPr lang="fr-FR" dirty="0" smtClean="0"/>
-              <a:t>, </a:t>
-            </a:r>
-            <a:r>
-              <a:rPr lang="fr-FR" b="1" dirty="0" err="1" smtClean="0"/>
-              <a:t>GitExtensions</a:t>
-            </a:r>
-            <a:r>
-              <a:rPr lang="fr-FR" b="1" dirty="0" smtClean="0"/>
-              <a:t>, </a:t>
-            </a:r>
-            <a:r>
-              <a:rPr lang="fr-FR" dirty="0" smtClean="0"/>
-              <a:t>Git GUI</a:t>
-            </a:r>
-          </a:p>
-          <a:p>
-            <a:r>
-              <a:rPr lang="fr-FR" dirty="0" smtClean="0"/>
-              <a:t>Mac</a:t>
-            </a:r>
-          </a:p>
-          <a:p>
-            <a:pPr lvl="1"/>
-            <a:r>
-              <a:rPr lang="fr-FR" b="1" dirty="0" smtClean="0"/>
-              <a:t>Command line</a:t>
-            </a:r>
-          </a:p>
-          <a:p>
-            <a:pPr lvl="1"/>
-            <a:r>
-              <a:rPr lang="fr-FR" b="1" dirty="0" smtClean="0"/>
-              <a:t>Source </a:t>
-            </a:r>
-            <a:r>
-              <a:rPr lang="fr-FR" b="1" dirty="0" err="1" smtClean="0"/>
-              <a:t>Tree</a:t>
-            </a:r>
-            <a:endParaRPr lang="fr-FR" b="1" dirty="0" smtClean="0"/>
-          </a:p>
-          <a:p>
-            <a:r>
-              <a:rPr lang="fr-FR" dirty="0" smtClean="0"/>
-              <a:t>Mac &amp; Win</a:t>
-            </a:r>
-          </a:p>
-          <a:p>
-            <a:pPr lvl="1"/>
-            <a:r>
-              <a:rPr lang="fr-FR" dirty="0" smtClean="0"/>
-              <a:t>Git-cola, smart git, </a:t>
-            </a:r>
-          </a:p>
-          <a:p>
-            <a:r>
-              <a:rPr lang="fr-FR" dirty="0" smtClean="0"/>
-              <a:t>Web</a:t>
-            </a:r>
-          </a:p>
-          <a:p>
-            <a:pPr lvl="1"/>
-            <a:r>
-              <a:rPr lang="fr-FR" dirty="0" err="1" smtClean="0"/>
-              <a:t>Gitweb</a:t>
-            </a:r>
-            <a:endParaRPr lang="fr-FR" dirty="0" smtClean="0"/>
-          </a:p>
-          <a:p>
-            <a:pPr lvl="1"/>
-            <a:r>
-              <a:rPr lang="fr-FR" b="1" dirty="0" err="1" smtClean="0"/>
-              <a:t>Cgit</a:t>
-            </a:r>
-            <a:r>
-              <a:rPr lang="fr-FR" b="1" dirty="0" smtClean="0"/>
-              <a:t> </a:t>
-            </a:r>
-            <a:r>
-              <a:rPr lang="fr-FR" dirty="0" smtClean="0"/>
-              <a:t>(</a:t>
-            </a:r>
-            <a:r>
-              <a:rPr lang="fr-FR" dirty="0" err="1" smtClean="0">
-                <a:hlinkClick r:id="rId2"/>
-              </a:rPr>
-              <a:t>link</a:t>
-            </a:r>
-            <a:r>
-              <a:rPr lang="fr-FR" dirty="0" smtClean="0"/>
-              <a:t>)</a:t>
+              <a:rPr lang="fr-FR" dirty="0" smtClean="0"/>
+              <a:t>File sharing : </a:t>
+            </a:r>
+            <a:r>
+              <a:rPr lang="fr-FR" dirty="0" err="1" smtClean="0"/>
+              <a:t>very</a:t>
+            </a:r>
+            <a:r>
+              <a:rPr lang="fr-FR" dirty="0" smtClean="0"/>
+              <a:t> </a:t>
+            </a:r>
+            <a:r>
+              <a:rPr lang="fr-FR" dirty="0" err="1" smtClean="0"/>
+              <a:t>easy</a:t>
+            </a:r>
+            <a:r>
+              <a:rPr lang="fr-FR" dirty="0" smtClean="0"/>
+              <a:t> to use, </a:t>
+            </a:r>
+            <a:r>
+              <a:rPr lang="fr-FR" dirty="0" err="1" smtClean="0"/>
+              <a:t>limited</a:t>
+            </a:r>
+            <a:r>
+              <a:rPr lang="fr-FR" dirty="0" smtClean="0"/>
+              <a:t> user management, compatibility issues </a:t>
+            </a:r>
+            <a:r>
+              <a:rPr lang="fr-FR" dirty="0" err="1" smtClean="0"/>
+              <a:t>with</a:t>
+            </a:r>
+            <a:r>
+              <a:rPr lang="fr-FR" dirty="0" smtClean="0"/>
+              <a:t> MAC and </a:t>
+            </a:r>
+            <a:r>
+              <a:rPr lang="fr-FR" dirty="0" err="1" smtClean="0"/>
+              <a:t>some</a:t>
+            </a:r>
+            <a:r>
+              <a:rPr lang="fr-FR" dirty="0" smtClean="0"/>
+              <a:t> </a:t>
+            </a:r>
+            <a:r>
+              <a:rPr lang="fr-FR" dirty="0" err="1" smtClean="0"/>
+              <a:t>anoying</a:t>
+            </a:r>
+            <a:r>
+              <a:rPr lang="fr-FR" dirty="0" smtClean="0"/>
+              <a:t> </a:t>
+            </a:r>
+            <a:r>
+              <a:rPr lang="fr-FR" dirty="0" err="1" smtClean="0"/>
+              <a:t>stuff</a:t>
+            </a:r>
+            <a:r>
+              <a:rPr lang="fr-FR" dirty="0" smtClean="0"/>
+              <a:t> about the samba </a:t>
+            </a:r>
+            <a:r>
+              <a:rPr lang="fr-FR" dirty="0" err="1" smtClean="0"/>
+              <a:t>protocol</a:t>
             </a:r>
             <a:endParaRPr lang="fr-FR" dirty="0"/>
           </a:p>
@@ -19188,10 +20188,54 @@
           </a:p>
         </p:txBody>
       </p:sp>
+      <p:sp>
+        <p:nvSpPr>
+          <p:cNvPr id="5" name="&quot;No&quot; Symbol 4"/>
+          <p:cNvSpPr/>
+          <p:nvPr/>
+        </p:nvSpPr>
+        <p:spPr>
+          <a:xfrm>
+            <a:off x="38100" y="38100"/>
+            <a:ext cx="533400" cy="533400"/>
+          </a:xfrm>
+          <a:prstGeom prst="noSmoking">
+            <a:avLst/>
+          </a:prstGeom>
+        </p:spPr>
+        <p:style>
+          <a:lnRef idx="2">
+            <a:schemeClr val="accent1">
+              <a:shade val="50000"/>
+            </a:schemeClr>
+          </a:lnRef>
+          <a:fillRef idx="1">
+            <a:schemeClr val="accent1"/>
+          </a:fillRef>
+          <a:effectRef idx="0">
+            <a:schemeClr val="accent1"/>
+          </a:effectRef>
+          <a:fontRef idx="minor">
+            <a:schemeClr val="lt1"/>
+          </a:fontRef>
+        </p:style>
+        <p:txBody>
+          <a:bodyPr rtlCol="0" anchor="ctr"/>
+          <a:lstStyle/>
+          <a:p>
+            <a:pPr algn="ctr"/>
+            <a:endParaRPr lang="en-US">
+              <a:solidFill>
+                <a:schemeClr val="tx1"/>
+              </a:solidFill>
+            </a:endParaRPr>
+          </a:p>
+        </p:txBody>
+      </p:sp>
     </p:spTree>
     <p:extLst>
       <p:ext uri="{BB962C8B-B14F-4D97-AF65-F5344CB8AC3E}">
-        <p14:creationId xmlns:p14="http://schemas.microsoft.com/office/powerpoint/2010/main" val="1772392281"/>
+        <p14:creationId xmlns:p14="http://schemas.microsoft.com/office/powerpoint/2010/main" val="1516373390"/>
       </p:ext>
     </p:extLst>
   </p:cSld>
@@ -19235,57 +20279,433 @@
             <p:ph type="title"/>
           </p:nvPr>
         </p:nvSpPr>
-        <p:spPr>
-          <a:xfrm>
-            <a:off x="457200" y="0"/>
-            <a:ext cx="8229600" cy="1143000"/>
-          </a:xfrm>
-        </p:spPr>
-        <p:txBody>
-          <a:bodyPr/>
-          <a:lstStyle/>
-          <a:p>
-            <a:r>
-              <a:rPr lang="fr-FR" dirty="0" smtClean="0"/>
-              <a:t>Repo </a:t>
-            </a:r>
-            <a:r>
-              <a:rPr lang="fr-FR" dirty="0" err="1" smtClean="0"/>
-              <a:t>examples</a:t>
+        <p:spPr/>
+        <p:txBody>
+          <a:bodyPr>
+            <a:normAutofit fontScale="90000"/>
+          </a:bodyPr>
+          <a:lstStyle/>
+          <a:p>
+            <a:r>
+              <a:rPr lang="fr-FR" dirty="0" err="1" smtClean="0"/>
+              <a:t>Why</a:t>
+            </a:r>
+            <a:r>
+              <a:rPr lang="fr-FR" dirty="0" smtClean="0"/>
+              <a:t> DVCS </a:t>
+            </a:r>
+            <a:r>
+              <a:rPr lang="fr-FR" dirty="0" err="1" smtClean="0"/>
+              <a:t>is</a:t>
+            </a:r>
+            <a:r>
+              <a:rPr lang="fr-FR" dirty="0" smtClean="0"/>
+              <a:t> </a:t>
+            </a:r>
+            <a:r>
+              <a:rPr lang="fr-FR" dirty="0" err="1" smtClean="0"/>
+              <a:t>better</a:t>
+            </a:r>
+            <a:r>
+              <a:rPr lang="fr-FR" dirty="0" smtClean="0"/>
+              <a:t> ?</a:t>
+            </a:r>
+            <a:br>
+              <a:rPr lang="fr-FR" dirty="0" smtClean="0"/>
+            </a:br>
+            <a:r>
+              <a:rPr lang="fr-FR" i="1" dirty="0" smtClean="0"/>
+              <a:t>(part 1)</a:t>
             </a:r>
             <a:endParaRPr lang="fr-FR" dirty="0"/>
           </a:p>
         </p:txBody>
       </p:sp>
-      <p:pic>
-        <p:nvPicPr>
-          <p:cNvPr id="5" name="Content Placeholder 4"/>
-          <p:cNvPicPr>
-            <a:picLocks noGrp="1" noChangeAspect="1"/>
-          </p:cNvPicPr>
+      <p:sp>
+        <p:nvSpPr>
+          <p:cNvPr id="3" name="Content Placeholder 2"/>
+          <p:cNvSpPr>
+            <a:spLocks noGrp="1"/>
+          </p:cNvSpPr>
           <p:nvPr>
             <p:ph idx="1"/>
           </p:nvPr>
-        </p:nvPicPr>
-        <p:blipFill>
-          <a:blip r:embed="rId2">
-            <a:extLst>
-              <a:ext uri="{28A0092B-C50C-407E-A947-70E740481C1C}">
-                <a14:useLocalDpi xmlns:a14="http://schemas.microsoft.com/office/drawing/2010/main" val="0"/>
-              </a:ext>
-            </a:extLst>
-          </a:blip>
-          <a:stretch>
-            <a:fillRect/>
-          </a:stretch>
-        </p:blipFill>
-        <p:spPr>
-          <a:xfrm>
-            <a:off x="609600" y="990600"/>
-            <a:ext cx="7924800" cy="5637590"/>
-          </a:xfrm>
-        </p:spPr>
-      </p:pic>
+        </p:nvSpPr>
+        <p:spPr/>
+        <p:txBody>
+          <a:bodyPr>
+            <a:normAutofit fontScale="92500" lnSpcReduction="10000"/>
+          </a:bodyPr>
+          <a:lstStyle/>
+          <a:p>
+            <a:r>
+              <a:rPr lang="fr-FR" dirty="0" smtClean="0"/>
+              <a:t>The </a:t>
+            </a:r>
+            <a:r>
+              <a:rPr lang="fr-FR" dirty="0" err="1" smtClean="0"/>
+              <a:t>repository</a:t>
+            </a:r>
+            <a:r>
+              <a:rPr lang="fr-FR" dirty="0" smtClean="0"/>
+              <a:t> </a:t>
+            </a:r>
+            <a:r>
+              <a:rPr lang="fr-FR" dirty="0" err="1" smtClean="0"/>
+              <a:t>is</a:t>
+            </a:r>
+            <a:r>
+              <a:rPr lang="fr-FR" dirty="0" smtClean="0"/>
+              <a:t> local</a:t>
+            </a:r>
+          </a:p>
+          <a:p>
+            <a:pPr lvl="1"/>
+            <a:r>
+              <a:rPr lang="fr-FR" dirty="0" err="1" smtClean="0"/>
+              <a:t>everything</a:t>
+            </a:r>
+            <a:r>
+              <a:rPr lang="fr-FR" dirty="0" smtClean="0"/>
+              <a:t> </a:t>
+            </a:r>
+            <a:r>
+              <a:rPr lang="fr-FR" dirty="0" err="1" smtClean="0"/>
+              <a:t>is</a:t>
+            </a:r>
+            <a:r>
+              <a:rPr lang="fr-FR" dirty="0" smtClean="0"/>
+              <a:t> local, </a:t>
+            </a:r>
+            <a:r>
+              <a:rPr lang="fr-FR" dirty="0" err="1" smtClean="0"/>
+              <a:t>except</a:t>
+            </a:r>
+            <a:r>
+              <a:rPr lang="fr-FR" dirty="0" smtClean="0"/>
+              <a:t> for </a:t>
+            </a:r>
+            <a:r>
+              <a:rPr lang="fr-FR" dirty="0" err="1" smtClean="0"/>
+              <a:t>pulling</a:t>
+            </a:r>
+            <a:r>
+              <a:rPr lang="fr-FR" dirty="0" smtClean="0"/>
+              <a:t> and </a:t>
+            </a:r>
+            <a:r>
+              <a:rPr lang="fr-FR" dirty="0" err="1" smtClean="0"/>
+              <a:t>fetching</a:t>
+            </a:r>
+            <a:endParaRPr lang="fr-FR" dirty="0" smtClean="0"/>
+          </a:p>
+          <a:p>
+            <a:pPr lvl="1"/>
+            <a:r>
+              <a:rPr lang="fr-FR" dirty="0" smtClean="0"/>
+              <a:t>You </a:t>
+            </a:r>
+            <a:r>
+              <a:rPr lang="fr-FR" dirty="0" err="1" smtClean="0"/>
+              <a:t>always</a:t>
+            </a:r>
+            <a:r>
+              <a:rPr lang="fr-FR" dirty="0" smtClean="0"/>
+              <a:t> </a:t>
+            </a:r>
+            <a:r>
+              <a:rPr lang="fr-FR" dirty="0" err="1" smtClean="0"/>
+              <a:t>can</a:t>
+            </a:r>
+            <a:r>
+              <a:rPr lang="fr-FR" dirty="0" smtClean="0"/>
+              <a:t> </a:t>
+            </a:r>
+            <a:r>
+              <a:rPr lang="fr-FR" dirty="0" err="1" smtClean="0"/>
+              <a:t>read</a:t>
+            </a:r>
+            <a:r>
+              <a:rPr lang="fr-FR" dirty="0" smtClean="0"/>
+              <a:t> the full </a:t>
+            </a:r>
+            <a:r>
+              <a:rPr lang="fr-FR" dirty="0" err="1" smtClean="0"/>
+              <a:t>history</a:t>
+            </a:r>
+            <a:r>
+              <a:rPr lang="fr-FR" baseline="0" dirty="0" smtClean="0"/>
+              <a:t> of the </a:t>
+            </a:r>
+            <a:r>
+              <a:rPr lang="fr-FR" baseline="0" dirty="0" err="1" smtClean="0"/>
+              <a:t>repository</a:t>
+            </a:r>
+            <a:endParaRPr lang="fr-FR" baseline="0" dirty="0" smtClean="0"/>
+          </a:p>
+          <a:p>
+            <a:pPr lvl="1"/>
+            <a:r>
+              <a:rPr lang="fr-FR" dirty="0" smtClean="0"/>
+              <a:t>You </a:t>
+            </a:r>
+            <a:r>
+              <a:rPr lang="fr-FR" dirty="0" err="1" smtClean="0"/>
+              <a:t>can</a:t>
+            </a:r>
+            <a:r>
+              <a:rPr lang="fr-FR" dirty="0" smtClean="0"/>
+              <a:t> commit/</a:t>
+            </a:r>
+            <a:r>
+              <a:rPr lang="fr-FR" dirty="0" err="1" smtClean="0"/>
+              <a:t>branch</a:t>
+            </a:r>
+            <a:r>
+              <a:rPr lang="fr-FR" dirty="0" smtClean="0"/>
+              <a:t>/</a:t>
+            </a:r>
+            <a:r>
+              <a:rPr lang="fr-FR" dirty="0" err="1" smtClean="0"/>
+              <a:t>merge</a:t>
+            </a:r>
+            <a:r>
+              <a:rPr lang="fr-FR" dirty="0" smtClean="0"/>
+              <a:t> </a:t>
+            </a:r>
+            <a:r>
+              <a:rPr lang="fr-FR" dirty="0" err="1" smtClean="0"/>
+              <a:t>locally</a:t>
+            </a:r>
+            <a:endParaRPr lang="fr-FR" baseline="0" dirty="0" smtClean="0"/>
+          </a:p>
+          <a:p>
+            <a:pPr lvl="0"/>
+            <a:r>
+              <a:rPr lang="fr-FR" dirty="0" smtClean="0"/>
+              <a:t>(</a:t>
+            </a:r>
+            <a:r>
+              <a:rPr lang="fr-FR" dirty="0" err="1" smtClean="0"/>
+              <a:t>whispers</a:t>
+            </a:r>
+            <a:r>
+              <a:rPr lang="fr-FR" dirty="0" smtClean="0"/>
+              <a:t>) « </a:t>
+            </a:r>
+            <a:r>
+              <a:rPr lang="fr-FR" i="1" dirty="0" err="1" smtClean="0"/>
+              <a:t>he</a:t>
+            </a:r>
+            <a:r>
+              <a:rPr lang="fr-FR" i="1" dirty="0" smtClean="0"/>
+              <a:t> </a:t>
+            </a:r>
+            <a:r>
+              <a:rPr lang="fr-FR" i="1" dirty="0" err="1" smtClean="0"/>
+              <a:t>hides</a:t>
+            </a:r>
+            <a:r>
+              <a:rPr lang="fr-FR" i="1" dirty="0" smtClean="0"/>
+              <a:t> the </a:t>
+            </a:r>
+            <a:r>
+              <a:rPr lang="fr-FR" i="1" dirty="0" err="1" smtClean="0"/>
+              <a:t>fact</a:t>
+            </a:r>
+            <a:r>
+              <a:rPr lang="fr-FR" i="1" dirty="0" smtClean="0"/>
+              <a:t> </a:t>
+            </a:r>
+            <a:r>
+              <a:rPr lang="fr-FR" i="1" dirty="0" err="1" smtClean="0"/>
+              <a:t>that</a:t>
+            </a:r>
+            <a:r>
+              <a:rPr lang="fr-FR" i="1" dirty="0" smtClean="0"/>
+              <a:t> </a:t>
+            </a:r>
+            <a:r>
+              <a:rPr lang="fr-FR" i="1" dirty="0" err="1" smtClean="0"/>
+              <a:t>it</a:t>
+            </a:r>
+            <a:r>
+              <a:rPr lang="fr-FR" i="1" dirty="0" smtClean="0"/>
+              <a:t> must </a:t>
+            </a:r>
+            <a:r>
+              <a:rPr lang="fr-FR" i="1" dirty="0" err="1" smtClean="0"/>
+              <a:t>be</a:t>
+            </a:r>
+            <a:r>
+              <a:rPr lang="fr-FR" i="1" dirty="0" smtClean="0"/>
+              <a:t> </a:t>
+            </a:r>
+            <a:r>
+              <a:rPr lang="fr-FR" i="1" dirty="0" err="1" smtClean="0"/>
+              <a:t>so</a:t>
+            </a:r>
+            <a:r>
+              <a:rPr lang="fr-FR" i="1" dirty="0" smtClean="0"/>
+              <a:t> </a:t>
+            </a:r>
+            <a:r>
+              <a:rPr lang="fr-FR" i="1" dirty="0" err="1" smtClean="0"/>
+              <a:t>heavy</a:t>
+            </a:r>
+            <a:r>
+              <a:rPr lang="fr-FR" i="1" dirty="0" smtClean="0"/>
+              <a:t> on hard drive »</a:t>
+            </a:r>
+          </a:p>
+          <a:p>
+            <a:pPr lvl="1"/>
+            <a:r>
+              <a:rPr lang="fr-FR" i="0" baseline="0" dirty="0" err="1" smtClean="0"/>
+              <a:t>Yes</a:t>
+            </a:r>
+            <a:r>
+              <a:rPr lang="fr-FR" i="0" baseline="0" dirty="0" smtClean="0"/>
+              <a:t>, It </a:t>
+            </a:r>
+            <a:r>
+              <a:rPr lang="fr-FR" i="0" baseline="0" dirty="0" err="1" smtClean="0"/>
+              <a:t>is</a:t>
+            </a:r>
+            <a:r>
+              <a:rPr lang="fr-FR" i="0" baseline="0" dirty="0" smtClean="0"/>
+              <a:t> </a:t>
+            </a:r>
+            <a:r>
+              <a:rPr lang="fr-FR" dirty="0" err="1" smtClean="0"/>
+              <a:t>heavier</a:t>
+            </a:r>
+            <a:r>
+              <a:rPr lang="fr-FR" i="0" baseline="0" dirty="0" smtClean="0"/>
+              <a:t> </a:t>
+            </a:r>
+            <a:r>
+              <a:rPr lang="fr-FR" i="0" baseline="0" dirty="0" err="1" smtClean="0"/>
+              <a:t>than</a:t>
+            </a:r>
+            <a:r>
+              <a:rPr lang="fr-FR" i="0" baseline="0" dirty="0" smtClean="0"/>
+              <a:t> a </a:t>
+            </a:r>
+            <a:r>
+              <a:rPr lang="fr-FR" i="0" baseline="0" dirty="0" err="1" smtClean="0"/>
+              <a:t>working</a:t>
+            </a:r>
+            <a:r>
+              <a:rPr lang="fr-FR" i="0" baseline="0" dirty="0" smtClean="0"/>
+              <a:t> copy</a:t>
+            </a:r>
+          </a:p>
+          <a:p>
+            <a:pPr lvl="1"/>
+            <a:r>
+              <a:rPr lang="fr-FR" dirty="0" smtClean="0"/>
+              <a:t>But </a:t>
+            </a:r>
+            <a:r>
+              <a:rPr lang="fr-FR" dirty="0" err="1" smtClean="0"/>
+              <a:t>everything</a:t>
+            </a:r>
+            <a:r>
+              <a:rPr lang="fr-FR" dirty="0" smtClean="0"/>
+              <a:t> </a:t>
+            </a:r>
+            <a:r>
+              <a:rPr lang="fr-FR" dirty="0" err="1" smtClean="0"/>
+              <a:t>is</a:t>
+            </a:r>
+            <a:r>
+              <a:rPr lang="fr-FR" dirty="0" smtClean="0"/>
+              <a:t> </a:t>
+            </a:r>
+            <a:r>
+              <a:rPr lang="fr-FR" dirty="0" err="1" smtClean="0"/>
+              <a:t>compressed</a:t>
+            </a:r>
+            <a:r>
+              <a:rPr lang="fr-FR" dirty="0" smtClean="0"/>
+              <a:t> </a:t>
+            </a:r>
+            <a:r>
+              <a:rPr lang="fr-FR" dirty="0" err="1" smtClean="0"/>
+              <a:t>when</a:t>
+            </a:r>
+            <a:r>
+              <a:rPr lang="fr-FR" dirty="0" smtClean="0"/>
+              <a:t> </a:t>
+            </a:r>
+            <a:r>
+              <a:rPr lang="fr-FR" dirty="0" err="1" smtClean="0"/>
+              <a:t>accessing</a:t>
+            </a:r>
+            <a:r>
+              <a:rPr lang="fr-FR" dirty="0" smtClean="0"/>
+              <a:t> to servers and </a:t>
+            </a:r>
+            <a:r>
+              <a:rPr lang="fr-FR" dirty="0" err="1" smtClean="0"/>
+              <a:t>obviously</a:t>
+            </a:r>
+            <a:r>
+              <a:rPr lang="fr-FR" dirty="0" smtClean="0"/>
+              <a:t> </a:t>
+            </a:r>
+            <a:r>
+              <a:rPr lang="fr-FR" dirty="0" err="1" smtClean="0"/>
+              <a:t>you</a:t>
+            </a:r>
+            <a:r>
+              <a:rPr lang="fr-FR" dirty="0" smtClean="0"/>
+              <a:t> do </a:t>
+            </a:r>
+            <a:r>
+              <a:rPr lang="fr-FR" dirty="0" err="1" smtClean="0"/>
+              <a:t>less</a:t>
+            </a:r>
+            <a:r>
+              <a:rPr lang="fr-FR" dirty="0" smtClean="0"/>
+              <a:t> </a:t>
+            </a:r>
+            <a:r>
+              <a:rPr lang="fr-FR" dirty="0" err="1" smtClean="0"/>
+              <a:t>requests</a:t>
+            </a:r>
+            <a:r>
+              <a:rPr lang="fr-FR" dirty="0" smtClean="0"/>
+              <a:t> to server (</a:t>
+            </a:r>
+            <a:r>
+              <a:rPr lang="fr-FR" dirty="0" err="1" smtClean="0"/>
+              <a:t>just</a:t>
+            </a:r>
+            <a:r>
+              <a:rPr lang="fr-FR" dirty="0" smtClean="0"/>
+              <a:t> to </a:t>
+            </a:r>
+            <a:r>
+              <a:rPr lang="fr-FR" dirty="0" err="1" smtClean="0"/>
+              <a:t>fetch</a:t>
+            </a:r>
+            <a:r>
+              <a:rPr lang="fr-FR" dirty="0" smtClean="0"/>
+              <a:t> </a:t>
+            </a:r>
+            <a:r>
+              <a:rPr lang="fr-FR" dirty="0" err="1" smtClean="0"/>
+              <a:t>it</a:t>
+            </a:r>
+            <a:r>
+              <a:rPr lang="fr-FR" dirty="0" smtClean="0"/>
+              <a:t>)</a:t>
+            </a:r>
+          </a:p>
+        </p:txBody>
+      </p:sp>
       <p:sp>
         <p:nvSpPr>
           <p:cNvPr id="4" name="Slide Number Placeholder 3"/>
@@ -19313,7 +20733,7 @@
     </p:spTree>
     <p:extLst>
       <p:ext uri="{BB962C8B-B14F-4D97-AF65-F5344CB8AC3E}">
-        <p14:creationId xmlns:p14="http://schemas.microsoft.com/office/powerpoint/2010/main" val="3508321158"/>
+        <p14:creationId xmlns:p14="http://schemas.microsoft.com/office/powerpoint/2010/main" val="506818103"/>
       </p:ext>
     </p:extLst>
   </p:cSld>
@@ -19393,7 +20813,7 @@
             </a:br>
             <a:r>
               <a:rPr lang="fr-FR" i="1" dirty="0" smtClean="0"/>
-              <a:t>(part 1)</a:t>
+              <a:t>(part 2)</a:t>
             </a:r>
             <a:endParaRPr lang="fr-FR" dirty="0"/>
           </a:p>
@@ -19412,239 +20832,17 @@
         <p:spPr/>
         <p:txBody>
           <a:bodyPr>
-            <a:normAutofit fontScale="92500" lnSpcReduction="10000"/>
+            <a:normAutofit fontScale="85000" lnSpcReduction="20000"/>
           </a:bodyPr>
           <a:lstStyle/>
           <a:p>
             <a:r>
-              <a:rPr lang="fr-FR" dirty="0" smtClean="0"/>
-              <a:t>The </a:t>
-            </a:r>
-            <a:r>
-              <a:rPr lang="fr-FR" dirty="0" err="1" smtClean="0"/>
-              <a:t>repository</a:t>
-            </a:r>
-            <a:r>
-              <a:rPr lang="fr-FR" dirty="0" smtClean="0"/>
-              <a:t> </a:t>
-            </a:r>
-            <a:r>
-              <a:rPr lang="fr-FR" dirty="0" err="1" smtClean="0"/>
-              <a:t>is</a:t>
-            </a:r>
-            <a:r>
-              <a:rPr lang="fr-FR" dirty="0" smtClean="0"/>
-              <a:t> local</a:t>
-            </a:r>
-          </a:p>
-          <a:p>
-            <a:pPr lvl="1"/>
-            <a:r>
-              <a:rPr lang="fr-FR" dirty="0" err="1" smtClean="0"/>
-              <a:t>everything</a:t>
-            </a:r>
-            <a:r>
-              <a:rPr lang="fr-FR" dirty="0" smtClean="0"/>
-              <a:t> </a:t>
-            </a:r>
-            <a:r>
-              <a:rPr lang="fr-FR" dirty="0" err="1" smtClean="0"/>
-              <a:t>is</a:t>
-            </a:r>
-            <a:r>
-              <a:rPr lang="fr-FR" dirty="0" smtClean="0"/>
-              <a:t> local, </a:t>
-            </a:r>
-            <a:r>
-              <a:rPr lang="fr-FR" dirty="0" err="1" smtClean="0"/>
-              <a:t>except</a:t>
-            </a:r>
-            <a:r>
-              <a:rPr lang="fr-FR" dirty="0" smtClean="0"/>
-              <a:t> for </a:t>
-            </a:r>
-            <a:r>
-              <a:rPr lang="fr-FR" dirty="0" err="1" smtClean="0"/>
-              <a:t>pulling</a:t>
-            </a:r>
-            <a:r>
-              <a:rPr lang="fr-FR" dirty="0" smtClean="0"/>
-              <a:t> and </a:t>
-            </a:r>
-            <a:r>
-              <a:rPr lang="fr-FR" dirty="0" err="1" smtClean="0"/>
-              <a:t>fetching</a:t>
-            </a:r>
-            <a:endParaRPr lang="fr-FR" dirty="0" smtClean="0"/>
-          </a:p>
-          <a:p>
-            <a:pPr lvl="1"/>
-            <a:r>
-              <a:rPr lang="fr-FR" dirty="0" smtClean="0"/>
-              <a:t>You </a:t>
-            </a:r>
-            <a:r>
-              <a:rPr lang="fr-FR" dirty="0" err="1" smtClean="0"/>
-              <a:t>always</a:t>
-            </a:r>
-            <a:r>
-              <a:rPr lang="fr-FR" dirty="0" smtClean="0"/>
-              <a:t> </a:t>
-            </a:r>
-            <a:r>
-              <a:rPr lang="fr-FR" dirty="0" err="1" smtClean="0"/>
-              <a:t>can</a:t>
-            </a:r>
-            <a:r>
-              <a:rPr lang="fr-FR" dirty="0" smtClean="0"/>
-              <a:t> </a:t>
-            </a:r>
-            <a:r>
-              <a:rPr lang="fr-FR" dirty="0" err="1" smtClean="0"/>
-              <a:t>read</a:t>
-            </a:r>
-            <a:r>
-              <a:rPr lang="fr-FR" dirty="0" smtClean="0"/>
-              <a:t> the full </a:t>
-            </a:r>
-            <a:r>
-              <a:rPr lang="fr-FR" dirty="0" err="1" smtClean="0"/>
-              <a:t>history</a:t>
-            </a:r>
-            <a:r>
-              <a:rPr lang="fr-FR" baseline="0" dirty="0" smtClean="0"/>
-              <a:t> of the </a:t>
-            </a:r>
-            <a:r>
-              <a:rPr lang="fr-FR" baseline="0" dirty="0" err="1" smtClean="0"/>
-              <a:t>repository</a:t>
-            </a:r>
-            <a:endParaRPr lang="fr-FR" baseline="0" dirty="0" smtClean="0"/>
-          </a:p>
-          <a:p>
-            <a:pPr lvl="1"/>
-            <a:r>
-              <a:rPr lang="fr-FR" dirty="0" smtClean="0"/>
-              <a:t>You </a:t>
-            </a:r>
-            <a:r>
-              <a:rPr lang="fr-FR" dirty="0" err="1" smtClean="0"/>
-              <a:t>can</a:t>
-            </a:r>
-            <a:r>
-              <a:rPr lang="fr-FR" dirty="0" smtClean="0"/>
-              <a:t> commit/</a:t>
-            </a:r>
-            <a:r>
-              <a:rPr lang="fr-FR" dirty="0" err="1" smtClean="0"/>
-              <a:t>branch</a:t>
-            </a:r>
-            <a:r>
-              <a:rPr lang="fr-FR" dirty="0" smtClean="0"/>
-              <a:t>/</a:t>
-            </a:r>
-            <a:r>
-              <a:rPr lang="fr-FR" dirty="0" err="1" smtClean="0"/>
-              <a:t>merge</a:t>
-            </a:r>
-            <a:r>
-              <a:rPr lang="fr-FR" dirty="0" smtClean="0"/>
-              <a:t> </a:t>
-            </a:r>
-            <a:r>
-              <a:rPr lang="fr-FR" dirty="0" err="1" smtClean="0"/>
-              <a:t>locally</a:t>
-            </a:r>
-            <a:endParaRPr lang="fr-FR" baseline="0" dirty="0" smtClean="0"/>
-          </a:p>
-          <a:p>
-            <a:pPr lvl="0"/>
-            <a:r>
-              <a:rPr lang="fr-FR" dirty="0" smtClean="0"/>
-              <a:t>(</a:t>
-            </a:r>
-            <a:r>
-              <a:rPr lang="fr-FR" dirty="0" err="1" smtClean="0"/>
-              <a:t>whispers</a:t>
-            </a:r>
-            <a:r>
-              <a:rPr lang="fr-FR" dirty="0" smtClean="0"/>
-              <a:t>) « </a:t>
-            </a:r>
-            <a:r>
-              <a:rPr lang="fr-FR" i="1" dirty="0" err="1" smtClean="0"/>
-              <a:t>he</a:t>
-            </a:r>
-            <a:r>
-              <a:rPr lang="fr-FR" i="1" dirty="0" smtClean="0"/>
-              <a:t> </a:t>
-            </a:r>
-            <a:r>
-              <a:rPr lang="fr-FR" i="1" dirty="0" err="1" smtClean="0"/>
-              <a:t>hides</a:t>
-            </a:r>
-            <a:r>
-              <a:rPr lang="fr-FR" i="1" dirty="0" smtClean="0"/>
-              <a:t> the </a:t>
-            </a:r>
-            <a:r>
-              <a:rPr lang="fr-FR" i="1" dirty="0" err="1" smtClean="0"/>
-              <a:t>fact</a:t>
-            </a:r>
-            <a:r>
-              <a:rPr lang="fr-FR" i="1" dirty="0" smtClean="0"/>
-              <a:t> </a:t>
-            </a:r>
-            <a:r>
-              <a:rPr lang="fr-FR" i="1" dirty="0" err="1" smtClean="0"/>
-              <a:t>that</a:t>
-            </a:r>
-            <a:r>
-              <a:rPr lang="fr-FR" i="1" dirty="0" smtClean="0"/>
-              <a:t> </a:t>
-            </a:r>
-            <a:r>
-              <a:rPr lang="fr-FR" i="1" dirty="0" err="1" smtClean="0"/>
-              <a:t>it</a:t>
-            </a:r>
-            <a:r>
-              <a:rPr lang="fr-FR" i="1" dirty="0" smtClean="0"/>
-              <a:t> must </a:t>
-            </a:r>
-            <a:r>
-              <a:rPr lang="fr-FR" i="1" dirty="0" err="1" smtClean="0"/>
-              <a:t>be</a:t>
-            </a:r>
-            <a:r>
-              <a:rPr lang="fr-FR" i="1" dirty="0" smtClean="0"/>
-              <a:t> </a:t>
-            </a:r>
-            <a:r>
-              <a:rPr lang="fr-FR" i="1" dirty="0" err="1" smtClean="0"/>
-              <a:t>so</a:t>
-            </a:r>
-            <a:r>
-              <a:rPr lang="fr-FR" i="1" dirty="0" smtClean="0"/>
-              <a:t> </a:t>
-            </a:r>
-            <a:r>
-              <a:rPr lang="fr-FR" i="1" dirty="0" err="1" smtClean="0"/>
-              <a:t>heavy</a:t>
-            </a:r>
-            <a:r>
-              <a:rPr lang="fr-FR" i="1" dirty="0" smtClean="0"/>
-              <a:t> on hard drive »</a:t>
-            </a:r>
-          </a:p>
-          <a:p>
-            <a:pPr lvl="1"/>
-            <a:r>
               <a:rPr lang="fr-FR" i="0" baseline="0" dirty="0" err="1" smtClean="0"/>
-              <a:t>Yes</a:t>
+              <a:t>Merging</a:t>
             </a:r>
             <a:r>
               <a:rPr lang="fr-FR" i="0" baseline="0" dirty="0" smtClean="0"/>
-              <a:t>, It </a:t>
+              <a:t> </a:t>
             </a:r>
             <a:r>
               <a:rPr lang="fr-FR" i="0" baseline="0" dirty="0" err="1" smtClean="0"/>
@@ -19655,8 +20853,8 @@
               <a:t> </a:t>
             </a:r>
             <a:r>
-              <a:rPr lang="fr-FR" dirty="0" err="1" smtClean="0"/>
-              <a:t>heavier</a:t>
+              <a:rPr lang="fr-FR" i="0" baseline="0" dirty="0" err="1" smtClean="0"/>
+              <a:t>easyer</a:t>
             </a:r>
             <a:r>
               <a:rPr lang="fr-FR" i="0" baseline="0" dirty="0" smtClean="0"/>
@@ -19667,31 +20865,48 @@
               <a:t>than</a:t>
             </a:r>
             <a:r>
+              <a:rPr lang="fr-FR" i="0" dirty="0" smtClean="0"/>
+              <a:t> </a:t>
+            </a:r>
+            <a:r>
+              <a:rPr lang="fr-FR" i="0" dirty="0" err="1" smtClean="0"/>
+              <a:t>with</a:t>
+            </a:r>
+            <a:r>
+              <a:rPr lang="fr-FR" i="0" dirty="0" smtClean="0"/>
+              <a:t> SVN</a:t>
+            </a:r>
+            <a:endParaRPr lang="fr-FR" i="0" baseline="0" dirty="0" smtClean="0"/>
+          </a:p>
+          <a:p>
+            <a:pPr lvl="1"/>
+            <a:r>
+              <a:rPr lang="fr-FR" i="0" baseline="0" dirty="0" err="1" smtClean="0"/>
+              <a:t>Before</a:t>
+            </a:r>
+            <a:r>
               <a:rPr lang="fr-FR" i="0" baseline="0" dirty="0" smtClean="0"/>
-              <a:t> a </a:t>
+              <a:t> SVN 1.5 no information about branches </a:t>
             </a:r>
             <a:r>
               <a:rPr lang="fr-FR" i="0" baseline="0" dirty="0" err="1" smtClean="0"/>
-              <a:t>working</a:t>
+              <a:t>was</a:t>
             </a:r>
             <a:r>
               <a:rPr lang="fr-FR" i="0" baseline="0" dirty="0" smtClean="0"/>
-              <a:t> copy</a:t>
-            </a:r>
+              <a:t> </a:t>
+            </a:r>
+            <a:r>
+              <a:rPr lang="fr-FR" i="0" baseline="0" dirty="0" err="1" smtClean="0"/>
+              <a:t>stored</a:t>
+            </a:r>
+            <a:endParaRPr lang="fr-FR" i="0" baseline="0" dirty="0" smtClean="0"/>
           </a:p>
           <a:p>
             <a:pPr lvl="1"/>
             <a:r>
               <a:rPr lang="fr-FR" dirty="0" smtClean="0"/>
-              <a:t>But </a:t>
-            </a:r>
-            <a:r>
-              <a:rPr lang="fr-FR" dirty="0" err="1" smtClean="0"/>
-              <a:t>everything</a:t>
-            </a:r>
-            <a:r>
-              <a:rPr lang="fr-FR" dirty="0" smtClean="0"/>
-              <a:t> </a:t>
+              <a:t>As SVN </a:t>
             </a:r>
             <a:r>
               <a:rPr lang="fr-FR" dirty="0" err="1" smtClean="0"/>
@@ -19703,31 +20918,366 @@
             </a:r>
             <a:r>
               <a:rPr lang="fr-FR" dirty="0" err="1" smtClean="0"/>
-              <a:t>compressed</a:t>
-            </a:r>
-            <a:r>
-              <a:rPr lang="fr-FR" dirty="0" smtClean="0"/>
-              <a:t> </a:t>
-            </a:r>
-            <a:r>
-              <a:rPr lang="fr-FR" dirty="0" err="1" smtClean="0"/>
-              <a:t>when</a:t>
-            </a:r>
-            <a:r>
-              <a:rPr lang="fr-FR" dirty="0" smtClean="0"/>
-              <a:t> </a:t>
-            </a:r>
-            <a:r>
-              <a:rPr lang="fr-FR" dirty="0" err="1" smtClean="0"/>
-              <a:t>accessing</a:t>
-            </a:r>
-            <a:r>
-              <a:rPr lang="fr-FR" dirty="0" smtClean="0"/>
-              <a:t> to servers and </a:t>
-            </a:r>
-            <a:r>
-              <a:rPr lang="fr-FR" dirty="0" err="1" smtClean="0"/>
-              <a:t>obviously</a:t>
+              <a:t>centralized</a:t>
+            </a:r>
+            <a:r>
+              <a:rPr lang="fr-FR" dirty="0" smtClean="0"/>
+              <a:t>, </a:t>
+            </a:r>
+            <a:r>
+              <a:rPr lang="fr-FR" dirty="0" err="1" smtClean="0"/>
+              <a:t>any</a:t>
+            </a:r>
+            <a:r>
+              <a:rPr lang="fr-FR" dirty="0" smtClean="0"/>
+              <a:t> </a:t>
+            </a:r>
+            <a:r>
+              <a:rPr lang="fr-FR" dirty="0" err="1" smtClean="0"/>
+              <a:t>branch</a:t>
+            </a:r>
+            <a:r>
+              <a:rPr lang="fr-FR" dirty="0" smtClean="0"/>
+              <a:t> </a:t>
+            </a:r>
+            <a:r>
+              <a:rPr lang="fr-FR" dirty="0" err="1" smtClean="0"/>
+              <a:t>is</a:t>
+            </a:r>
+            <a:r>
+              <a:rPr lang="fr-FR" dirty="0" smtClean="0"/>
+              <a:t> public on the main server, </a:t>
+            </a:r>
+            <a:r>
+              <a:rPr lang="fr-FR" dirty="0" err="1" smtClean="0"/>
+              <a:t>you’ll</a:t>
+            </a:r>
+            <a:r>
+              <a:rPr lang="fr-FR" dirty="0" smtClean="0"/>
+              <a:t> </a:t>
+            </a:r>
+            <a:r>
+              <a:rPr lang="fr-FR" dirty="0" err="1" smtClean="0"/>
+              <a:t>never</a:t>
+            </a:r>
+            <a:r>
+              <a:rPr lang="fr-FR" dirty="0" smtClean="0"/>
+              <a:t> do a </a:t>
+            </a:r>
+            <a:r>
+              <a:rPr lang="fr-FR" dirty="0" err="1" smtClean="0"/>
+              <a:t>branch</a:t>
+            </a:r>
+            <a:r>
+              <a:rPr lang="fr-FR" dirty="0" err="1" smtClean="0">
+                <a:sym typeface="Wingdings" pitchFamily="2" charset="2"/>
+              </a:rPr>
+              <a:t>a</a:t>
+            </a:r>
+            <a:r>
+              <a:rPr lang="fr-FR" dirty="0" smtClean="0">
+                <a:sym typeface="Wingdings" pitchFamily="2" charset="2"/>
+              </a:rPr>
+              <a:t> </a:t>
+            </a:r>
+            <a:r>
+              <a:rPr lang="fr-FR" dirty="0" err="1" smtClean="0">
+                <a:sym typeface="Wingdings" pitchFamily="2" charset="2"/>
+              </a:rPr>
+              <a:t>feature</a:t>
+            </a:r>
+            <a:r>
+              <a:rPr lang="fr-FR" dirty="0" smtClean="0">
+                <a:sym typeface="Wingdings" pitchFamily="2" charset="2"/>
+              </a:rPr>
+              <a:t>/</a:t>
+            </a:r>
+            <a:r>
+              <a:rPr lang="fr-FR" dirty="0" err="1" smtClean="0">
+                <a:sym typeface="Wingdings" pitchFamily="2" charset="2"/>
+              </a:rPr>
+              <a:t>fix</a:t>
+            </a:r>
+            <a:endParaRPr lang="fr-FR" dirty="0" smtClean="0">
+              <a:sym typeface="Wingdings" pitchFamily="2" charset="2"/>
+            </a:endParaRPr>
+          </a:p>
+          <a:p>
+            <a:pPr lvl="1"/>
+            <a:r>
+              <a:rPr lang="fr-FR" b="1" i="0" dirty="0" err="1" smtClean="0">
+                <a:sym typeface="Wingdings" pitchFamily="2" charset="2"/>
+              </a:rPr>
+              <a:t>Branching</a:t>
+            </a:r>
+            <a:r>
+              <a:rPr lang="fr-FR" b="1" i="0" dirty="0" smtClean="0">
+                <a:sym typeface="Wingdings" pitchFamily="2" charset="2"/>
+              </a:rPr>
+              <a:t> </a:t>
+            </a:r>
+            <a:r>
+              <a:rPr lang="fr-FR" b="1" i="0" dirty="0" err="1" smtClean="0">
+                <a:sym typeface="Wingdings" pitchFamily="2" charset="2"/>
+              </a:rPr>
+              <a:t>is</a:t>
+            </a:r>
+            <a:r>
+              <a:rPr lang="fr-FR" b="1" i="0" dirty="0" smtClean="0">
+                <a:sym typeface="Wingdings" pitchFamily="2" charset="2"/>
+              </a:rPr>
+              <a:t> a central concept =&gt; It </a:t>
+            </a:r>
+            <a:r>
+              <a:rPr lang="fr-FR" b="1" i="0" dirty="0" err="1" smtClean="0">
+                <a:sym typeface="Wingdings" pitchFamily="2" charset="2"/>
+              </a:rPr>
+              <a:t>is</a:t>
+            </a:r>
+            <a:r>
+              <a:rPr lang="fr-FR" b="1" i="0" dirty="0" smtClean="0">
+                <a:sym typeface="Wingdings" pitchFamily="2" charset="2"/>
+              </a:rPr>
+              <a:t> </a:t>
+            </a:r>
+            <a:r>
+              <a:rPr lang="fr-FR" b="1" i="0" dirty="0" err="1" smtClean="0">
+                <a:sym typeface="Wingdings" pitchFamily="2" charset="2"/>
+              </a:rPr>
+              <a:t>easy</a:t>
+            </a:r>
+            <a:r>
+              <a:rPr lang="fr-FR" b="1" i="0" dirty="0" smtClean="0">
+                <a:sym typeface="Wingdings" pitchFamily="2" charset="2"/>
+              </a:rPr>
+              <a:t>, USE IT</a:t>
+            </a:r>
+            <a:endParaRPr lang="fr-FR" i="0" dirty="0" smtClean="0">
+              <a:sym typeface="Wingdings" pitchFamily="2" charset="2"/>
+            </a:endParaRPr>
+          </a:p>
+          <a:p>
+            <a:pPr lvl="2"/>
+            <a:r>
+              <a:rPr lang="fr-FR" b="1" dirty="0" smtClean="0">
+                <a:sym typeface="Wingdings" pitchFamily="2" charset="2"/>
+              </a:rPr>
+              <a:t>No </a:t>
+            </a:r>
+            <a:r>
+              <a:rPr lang="fr-FR" b="1" dirty="0" err="1" smtClean="0">
+                <a:sym typeface="Wingdings" pitchFamily="2" charset="2"/>
+              </a:rPr>
+              <a:t>virtual</a:t>
+            </a:r>
+            <a:r>
+              <a:rPr lang="fr-FR" b="1" dirty="0" smtClean="0">
+                <a:sym typeface="Wingdings" pitchFamily="2" charset="2"/>
+              </a:rPr>
+              <a:t> directory</a:t>
+            </a:r>
+          </a:p>
+          <a:p>
+            <a:pPr lvl="2"/>
+            <a:r>
+              <a:rPr lang="fr-FR" b="1" i="0" dirty="0" smtClean="0">
+                <a:sym typeface="Wingdings" pitchFamily="2" charset="2"/>
+              </a:rPr>
+              <a:t>It </a:t>
+            </a:r>
+            <a:r>
+              <a:rPr lang="fr-FR" b="1" i="0" dirty="0" err="1" smtClean="0">
+                <a:sym typeface="Wingdings" pitchFamily="2" charset="2"/>
+              </a:rPr>
+              <a:t>is</a:t>
+            </a:r>
+            <a:r>
+              <a:rPr lang="fr-FR" b="1" i="0" dirty="0" smtClean="0">
+                <a:sym typeface="Wingdings" pitchFamily="2" charset="2"/>
+              </a:rPr>
+              <a:t> an hard </a:t>
+            </a:r>
+            <a:r>
+              <a:rPr lang="fr-FR" b="1" i="0" dirty="0" err="1" smtClean="0">
+                <a:sym typeface="Wingdings" pitchFamily="2" charset="2"/>
+              </a:rPr>
+              <a:t>object</a:t>
+            </a:r>
+            <a:r>
+              <a:rPr lang="fr-FR" b="1" i="0" dirty="0" smtClean="0">
+                <a:sym typeface="Wingdings" pitchFamily="2" charset="2"/>
+              </a:rPr>
+              <a:t> of the structure in Git, Hg and </a:t>
+            </a:r>
+            <a:r>
+              <a:rPr lang="fr-FR" b="1" i="0" dirty="0" err="1" smtClean="0">
+                <a:sym typeface="Wingdings" pitchFamily="2" charset="2"/>
+              </a:rPr>
+              <a:t>Bzr</a:t>
+            </a:r>
+            <a:r>
+              <a:rPr lang="fr-FR" b="1" i="0" dirty="0" smtClean="0">
+                <a:sym typeface="Wingdings" pitchFamily="2" charset="2"/>
+              </a:rPr>
+              <a:t> :</a:t>
+            </a:r>
+            <a:br>
+              <a:rPr lang="fr-FR" b="1" i="0" dirty="0" smtClean="0">
+                <a:sym typeface="Wingdings" pitchFamily="2" charset="2"/>
+              </a:rPr>
+            </a:br>
+            <a:r>
+              <a:rPr lang="fr-FR" b="1" dirty="0" smtClean="0">
+                <a:sym typeface="Wingdings" pitchFamily="2" charset="2"/>
+              </a:rPr>
+              <a:t>As </a:t>
+            </a:r>
+            <a:r>
+              <a:rPr lang="fr-FR" b="1" dirty="0" err="1" smtClean="0">
+                <a:sym typeface="Wingdings" pitchFamily="2" charset="2"/>
+              </a:rPr>
+              <a:t>you’ve</a:t>
+            </a:r>
+            <a:r>
+              <a:rPr lang="fr-FR" b="1" dirty="0" smtClean="0">
+                <a:sym typeface="Wingdings" pitchFamily="2" charset="2"/>
+              </a:rPr>
+              <a:t> </a:t>
+            </a:r>
+            <a:r>
+              <a:rPr lang="fr-FR" b="1" dirty="0" err="1" smtClean="0">
+                <a:sym typeface="Wingdings" pitchFamily="2" charset="2"/>
+              </a:rPr>
+              <a:t>seen</a:t>
+            </a:r>
+            <a:r>
+              <a:rPr lang="fr-FR" b="1" dirty="0" smtClean="0">
+                <a:sym typeface="Wingdings" pitchFamily="2" charset="2"/>
+              </a:rPr>
+              <a:t> the </a:t>
+            </a:r>
+            <a:r>
+              <a:rPr lang="fr-FR" b="1" dirty="0" err="1" smtClean="0">
+                <a:sym typeface="Wingdings" pitchFamily="2" charset="2"/>
+              </a:rPr>
+              <a:t>repository</a:t>
+            </a:r>
+            <a:r>
+              <a:rPr lang="fr-FR" b="1" dirty="0" smtClean="0">
+                <a:sym typeface="Wingdings" pitchFamily="2" charset="2"/>
+              </a:rPr>
+              <a:t> </a:t>
+            </a:r>
+            <a:r>
+              <a:rPr lang="fr-FR" b="1" dirty="0" err="1" smtClean="0">
+                <a:sym typeface="Wingdings" pitchFamily="2" charset="2"/>
+              </a:rPr>
+              <a:t>is</a:t>
+            </a:r>
+            <a:r>
+              <a:rPr lang="fr-FR" b="1" dirty="0" smtClean="0">
+                <a:sym typeface="Wingdings" pitchFamily="2" charset="2"/>
+              </a:rPr>
+              <a:t> a graph (and </a:t>
+            </a:r>
+            <a:r>
+              <a:rPr lang="fr-FR" b="1" dirty="0" err="1" smtClean="0">
+                <a:sym typeface="Wingdings" pitchFamily="2" charset="2"/>
+              </a:rPr>
+              <a:t>is</a:t>
+            </a:r>
+            <a:r>
+              <a:rPr lang="fr-FR" b="1" dirty="0" smtClean="0">
+                <a:sym typeface="Wingdings" pitchFamily="2" charset="2"/>
+              </a:rPr>
+              <a:t> structure </a:t>
+            </a:r>
+            <a:r>
+              <a:rPr lang="fr-FR" b="1" dirty="0" err="1" smtClean="0">
+                <a:sym typeface="Wingdings" pitchFamily="2" charset="2"/>
+              </a:rPr>
+              <a:t>is</a:t>
+            </a:r>
+            <a:r>
+              <a:rPr lang="fr-FR" b="1" dirty="0" smtClean="0">
+                <a:sym typeface="Wingdings" pitchFamily="2" charset="2"/>
+              </a:rPr>
+              <a:t> </a:t>
+            </a:r>
+            <a:r>
+              <a:rPr lang="fr-FR" b="1" dirty="0" err="1" smtClean="0">
+                <a:sym typeface="Wingdings" pitchFamily="2" charset="2"/>
+              </a:rPr>
+              <a:t>directly</a:t>
+            </a:r>
+            <a:r>
+              <a:rPr lang="fr-FR" b="1" dirty="0" smtClean="0">
+                <a:sym typeface="Wingdings" pitchFamily="2" charset="2"/>
+              </a:rPr>
+              <a:t> </a:t>
+            </a:r>
+            <a:r>
+              <a:rPr lang="fr-FR" b="1" dirty="0" err="1" smtClean="0">
+                <a:sym typeface="Wingdings" pitchFamily="2" charset="2"/>
+              </a:rPr>
+              <a:t>related</a:t>
+            </a:r>
+            <a:r>
+              <a:rPr lang="fr-FR" b="1" dirty="0" smtClean="0">
+                <a:sym typeface="Wingdings" pitchFamily="2" charset="2"/>
+              </a:rPr>
+              <a:t> to branches)</a:t>
+            </a:r>
+            <a:endParaRPr lang="fr-FR" i="0" baseline="0" dirty="0" smtClean="0"/>
+          </a:p>
+          <a:p>
+            <a:r>
+              <a:rPr lang="fr-FR" i="0" baseline="0" dirty="0" err="1" smtClean="0"/>
+              <a:t>Consequence</a:t>
+            </a:r>
+            <a:r>
+              <a:rPr lang="fr-FR" i="0" baseline="0" dirty="0" smtClean="0"/>
+              <a:t> : </a:t>
+            </a:r>
+            <a:r>
+              <a:rPr lang="fr-FR" i="0" baseline="0" dirty="0" err="1" smtClean="0"/>
+              <a:t>Incredible</a:t>
+            </a:r>
+            <a:r>
+              <a:rPr lang="fr-FR" i="0" baseline="0" dirty="0" smtClean="0"/>
+              <a:t> </a:t>
+            </a:r>
+            <a:r>
+              <a:rPr lang="fr-FR" i="0" baseline="0" dirty="0" err="1" smtClean="0"/>
+              <a:t>workflows</a:t>
+            </a:r>
+            <a:endParaRPr lang="fr-FR" i="0" baseline="0" dirty="0" smtClean="0"/>
+          </a:p>
+          <a:p>
+            <a:pPr lvl="1"/>
+            <a:r>
+              <a:rPr lang="fr-FR" dirty="0" smtClean="0"/>
+              <a:t>You </a:t>
+            </a:r>
+            <a:r>
+              <a:rPr lang="fr-FR" dirty="0" err="1" smtClean="0"/>
+              <a:t>can</a:t>
+            </a:r>
+            <a:r>
+              <a:rPr lang="fr-FR" dirty="0" smtClean="0"/>
+              <a:t> exchange </a:t>
+            </a:r>
+            <a:r>
+              <a:rPr lang="fr-FR" dirty="0" err="1" smtClean="0"/>
+              <a:t>with</a:t>
+            </a:r>
+            <a:r>
+              <a:rPr lang="fr-FR" dirty="0" smtClean="0"/>
+              <a:t> </a:t>
+            </a:r>
+            <a:r>
+              <a:rPr lang="fr-FR" dirty="0" err="1" smtClean="0"/>
+              <a:t>whoever</a:t>
             </a:r>
             <a:r>
               <a:rPr lang="fr-FR" dirty="0" smtClean="0"/>
@@ -19739,27 +21289,11 @@
             </a:r>
             <a:r>
               <a:rPr lang="fr-FR" dirty="0" smtClean="0"/>
-              <a:t> do </a:t>
-            </a:r>
-            <a:r>
-              <a:rPr lang="fr-FR" dirty="0" err="1" smtClean="0"/>
-              <a:t>less</a:t>
-            </a:r>
-            <a:r>
-              <a:rPr lang="fr-FR" dirty="0" smtClean="0"/>
-              <a:t> </a:t>
-            </a:r>
-            <a:r>
-              <a:rPr lang="fr-FR" dirty="0" err="1" smtClean="0"/>
-              <a:t>requests</a:t>
-            </a:r>
-            <a:r>
-              <a:rPr lang="fr-FR" dirty="0" smtClean="0"/>
-              <a:t> to server (</a:t>
-            </a:r>
-            <a:r>
-              <a:rPr lang="fr-FR" dirty="0" err="1" smtClean="0"/>
-              <a:t>just</a:t>
+              <a:t> </a:t>
+            </a:r>
+            <a:r>
+              <a:rPr lang="fr-FR" dirty="0" err="1" smtClean="0"/>
+              <a:t>need</a:t>
             </a:r>
             <a:r>
               <a:rPr lang="fr-FR" dirty="0" smtClean="0"/>
@@ -19767,20 +21301,65 @@
             </a:r>
             <a:r>
               <a:rPr lang="fr-FR" dirty="0" err="1" smtClean="0"/>
-              <a:t>fetch</a:t>
-            </a:r>
-            <a:r>
-              <a:rPr lang="fr-FR" dirty="0" smtClean="0"/>
-              <a:t> </a:t>
-            </a:r>
-            <a:r>
-              <a:rPr lang="fr-FR" dirty="0" err="1" smtClean="0"/>
-              <a:t>it</a:t>
-            </a:r>
-            <a:r>
-              <a:rPr lang="fr-FR" dirty="0" smtClean="0"/>
-              <a:t>)</a:t>
-            </a:r>
+              <a:t>without</a:t>
+            </a:r>
+            <a:r>
+              <a:rPr lang="fr-FR" dirty="0" smtClean="0"/>
+              <a:t> </a:t>
+            </a:r>
+            <a:r>
+              <a:rPr lang="fr-FR" dirty="0" err="1" smtClean="0"/>
+              <a:t>breaking</a:t>
+            </a:r>
+            <a:r>
+              <a:rPr lang="fr-FR" dirty="0" smtClean="0"/>
+              <a:t> the </a:t>
+            </a:r>
+            <a:r>
+              <a:rPr lang="fr-FR" dirty="0" err="1" smtClean="0"/>
+              <a:t>shared</a:t>
+            </a:r>
+            <a:r>
+              <a:rPr lang="fr-FR" dirty="0" smtClean="0"/>
+              <a:t> code</a:t>
+            </a:r>
+          </a:p>
+          <a:p>
+            <a:pPr lvl="1"/>
+            <a:r>
+              <a:rPr lang="fr-FR" dirty="0" smtClean="0"/>
+              <a:t>You </a:t>
+            </a:r>
+            <a:r>
+              <a:rPr lang="fr-FR" dirty="0" err="1" smtClean="0"/>
+              <a:t>can</a:t>
+            </a:r>
+            <a:r>
+              <a:rPr lang="fr-FR" dirty="0" smtClean="0"/>
+              <a:t> </a:t>
+            </a:r>
+            <a:r>
+              <a:rPr lang="fr-FR" dirty="0" err="1" smtClean="0"/>
+              <a:t>branch</a:t>
+            </a:r>
+            <a:r>
+              <a:rPr lang="fr-FR" dirty="0" smtClean="0"/>
+              <a:t>/</a:t>
+            </a:r>
+            <a:r>
+              <a:rPr lang="fr-FR" dirty="0" err="1" smtClean="0"/>
+              <a:t>merge</a:t>
+            </a:r>
+            <a:r>
+              <a:rPr lang="fr-FR" dirty="0" smtClean="0"/>
+              <a:t> all the time</a:t>
+            </a:r>
+          </a:p>
+          <a:p>
+            <a:endParaRPr lang="fr-FR" dirty="0" smtClean="0"/>
+          </a:p>
+          <a:p>
+            <a:endParaRPr lang="fr-FR" i="0" baseline="0" dirty="0" smtClean="0"/>
           </a:p>
         </p:txBody>
       </p:sp>
@@ -19811,7 +21390,7 @@
     </p:spTree>
     <p:extLst>
       <p:ext uri="{BB962C8B-B14F-4D97-AF65-F5344CB8AC3E}">
-        <p14:creationId xmlns:p14="http://schemas.microsoft.com/office/powerpoint/2010/main" val="506818103"/>
+        <p14:creationId xmlns:p14="http://schemas.microsoft.com/office/powerpoint/2010/main" val="2047180889"/>
       </p:ext>
     </p:extLst>
   </p:cSld>
@@ -19858,17 +21437,17 @@
         <p:spPr/>
         <p:txBody>
           <a:bodyPr>
-            <a:normAutofit fontScale="90000"/>
+            <a:normAutofit/>
           </a:bodyPr>
           <a:lstStyle/>
           <a:p>
             <a:r>
               <a:rPr lang="fr-FR" dirty="0" err="1" smtClean="0"/>
-              <a:t>Why</a:t>
-            </a:r>
-            <a:r>
-              <a:rPr lang="fr-FR" dirty="0" smtClean="0"/>
-              <a:t> DVCS </a:t>
+              <a:t>What</a:t>
+            </a:r>
+            <a:r>
+              <a:rPr lang="fr-FR" dirty="0" smtClean="0"/>
+              <a:t> </a:t>
             </a:r>
             <a:r>
               <a:rPr lang="fr-FR" dirty="0" err="1" smtClean="0"/>
@@ -19880,18 +21459,11 @@
             </a:r>
             <a:r>
               <a:rPr lang="fr-FR" dirty="0" err="1" smtClean="0"/>
-              <a:t>better</a:t>
-            </a:r>
-            <a:r>
-              <a:rPr lang="fr-FR" dirty="0" smtClean="0"/>
-              <a:t> ?</a:t>
-            </a:r>
-            <a:br>
-              <a:rPr lang="fr-FR" dirty="0" smtClean="0"/>
-            </a:br>
-            <a:r>
-              <a:rPr lang="fr-FR" i="1" dirty="0" smtClean="0"/>
-              <a:t>(part 2)</a:t>
+              <a:t>complicated</a:t>
+            </a:r>
+            <a:r>
+              <a:rPr lang="fr-FR" dirty="0" smtClean="0"/>
+              <a:t> in Git?</a:t>
             </a:r>
             <a:endParaRPr lang="fr-FR" dirty="0"/>
           </a:p>
@@ -19909,22 +21481,20 @@
         </p:nvSpPr>
         <p:spPr/>
         <p:txBody>
-          <a:bodyPr>
-            <a:normAutofit fontScale="85000" lnSpcReduction="20000"/>
-          </a:bodyPr>
+          <a:bodyPr/>
           <a:lstStyle/>
           <a:p>
             <a:r>
               <a:rPr lang="fr-FR" i="0" baseline="0" dirty="0" err="1" smtClean="0"/>
-              <a:t>Merging</a:t>
+              <a:t>We</a:t>
             </a:r>
             <a:r>
               <a:rPr lang="fr-FR" i="0" baseline="0" dirty="0" smtClean="0"/>
-              <a:t> </a:t>
+              <a:t> must have a </a:t>
             </a:r>
             <a:r>
               <a:rPr lang="fr-FR" i="0" baseline="0" dirty="0" err="1" smtClean="0"/>
-              <a:t>is</a:t>
+              <a:t>clear</a:t>
             </a:r>
             <a:r>
               <a:rPr lang="fr-FR" i="0" baseline="0" dirty="0" smtClean="0"/>
@@ -19932,511 +21502,102 @@
             </a:r>
             <a:r>
               <a:rPr lang="fr-FR" i="0" baseline="0" dirty="0" err="1" smtClean="0"/>
-              <a:t>easyer</a:t>
+              <a:t>policy</a:t>
             </a:r>
             <a:r>
               <a:rPr lang="fr-FR" i="0" baseline="0" dirty="0" smtClean="0"/>
-              <a:t> </a:t>
-            </a:r>
-            <a:r>
-              <a:rPr lang="fr-FR" i="0" baseline="0" dirty="0" err="1" smtClean="0"/>
-              <a:t>than</a:t>
+              <a:t> about branches (on the public repo(s))</a:t>
+            </a:r>
+          </a:p>
+          <a:p>
+            <a:endParaRPr lang="fr-FR" i="0" baseline="0" dirty="0" smtClean="0"/>
+          </a:p>
+          <a:p>
+            <a:r>
+              <a:rPr lang="fr-FR" dirty="0" smtClean="0"/>
+              <a:t>IT IS NOT SVN</a:t>
+            </a:r>
+          </a:p>
+          <a:p>
+            <a:r>
+              <a:rPr lang="fr-FR" i="0" baseline="0" dirty="0" smtClean="0"/>
+              <a:t>IT WILL NOT FIX</a:t>
             </a:r>
             <a:r>
               <a:rPr lang="fr-FR" i="0" dirty="0" smtClean="0"/>
-              <a:t> </a:t>
-            </a:r>
-            <a:r>
-              <a:rPr lang="fr-FR" i="0" dirty="0" err="1" smtClean="0"/>
-              <a:t>with</a:t>
-            </a:r>
-            <a:r>
-              <a:rPr lang="fr-FR" i="0" dirty="0" smtClean="0"/>
-              <a:t> SVN</a:t>
-            </a:r>
-            <a:endParaRPr lang="fr-FR" i="0" baseline="0" dirty="0" smtClean="0"/>
-          </a:p>
-          <a:p>
-            <a:pPr lvl="1"/>
-            <a:r>
-              <a:rPr lang="fr-FR" i="0" baseline="0" dirty="0" err="1" smtClean="0"/>
-              <a:t>Before</a:t>
-            </a:r>
-            <a:r>
-              <a:rPr lang="fr-FR" i="0" baseline="0" dirty="0" smtClean="0"/>
-              <a:t> SVN 1.5 no information about branches </a:t>
-            </a:r>
-            <a:r>
-              <a:rPr lang="fr-FR" i="0" baseline="0" dirty="0" err="1" smtClean="0"/>
-              <a:t>was</a:t>
-            </a:r>
-            <a:r>
-              <a:rPr lang="fr-FR" i="0" baseline="0" dirty="0" smtClean="0"/>
-              <a:t> </a:t>
-            </a:r>
-            <a:r>
-              <a:rPr lang="fr-FR" i="0" baseline="0" dirty="0" err="1" smtClean="0"/>
-              <a:t>stored</a:t>
-            </a:r>
-            <a:endParaRPr lang="fr-FR" i="0" baseline="0" dirty="0" smtClean="0"/>
-          </a:p>
-          <a:p>
-            <a:pPr lvl="1"/>
-            <a:r>
-              <a:rPr lang="fr-FR" dirty="0" smtClean="0"/>
-              <a:t>As SVN </a:t>
-            </a:r>
-            <a:r>
-              <a:rPr lang="fr-FR" dirty="0" err="1" smtClean="0"/>
-              <a:t>is</a:t>
-            </a:r>
-            <a:r>
-              <a:rPr lang="fr-FR" dirty="0" smtClean="0"/>
-              <a:t> </a:t>
-            </a:r>
-            <a:r>
-              <a:rPr lang="fr-FR" dirty="0" err="1" smtClean="0"/>
-              <a:t>centralized</a:t>
-            </a:r>
-            <a:r>
-              <a:rPr lang="fr-FR" dirty="0" smtClean="0"/>
-              <a:t>, </a:t>
-            </a:r>
-            <a:r>
-              <a:rPr lang="fr-FR" dirty="0" err="1" smtClean="0"/>
-              <a:t>any</a:t>
-            </a:r>
-            <a:r>
-              <a:rPr lang="fr-FR" dirty="0" smtClean="0"/>
-              <a:t> </a:t>
-            </a:r>
-            <a:r>
-              <a:rPr lang="fr-FR" dirty="0" err="1" smtClean="0"/>
-              <a:t>branch</a:t>
-            </a:r>
-            <a:r>
-              <a:rPr lang="fr-FR" dirty="0" smtClean="0"/>
-              <a:t> </a:t>
-            </a:r>
-            <a:r>
-              <a:rPr lang="fr-FR" dirty="0" err="1" smtClean="0"/>
-              <a:t>is</a:t>
-            </a:r>
-            <a:r>
-              <a:rPr lang="fr-FR" dirty="0" smtClean="0"/>
-              <a:t> public on the main server, </a:t>
-            </a:r>
-            <a:r>
-              <a:rPr lang="fr-FR" dirty="0" err="1" smtClean="0"/>
-              <a:t>you’ll</a:t>
-            </a:r>
-            <a:r>
-              <a:rPr lang="fr-FR" dirty="0" smtClean="0"/>
-              <a:t> </a:t>
-            </a:r>
-            <a:r>
-              <a:rPr lang="fr-FR" dirty="0" err="1" smtClean="0"/>
-              <a:t>never</a:t>
-            </a:r>
-            <a:r>
-              <a:rPr lang="fr-FR" dirty="0" smtClean="0"/>
-              <a:t> do a </a:t>
-            </a:r>
-            <a:r>
-              <a:rPr lang="fr-FR" dirty="0" err="1" smtClean="0"/>
-              <a:t>branch</a:t>
-            </a:r>
-            <a:r>
-              <a:rPr lang="fr-FR" dirty="0" err="1" smtClean="0">
-                <a:sym typeface="Wingdings" pitchFamily="2" charset="2"/>
+              <a:t> YOUR CODE</a:t>
+            </a:r>
+          </a:p>
+          <a:p>
+            <a:endParaRPr lang="fr-FR" baseline="0" dirty="0"/>
+          </a:p>
+          <a:p>
+            <a:r>
+              <a:rPr lang="fr-FR" i="0" dirty="0" smtClean="0">
+                <a:hlinkClick r:id="rId2"/>
               </a:rPr>
-              <a:t>a</a:t>
-            </a:r>
-            <a:r>
-              <a:rPr lang="fr-FR" dirty="0" smtClean="0">
-                <a:sym typeface="Wingdings" pitchFamily="2" charset="2"/>
+              <a:t>10 </a:t>
+            </a:r>
+            <a:r>
+              <a:rPr lang="fr-FR" i="0" dirty="0" err="1" smtClean="0">
+                <a:hlinkClick r:id="rId2"/>
               </a:rPr>
-              <a:t> </a:t>
-            </a:r>
-            <a:r>
-              <a:rPr lang="fr-FR" dirty="0" err="1" smtClean="0">
-                <a:sym typeface="Wingdings" pitchFamily="2" charset="2"/>
+              <a:t>reasons</a:t>
+            </a:r>
+            <a:r>
+              <a:rPr lang="fr-FR" i="0" dirty="0" smtClean="0">
+                <a:hlinkClick r:id="rId2"/>
               </a:rPr>
-              <a:t>feature</a:t>
-            </a:r>
-            <a:r>
-              <a:rPr lang="fr-FR" dirty="0" smtClean="0">
-                <a:sym typeface="Wingdings" pitchFamily="2" charset="2"/>
+              <a:t> </a:t>
+            </a:r>
+            <a:r>
+              <a:rPr lang="fr-FR" i="0" dirty="0" err="1" smtClean="0">
+                <a:hlinkClick r:id="rId2"/>
               </a:rPr>
-              <a:t>/</a:t>
-            </a:r>
-            <a:r>
-              <a:rPr lang="fr-FR" dirty="0" err="1" smtClean="0">
-                <a:sym typeface="Wingdings" pitchFamily="2" charset="2"/>
+              <a:t>why</a:t>
+            </a:r>
+            <a:r>
+              <a:rPr lang="fr-FR" i="0" dirty="0" smtClean="0">
+                <a:hlinkClick r:id="rId2"/>
               </a:rPr>
-              <a:t>fix</a:t>
-            </a:r>
-            <a:endParaRPr lang="fr-FR" dirty="0" smtClean="0">
-              <a:sym typeface="Wingdings" pitchFamily="2" charset="2"/>
-            </a:endParaRPr>
-          </a:p>
-          <a:p>
-            <a:pPr lvl="1"/>
-            <a:r>
-              <a:rPr lang="fr-FR" b="1" i="0" dirty="0" err="1" smtClean="0">
-                <a:sym typeface="Wingdings" pitchFamily="2" charset="2"/>
-              </a:rPr>
-              <a:t>Branching</a:t>
-            </a:r>
-            <a:r>
-              <a:rPr lang="fr-FR" b="1" i="0" dirty="0" smtClean="0">
-                <a:sym typeface="Wingdings" pitchFamily="2" charset="2"/>
-              </a:rPr>
-              <a:t> </a:t>
-            </a:r>
-            <a:r>
-              <a:rPr lang="fr-FR" b="1" i="0" dirty="0" err="1" smtClean="0">
-                <a:sym typeface="Wingdings" pitchFamily="2" charset="2"/>
+              <a:t> SVN </a:t>
+            </a:r>
+            <a:r>
+              <a:rPr lang="fr-FR" i="0" dirty="0" err="1" smtClean="0">
+                <a:hlinkClick r:id="rId2"/>
               </a:rPr>
               <a:t>is</a:t>
             </a:r>
             <a:r>
-              <a:rPr lang="fr-FR" b="1" i="0" dirty="0" smtClean="0">
-                <a:sym typeface="Wingdings" pitchFamily="2" charset="2"/>
+              <a:rPr lang="fr-FR" i="0" dirty="0" smtClean="0">
+                <a:hlinkClick r:id="rId2"/>
               </a:rPr>
-              <a:t> a central concept =&gt; It </a:t>
-            </a:r>
-            <a:r>
-              <a:rPr lang="fr-FR" b="1" i="0" dirty="0" err="1" smtClean="0">
-                <a:sym typeface="Wingdings" pitchFamily="2" charset="2"/>
+              <a:t> </a:t>
+            </a:r>
+            <a:r>
+              <a:rPr lang="fr-FR" i="0" dirty="0" err="1" smtClean="0">
+                <a:hlinkClick r:id="rId2"/>
               </a:rPr>
-              <a:t>is</a:t>
-            </a:r>
-            <a:r>
-              <a:rPr lang="fr-FR" b="1" i="0" dirty="0" smtClean="0">
-                <a:sym typeface="Wingdings" pitchFamily="2" charset="2"/>
+              <a:t>better</a:t>
+            </a:r>
+            <a:r>
+              <a:rPr lang="fr-FR" i="0" dirty="0" smtClean="0">
+                <a:hlinkClick r:id="rId2"/>
               </a:rPr>
               <a:t> </a:t>
             </a:r>
             <a:r>
-              <a:rPr lang="fr-FR" b="1" i="0" dirty="0" err="1" smtClean="0">
-                <a:sym typeface="Wingdings" pitchFamily="2" charset="2"/>
+              <a:rPr lang="fr-FR" i="0" dirty="0" err="1" smtClean="0">
+                <a:hlinkClick r:id="rId2"/>
               </a:rPr>
-              <a:t>easy</a:t>
-            </a:r>
-            <a:r>
-              <a:rPr lang="fr-FR" b="1" i="0" dirty="0" smtClean="0">
-                <a:sym typeface="Wingdings" pitchFamily="2" charset="2"/>
+              <a:t>than</a:t>
+            </a:r>
+            <a:r>
+              <a:rPr lang="fr-FR" i="0" dirty="0" smtClean="0">
+                <a:hlinkClick r:id="rId2"/>
               </a:rPr>
-              <a:t>, USE IT</a:t>
-            </a:r>
-            <a:endParaRPr lang="fr-FR" i="0" dirty="0" smtClean="0">
-              <a:sym typeface="Wingdings" pitchFamily="2" charset="2"/>
-            </a:endParaRPr>
-          </a:p>
-          <a:p>
-            <a:pPr lvl="2"/>
-            <a:r>
-              <a:rPr lang="fr-FR" b="1" dirty="0" smtClean="0">
-                <a:sym typeface="Wingdings" pitchFamily="2" charset="2"/>
-              </a:rPr>
-              <a:t>No </a:t>
-            </a:r>
-            <a:r>
-              <a:rPr lang="fr-FR" b="1" dirty="0" err="1" smtClean="0">
-                <a:sym typeface="Wingdings" pitchFamily="2" charset="2"/>
-              </a:rPr>
-              <a:t>virtual</a:t>
-            </a:r>
-            <a:r>
-              <a:rPr lang="fr-FR" b="1" dirty="0" smtClean="0">
-                <a:sym typeface="Wingdings" pitchFamily="2" charset="2"/>
-              </a:rPr>
-              <a:t> directory</a:t>
-            </a:r>
-          </a:p>
-          <a:p>
-            <a:pPr lvl="2"/>
-            <a:r>
-              <a:rPr lang="fr-FR" b="1" i="0" dirty="0" smtClean="0">
-                <a:sym typeface="Wingdings" pitchFamily="2" charset="2"/>
-              </a:rPr>
-              <a:t>It </a:t>
-            </a:r>
-            <a:r>
-              <a:rPr lang="fr-FR" b="1" i="0" dirty="0" err="1" smtClean="0">
-                <a:sym typeface="Wingdings" pitchFamily="2" charset="2"/>
-              </a:rPr>
-              <a:t>is</a:t>
-            </a:r>
-            <a:r>
-              <a:rPr lang="fr-FR" b="1" i="0" dirty="0" smtClean="0">
-                <a:sym typeface="Wingdings" pitchFamily="2" charset="2"/>
-              </a:rPr>
-              <a:t> an hard </a:t>
-            </a:r>
-            <a:r>
-              <a:rPr lang="fr-FR" b="1" i="0" dirty="0" err="1" smtClean="0">
-                <a:sym typeface="Wingdings" pitchFamily="2" charset="2"/>
-              </a:rPr>
-              <a:t>object</a:t>
-            </a:r>
-            <a:r>
-              <a:rPr lang="fr-FR" b="1" i="0" dirty="0" smtClean="0">
-                <a:sym typeface="Wingdings" pitchFamily="2" charset="2"/>
-              </a:rPr>
-              <a:t> of the structure in Git, Hg and </a:t>
-            </a:r>
-            <a:r>
-              <a:rPr lang="fr-FR" b="1" i="0" dirty="0" err="1" smtClean="0">
-                <a:sym typeface="Wingdings" pitchFamily="2" charset="2"/>
-              </a:rPr>
-              <a:t>Bzr</a:t>
-            </a:r>
-            <a:r>
-              <a:rPr lang="fr-FR" b="1" i="0" dirty="0" smtClean="0">
-                <a:sym typeface="Wingdings" pitchFamily="2" charset="2"/>
-              </a:rPr>
-              <a:t> :</a:t>
-            </a:r>
-            <a:br>
-              <a:rPr lang="fr-FR" b="1" i="0" dirty="0" smtClean="0">
-                <a:sym typeface="Wingdings" pitchFamily="2" charset="2"/>
-              </a:rPr>
-            </a:br>
-            <a:r>
-              <a:rPr lang="fr-FR" b="1" dirty="0" smtClean="0">
-                <a:sym typeface="Wingdings" pitchFamily="2" charset="2"/>
-              </a:rPr>
-              <a:t>As </a:t>
-            </a:r>
-            <a:r>
-              <a:rPr lang="fr-FR" b="1" dirty="0" err="1" smtClean="0">
-                <a:sym typeface="Wingdings" pitchFamily="2" charset="2"/>
-              </a:rPr>
-              <a:t>you’ve</a:t>
-            </a:r>
-            <a:r>
-              <a:rPr lang="fr-FR" b="1" dirty="0" smtClean="0">
-                <a:sym typeface="Wingdings" pitchFamily="2" charset="2"/>
-              </a:rPr>
-              <a:t> </a:t>
-            </a:r>
-            <a:r>
-              <a:rPr lang="fr-FR" b="1" dirty="0" err="1" smtClean="0">
-                <a:sym typeface="Wingdings" pitchFamily="2" charset="2"/>
-              </a:rPr>
-              <a:t>seen</a:t>
-            </a:r>
-            <a:r>
-              <a:rPr lang="fr-FR" b="1" dirty="0" smtClean="0">
-                <a:sym typeface="Wingdings" pitchFamily="2" charset="2"/>
-              </a:rPr>
-              <a:t> the </a:t>
-            </a:r>
-            <a:r>
-              <a:rPr lang="fr-FR" b="1" dirty="0" err="1" smtClean="0">
-                <a:sym typeface="Wingdings" pitchFamily="2" charset="2"/>
-              </a:rPr>
-              <a:t>repository</a:t>
-            </a:r>
-            <a:r>
-              <a:rPr lang="fr-FR" b="1" dirty="0" smtClean="0">
-                <a:sym typeface="Wingdings" pitchFamily="2" charset="2"/>
-              </a:rPr>
-              <a:t> </a:t>
-            </a:r>
-            <a:r>
-              <a:rPr lang="fr-FR" b="1" dirty="0" err="1" smtClean="0">
-                <a:sym typeface="Wingdings" pitchFamily="2" charset="2"/>
-              </a:rPr>
-              <a:t>is</a:t>
-            </a:r>
-            <a:r>
-              <a:rPr lang="fr-FR" b="1" dirty="0" smtClean="0">
-                <a:sym typeface="Wingdings" pitchFamily="2" charset="2"/>
-              </a:rPr>
-              <a:t> a graph (and </a:t>
-            </a:r>
-            <a:r>
-              <a:rPr lang="fr-FR" b="1" dirty="0" err="1" smtClean="0">
-                <a:sym typeface="Wingdings" pitchFamily="2" charset="2"/>
-              </a:rPr>
-              <a:t>is</a:t>
-            </a:r>
-            <a:r>
-              <a:rPr lang="fr-FR" b="1" dirty="0" smtClean="0">
-                <a:sym typeface="Wingdings" pitchFamily="2" charset="2"/>
-              </a:rPr>
-              <a:t> structure </a:t>
-            </a:r>
-            <a:r>
-              <a:rPr lang="fr-FR" b="1" dirty="0" err="1" smtClean="0">
-                <a:sym typeface="Wingdings" pitchFamily="2" charset="2"/>
-              </a:rPr>
-              <a:t>is</a:t>
-            </a:r>
-            <a:r>
-              <a:rPr lang="fr-FR" b="1" dirty="0" smtClean="0">
-                <a:sym typeface="Wingdings" pitchFamily="2" charset="2"/>
-              </a:rPr>
-              <a:t> </a:t>
-            </a:r>
-            <a:r>
-              <a:rPr lang="fr-FR" b="1" dirty="0" err="1" smtClean="0">
-                <a:sym typeface="Wingdings" pitchFamily="2" charset="2"/>
-              </a:rPr>
-              <a:t>directly</a:t>
-            </a:r>
-            <a:r>
-              <a:rPr lang="fr-FR" b="1" dirty="0" smtClean="0">
-                <a:sym typeface="Wingdings" pitchFamily="2" charset="2"/>
-              </a:rPr>
-              <a:t> </a:t>
-            </a:r>
-            <a:r>
-              <a:rPr lang="fr-FR" b="1" dirty="0" err="1" smtClean="0">
-                <a:sym typeface="Wingdings" pitchFamily="2" charset="2"/>
-              </a:rPr>
-              <a:t>related</a:t>
-            </a:r>
-            <a:r>
-              <a:rPr lang="fr-FR" b="1" dirty="0" smtClean="0">
-                <a:sym typeface="Wingdings" pitchFamily="2" charset="2"/>
-              </a:rPr>
-              <a:t> to branches)</a:t>
-            </a:r>
-            <a:endParaRPr lang="fr-FR" i="0" baseline="0" dirty="0" smtClean="0"/>
-          </a:p>
-          <a:p>
-            <a:r>
-              <a:rPr lang="fr-FR" i="0" baseline="0" dirty="0" err="1" smtClean="0"/>
-              <a:t>Consequence</a:t>
-            </a:r>
-            <a:r>
-              <a:rPr lang="fr-FR" i="0" baseline="0" dirty="0" smtClean="0"/>
-              <a:t> : </a:t>
-            </a:r>
-            <a:r>
-              <a:rPr lang="fr-FR" i="0" baseline="0" dirty="0" err="1" smtClean="0"/>
-              <a:t>Incredible</a:t>
-            </a:r>
-            <a:r>
-              <a:rPr lang="fr-FR" i="0" baseline="0" dirty="0" smtClean="0"/>
-              <a:t> </a:t>
-            </a:r>
-            <a:r>
-              <a:rPr lang="fr-FR" i="0" baseline="0" dirty="0" err="1" smtClean="0"/>
-              <a:t>workflows</a:t>
-            </a:r>
-            <a:endParaRPr lang="fr-FR" i="0" baseline="0" dirty="0" smtClean="0"/>
-          </a:p>
-          <a:p>
-            <a:pPr lvl="1"/>
-            <a:r>
-              <a:rPr lang="fr-FR" dirty="0" smtClean="0"/>
-              <a:t>You </a:t>
-            </a:r>
-            <a:r>
-              <a:rPr lang="fr-FR" dirty="0" err="1" smtClean="0"/>
-              <a:t>can</a:t>
-            </a:r>
-            <a:r>
-              <a:rPr lang="fr-FR" dirty="0" smtClean="0"/>
-              <a:t> exchange </a:t>
-            </a:r>
-            <a:r>
-              <a:rPr lang="fr-FR" dirty="0" err="1" smtClean="0"/>
-              <a:t>with</a:t>
-            </a:r>
-            <a:r>
-              <a:rPr lang="fr-FR" dirty="0" smtClean="0"/>
-              <a:t> </a:t>
-            </a:r>
-            <a:r>
-              <a:rPr lang="fr-FR" dirty="0" err="1" smtClean="0"/>
-              <a:t>whoever</a:t>
-            </a:r>
-            <a:r>
-              <a:rPr lang="fr-FR" dirty="0" smtClean="0"/>
-              <a:t> </a:t>
-            </a:r>
-            <a:r>
-              <a:rPr lang="fr-FR" dirty="0" err="1" smtClean="0"/>
-              <a:t>you</a:t>
-            </a:r>
-            <a:r>
-              <a:rPr lang="fr-FR" dirty="0" smtClean="0"/>
-              <a:t> </a:t>
-            </a:r>
-            <a:r>
-              <a:rPr lang="fr-FR" dirty="0" err="1" smtClean="0"/>
-              <a:t>need</a:t>
-            </a:r>
-            <a:r>
-              <a:rPr lang="fr-FR" dirty="0" smtClean="0"/>
-              <a:t> to </a:t>
-            </a:r>
-            <a:r>
-              <a:rPr lang="fr-FR" dirty="0" err="1" smtClean="0"/>
-              <a:t>without</a:t>
-            </a:r>
-            <a:r>
-              <a:rPr lang="fr-FR" dirty="0" smtClean="0"/>
-              <a:t> </a:t>
-            </a:r>
-            <a:r>
-              <a:rPr lang="fr-FR" dirty="0" err="1" smtClean="0"/>
-              <a:t>breaking</a:t>
-            </a:r>
-            <a:r>
-              <a:rPr lang="fr-FR" dirty="0" smtClean="0"/>
-              <a:t> the </a:t>
-            </a:r>
-            <a:r>
-              <a:rPr lang="fr-FR" dirty="0" err="1" smtClean="0"/>
-              <a:t>shared</a:t>
-            </a:r>
-            <a:r>
-              <a:rPr lang="fr-FR" dirty="0" smtClean="0"/>
-              <a:t> code</a:t>
-            </a:r>
-          </a:p>
-          <a:p>
-            <a:pPr lvl="1"/>
-            <a:r>
-              <a:rPr lang="fr-FR" dirty="0" smtClean="0"/>
-              <a:t>You </a:t>
-            </a:r>
-            <a:r>
-              <a:rPr lang="fr-FR" dirty="0" err="1" smtClean="0"/>
-              <a:t>can</a:t>
-            </a:r>
-            <a:r>
-              <a:rPr lang="fr-FR" dirty="0" smtClean="0"/>
-              <a:t> </a:t>
-            </a:r>
-            <a:r>
-              <a:rPr lang="fr-FR" dirty="0" err="1" smtClean="0"/>
-              <a:t>branch</a:t>
-            </a:r>
-            <a:r>
-              <a:rPr lang="fr-FR" dirty="0" smtClean="0"/>
-              <a:t>/</a:t>
-            </a:r>
-            <a:r>
-              <a:rPr lang="fr-FR" dirty="0" err="1" smtClean="0"/>
-              <a:t>merge</a:t>
-            </a:r>
-            <a:r>
-              <a:rPr lang="fr-FR" dirty="0" smtClean="0"/>
-              <a:t> all the time</a:t>
-            </a:r>
-          </a:p>
-          <a:p>
-            <a:endParaRPr lang="fr-FR" dirty="0" smtClean="0"/>
-          </a:p>
-          <a:p>
+              <a:t> Git</a:t>
+            </a:r>
             <a:endParaRPr lang="fr-FR" i="0" baseline="0" dirty="0" smtClean="0"/>
           </a:p>
         </p:txBody>
@@ -20465,10 +21626,54 @@
           </a:p>
         </p:txBody>
       </p:sp>
+      <p:sp>
+        <p:nvSpPr>
+          <p:cNvPr id="5" name="&quot;No&quot; Symbol 4"/>
+          <p:cNvSpPr/>
+          <p:nvPr/>
+        </p:nvSpPr>
+        <p:spPr>
+          <a:xfrm>
+            <a:off x="38100" y="38100"/>
+            <a:ext cx="533400" cy="533400"/>
+          </a:xfrm>
+          <a:prstGeom prst="noSmoking">
+            <a:avLst/>
+          </a:prstGeom>
+        </p:spPr>
+        <p:style>
+          <a:lnRef idx="2">
+            <a:schemeClr val="accent1">
+              <a:shade val="50000"/>
+            </a:schemeClr>
+          </a:lnRef>
+          <a:fillRef idx="1">
+            <a:schemeClr val="accent1"/>
+          </a:fillRef>
+          <a:effectRef idx="0">
+            <a:schemeClr val="accent1"/>
+          </a:effectRef>
+          <a:fontRef idx="minor">
+            <a:schemeClr val="lt1"/>
+          </a:fontRef>
+        </p:style>
+        <p:txBody>
+          <a:bodyPr rtlCol="0" anchor="ctr"/>
+          <a:lstStyle/>
+          <a:p>
+            <a:pPr algn="ctr"/>
+            <a:endParaRPr lang="en-US">
+              <a:solidFill>
+                <a:schemeClr val="tx1"/>
+              </a:solidFill>
+            </a:endParaRPr>
+          </a:p>
+        </p:txBody>
+      </p:sp>
     </p:spTree>
     <p:extLst>
       <p:ext uri="{BB962C8B-B14F-4D97-AF65-F5344CB8AC3E}">
-        <p14:creationId xmlns:p14="http://schemas.microsoft.com/office/powerpoint/2010/main" val="2047180889"/>
+        <p14:creationId xmlns:p14="http://schemas.microsoft.com/office/powerpoint/2010/main" val="1337332114"/>
       </p:ext>
     </p:extLst>
   </p:cSld>
@@ -20514,34 +21719,12 @@
         </p:nvSpPr>
         <p:spPr/>
         <p:txBody>
-          <a:bodyPr>
-            <a:normAutofit/>
-          </a:bodyPr>
-          <a:lstStyle/>
-          <a:p>
-            <a:r>
-              <a:rPr lang="fr-FR" dirty="0" err="1" smtClean="0"/>
-              <a:t>What</a:t>
-            </a:r>
-            <a:r>
-              <a:rPr lang="fr-FR" dirty="0" smtClean="0"/>
-              <a:t> </a:t>
-            </a:r>
-            <a:r>
-              <a:rPr lang="fr-FR" dirty="0" err="1" smtClean="0"/>
-              <a:t>is</a:t>
-            </a:r>
-            <a:r>
-              <a:rPr lang="fr-FR" dirty="0" smtClean="0"/>
-              <a:t> </a:t>
-            </a:r>
-            <a:r>
-              <a:rPr lang="fr-FR" dirty="0" err="1" smtClean="0"/>
-              <a:t>complicated</a:t>
-            </a:r>
-            <a:r>
-              <a:rPr lang="fr-FR" dirty="0" smtClean="0"/>
-              <a:t> in Git?</a:t>
+          <a:bodyPr/>
+          <a:lstStyle/>
+          <a:p>
+            <a:r>
+              <a:rPr lang="fr-FR" dirty="0" smtClean="0"/>
+              <a:t>Sources</a:t>
             </a:r>
             <a:endParaRPr lang="fr-FR" dirty="0"/>
           </a:p>
@@ -20559,124 +21742,230 @@
         </p:nvSpPr>
         <p:spPr/>
         <p:txBody>
-          <a:bodyPr/>
-          <a:lstStyle/>
-          <a:p>
-            <a:r>
-              <a:rPr lang="fr-FR" i="0" baseline="0" dirty="0" err="1" smtClean="0"/>
-              <a:t>We</a:t>
-            </a:r>
-            <a:r>
-              <a:rPr lang="fr-FR" i="0" baseline="0" dirty="0" smtClean="0"/>
-              <a:t> must have a </a:t>
-            </a:r>
-            <a:r>
-              <a:rPr lang="fr-FR" i="0" baseline="0" dirty="0" err="1" smtClean="0"/>
-              <a:t>clear</a:t>
-            </a:r>
-            <a:r>
-              <a:rPr lang="fr-FR" i="0" baseline="0" dirty="0" smtClean="0"/>
-              <a:t> </a:t>
-            </a:r>
-            <a:r>
-              <a:rPr lang="fr-FR" i="0" baseline="0" dirty="0" err="1" smtClean="0"/>
-              <a:t>policy</a:t>
-            </a:r>
-            <a:r>
-              <a:rPr lang="fr-FR" i="0" baseline="0" dirty="0" smtClean="0"/>
-              <a:t> about branches (on the public repo(s))</a:t>
-            </a:r>
-          </a:p>
-          <a:p>
-            <a:endParaRPr lang="fr-FR" i="0" baseline="0" dirty="0" smtClean="0"/>
-          </a:p>
-          <a:p>
-            <a:r>
-              <a:rPr lang="fr-FR" dirty="0" smtClean="0"/>
-              <a:t>IT IS NOT SVN</a:t>
-            </a:r>
-          </a:p>
-          <a:p>
-            <a:r>
-              <a:rPr lang="fr-FR" i="0" baseline="0" dirty="0" smtClean="0"/>
-              <a:t>IT WILL NOT FIX</a:t>
-            </a:r>
-            <a:r>
-              <a:rPr lang="fr-FR" i="0" dirty="0" smtClean="0"/>
-              <a:t> YOUR CODE</a:t>
-            </a:r>
-          </a:p>
-          <a:p>
-            <a:endParaRPr lang="fr-FR" baseline="0" dirty="0"/>
-          </a:p>
-          <a:p>
-            <a:r>
-              <a:rPr lang="fr-FR" i="0" dirty="0" smtClean="0">
+          <a:bodyPr>
+            <a:normAutofit fontScale="77500" lnSpcReduction="20000"/>
+          </a:bodyPr>
+          <a:lstStyle/>
+          <a:p>
+            <a:r>
+              <a:rPr lang="fr-FR" dirty="0" err="1" smtClean="0"/>
+              <a:t>Websites</a:t>
+            </a:r>
+            <a:endParaRPr lang="fr-FR" dirty="0" smtClean="0"/>
+          </a:p>
+          <a:p>
+            <a:pPr lvl="1"/>
+            <a:r>
+              <a:rPr lang="fr-FR" dirty="0">
                 <a:hlinkClick r:id="rId2"/>
               </a:rPr>
-              <a:t>10 </a:t>
-            </a:r>
-            <a:r>
-              <a:rPr lang="fr-FR" i="0" dirty="0" err="1" smtClean="0">
+              <a:t>http://</a:t>
+            </a:r>
+            <a:r>
+              <a:rPr lang="fr-FR" dirty="0" smtClean="0">
                 <a:hlinkClick r:id="rId2"/>
               </a:rPr>
-              <a:t>reasons</a:t>
-            </a:r>
-            <a:r>
-              <a:rPr lang="fr-FR" i="0" dirty="0" smtClean="0">
-                <a:hlinkClick r:id="rId2"/>
+              <a:t>whygitisbetterthanx.com</a:t>
+            </a:r>
+            <a:endParaRPr lang="fr-FR" dirty="0" smtClean="0">
+              <a:hlinkClick r:id="rId3"/>
+            </a:endParaRPr>
+          </a:p>
+          <a:p>
+            <a:pPr lvl="1"/>
+            <a:r>
+              <a:rPr lang="fr-FR" dirty="0" err="1" smtClean="0">
+                <a:hlinkClick r:id="rId4"/>
               </a:rPr>
-              <a:t> </a:t>
-            </a:r>
-            <a:r>
-              <a:rPr lang="fr-FR" i="0" dirty="0" err="1" smtClean="0">
-                <a:hlinkClick r:id="rId2"/>
+              <a:t>Why</a:t>
+            </a:r>
+            <a:r>
+              <a:rPr lang="fr-FR" dirty="0" smtClean="0">
+                <a:hlinkClick r:id="rId4"/>
               </a:rPr>
-              <a:t>why</a:t>
-            </a:r>
-            <a:r>
-              <a:rPr lang="fr-FR" i="0" dirty="0" smtClean="0">
-                <a:hlinkClick r:id="rId2"/>
+              <a:t> git and not SVN</a:t>
+            </a:r>
+            <a:endParaRPr lang="fr-FR" dirty="0">
+              <a:hlinkClick r:id="rId3"/>
+            </a:endParaRPr>
+          </a:p>
+          <a:p>
+            <a:pPr lvl="1"/>
+            <a:r>
+              <a:rPr lang="fr-FR" dirty="0" err="1" smtClean="0">
+                <a:hlinkClick r:id="rId3"/>
               </a:rPr>
-              <a:t> SVN </a:t>
-            </a:r>
-            <a:r>
-              <a:rPr lang="fr-FR" i="0" dirty="0" err="1" smtClean="0">
-                <a:hlinkClick r:id="rId2"/>
+              <a:t>Boost</a:t>
+            </a:r>
+            <a:r>
+              <a:rPr lang="fr-FR" dirty="0" smtClean="0">
+                <a:hlinkClick r:id="rId3"/>
               </a:rPr>
-              <a:t>is</a:t>
-            </a:r>
-            <a:r>
-              <a:rPr lang="fr-FR" i="0" dirty="0" smtClean="0">
-                <a:hlinkClick r:id="rId2"/>
+              <a:t> move to git</a:t>
+            </a:r>
+            <a:endParaRPr lang="fr-FR" dirty="0" smtClean="0"/>
+          </a:p>
+          <a:p>
+            <a:pPr lvl="1"/>
+            <a:r>
+              <a:rPr lang="fr-FR" dirty="0" err="1" smtClean="0">
+                <a:hlinkClick r:id="rId5"/>
               </a:rPr>
-              <a:t> </a:t>
-            </a:r>
-            <a:r>
-              <a:rPr lang="fr-FR" i="0" dirty="0" err="1" smtClean="0">
-                <a:hlinkClick r:id="rId2"/>
+              <a:t>Why</a:t>
+            </a:r>
+            <a:r>
+              <a:rPr lang="fr-FR" dirty="0" smtClean="0">
+                <a:hlinkClick r:id="rId5"/>
               </a:rPr>
-              <a:t>better</a:t>
-            </a:r>
-            <a:r>
-              <a:rPr lang="fr-FR" i="0" dirty="0" smtClean="0">
-                <a:hlinkClick r:id="rId2"/>
+              <a:t> </a:t>
+            </a:r>
+            <a:r>
+              <a:rPr lang="fr-FR" dirty="0" err="1" smtClean="0">
+                <a:hlinkClick r:id="rId5"/>
               </a:rPr>
-              <a:t> </a:t>
-            </a:r>
-            <a:r>
-              <a:rPr lang="fr-FR" i="0" dirty="0" err="1" smtClean="0">
-                <a:hlinkClick r:id="rId2"/>
+              <a:t>switching</a:t>
+            </a:r>
+            <a:r>
+              <a:rPr lang="fr-FR" dirty="0" smtClean="0">
+                <a:hlinkClick r:id="rId5"/>
               </a:rPr>
-              <a:t>than</a:t>
-            </a:r>
-            <a:r>
-              <a:rPr lang="fr-FR" i="0" dirty="0" smtClean="0">
-                <a:hlinkClick r:id="rId2"/>
+              <a:t> to git</a:t>
+            </a:r>
+            <a:endParaRPr lang="fr-FR" dirty="0" smtClean="0"/>
+          </a:p>
+          <a:p>
+            <a:pPr lvl="1"/>
+            <a:r>
+              <a:rPr lang="fr-FR" dirty="0" smtClean="0">
+                <a:hlinkClick r:id="rId6"/>
               </a:rPr>
-              <a:t> Git</a:t>
-            </a:r>
-            <a:endParaRPr lang="fr-FR" i="0" baseline="0" dirty="0" smtClean="0"/>
+              <a:t>A</a:t>
+            </a:r>
+            <a:r>
+              <a:rPr lang="fr-FR" baseline="0" dirty="0" smtClean="0">
+                <a:hlinkClick r:id="rId6"/>
+              </a:rPr>
+              <a:t> </a:t>
+            </a:r>
+            <a:r>
+              <a:rPr lang="fr-FR" baseline="0" dirty="0" err="1" smtClean="0">
+                <a:hlinkClick r:id="rId6"/>
+              </a:rPr>
+              <a:t>succesfull</a:t>
+            </a:r>
+            <a:r>
+              <a:rPr lang="fr-FR" baseline="0" dirty="0" smtClean="0">
+                <a:hlinkClick r:id="rId6"/>
+              </a:rPr>
+              <a:t> git </a:t>
+            </a:r>
+            <a:r>
+              <a:rPr lang="fr-FR" baseline="0" dirty="0" err="1" smtClean="0">
+                <a:hlinkClick r:id="rId6"/>
+              </a:rPr>
+              <a:t>branching</a:t>
+            </a:r>
+            <a:r>
+              <a:rPr lang="fr-FR" baseline="0" dirty="0" smtClean="0">
+                <a:hlinkClick r:id="rId6"/>
+              </a:rPr>
+              <a:t> model</a:t>
+            </a:r>
+            <a:endParaRPr lang="fr-FR" dirty="0" smtClean="0"/>
+          </a:p>
+          <a:p>
+            <a:r>
+              <a:rPr lang="fr-FR" dirty="0" err="1" smtClean="0"/>
+              <a:t>Video</a:t>
+            </a:r>
+            <a:r>
+              <a:rPr lang="fr-FR" dirty="0" smtClean="0"/>
+              <a:t> </a:t>
+            </a:r>
+            <a:r>
+              <a:rPr lang="fr-FR" dirty="0" err="1" smtClean="0"/>
+              <a:t>tutorials</a:t>
+            </a:r>
+            <a:r>
+              <a:rPr lang="fr-FR" dirty="0" smtClean="0"/>
+              <a:t> :</a:t>
+            </a:r>
+          </a:p>
+          <a:p>
+            <a:pPr lvl="1"/>
+            <a:r>
+              <a:rPr lang="fr-FR" dirty="0" smtClean="0">
+                <a:hlinkClick r:id="rId7"/>
+              </a:rPr>
+              <a:t>Git flow </a:t>
+            </a:r>
+            <a:r>
+              <a:rPr lang="fr-FR" dirty="0" smtClean="0"/>
+              <a:t> (and a </a:t>
+            </a:r>
+            <a:r>
+              <a:rPr lang="fr-FR" dirty="0" err="1" smtClean="0"/>
+              <a:t>great</a:t>
+            </a:r>
+            <a:r>
+              <a:rPr lang="fr-FR" dirty="0" smtClean="0"/>
+              <a:t> </a:t>
+            </a:r>
+            <a:r>
+              <a:rPr lang="fr-FR" dirty="0" err="1" smtClean="0">
+                <a:hlinkClick r:id="rId8"/>
+              </a:rPr>
+              <a:t>presentation</a:t>
+            </a:r>
+            <a:r>
+              <a:rPr lang="fr-FR" dirty="0" smtClean="0"/>
+              <a:t>)</a:t>
+            </a:r>
+          </a:p>
+          <a:p>
+            <a:r>
+              <a:rPr lang="fr-FR" dirty="0" err="1" smtClean="0"/>
+              <a:t>Ebooks</a:t>
+            </a:r>
+            <a:endParaRPr lang="fr-FR" dirty="0" smtClean="0"/>
+          </a:p>
+          <a:p>
+            <a:pPr lvl="1"/>
+            <a:r>
+              <a:rPr lang="fr-FR" dirty="0" smtClean="0"/>
+              <a:t>Git </a:t>
+            </a:r>
+            <a:r>
+              <a:rPr lang="fr-FR" dirty="0" err="1" smtClean="0"/>
+              <a:t>Community</a:t>
+            </a:r>
+            <a:r>
+              <a:rPr lang="fr-FR" dirty="0" smtClean="0"/>
+              <a:t> book</a:t>
+            </a:r>
+          </a:p>
+          <a:p>
+            <a:pPr lvl="1"/>
+            <a:r>
+              <a:rPr lang="fr-FR" dirty="0" smtClean="0"/>
+              <a:t>Pro </a:t>
+            </a:r>
+            <a:r>
+              <a:rPr lang="fr-FR" dirty="0"/>
+              <a:t>Git - Scott </a:t>
+            </a:r>
+            <a:r>
+              <a:rPr lang="fr-FR" dirty="0" err="1" smtClean="0"/>
+              <a:t>Chacon</a:t>
+            </a:r>
+            <a:endParaRPr lang="fr-FR" dirty="0" smtClean="0"/>
+          </a:p>
+          <a:p>
+            <a:pPr lvl="1"/>
+            <a:r>
+              <a:rPr lang="fr-FR" dirty="0" smtClean="0"/>
+              <a:t>OReilly.Version.Control.With.Git.May.2009</a:t>
+            </a:r>
           </a:p>
         </p:txBody>
       </p:sp>
@@ -20699,329 +21988,6 @@
               <a:rPr lang="en-US" smtClean="0"/>
               <a:pPr/>
               <a:t>57</a:t>
-            </a:fld>
-            <a:endParaRPr lang="en-US"/>
-          </a:p>
-        </p:txBody>
-      </p:sp>
-    </p:spTree>
-    <p:extLst>
-      <p:ext uri="{BB962C8B-B14F-4D97-AF65-F5344CB8AC3E}">
-        <p14:creationId xmlns:p14="http://schemas.microsoft.com/office/powerpoint/2010/main" val="1337332114"/>
-      </p:ext>
-    </p:extLst>
-  </p:cSld>
-  <p:clrMapOvr>
-    <a:masterClrMapping/>
-  </p:clrMapOvr>
-  <p:timing>
-    <p:tnLst>
-      <p:par>
-        <p:cTn id="1" dur="indefinite" restart="never" nodeType="tmRoot"/>
-      </p:par>
-    </p:tnLst>
-  </p:timing>
-</p:sld>
-</file>
-
-<file path=ppt/slides/slide58.xml><?xml version="1.0" encoding="utf-8"?>
-<p:sld xmlns:a="http://schemas.openxmlformats.org/drawingml/2006/main" xmlns:r="http://schemas.openxmlformats.org/officeDocument/2006/relationships" xmlns:p="http://schemas.openxmlformats.org/presentationml/2006/main">
-  <p:cSld>
-    <p:spTree>
-      <p:nvGrpSpPr>
-        <p:cNvPr id="1" name=""/>
-        <p:cNvGrpSpPr/>
-        <p:nvPr/>
-      </p:nvGrpSpPr>
-      <p:grpSpPr>
-        <a:xfrm>
-          <a:off x="0" y="0"/>
-          <a:ext cx="0" cy="0"/>
-          <a:chOff x="0" y="0"/>
-          <a:chExt cx="0" cy="0"/>
-        </a:xfrm>
-      </p:grpSpPr>
-      <p:sp>
-        <p:nvSpPr>
-          <p:cNvPr id="2" name="Title 1"/>
-          <p:cNvSpPr>
-            <a:spLocks noGrp="1"/>
-          </p:cNvSpPr>
-          <p:nvPr>
-            <p:ph type="title"/>
-          </p:nvPr>
-        </p:nvSpPr>
-        <p:spPr/>
-        <p:txBody>
-          <a:bodyPr/>
-          <a:lstStyle/>
-          <a:p>
-            <a:r>
-              <a:rPr lang="fr-FR" dirty="0" smtClean="0"/>
-              <a:t>Sources</a:t>
-            </a:r>
-            <a:endParaRPr lang="fr-FR" dirty="0"/>
-          </a:p>
-        </p:txBody>
-      </p:sp>
-      <p:sp>
-        <p:nvSpPr>
-          <p:cNvPr id="3" name="Content Placeholder 2"/>
-          <p:cNvSpPr>
-            <a:spLocks noGrp="1"/>
-          </p:cNvSpPr>
-          <p:nvPr>
-            <p:ph idx="1"/>
-          </p:nvPr>
-        </p:nvSpPr>
-        <p:spPr/>
-        <p:txBody>
-          <a:bodyPr>
-            <a:normAutofit fontScale="77500" lnSpcReduction="20000"/>
-          </a:bodyPr>
-          <a:lstStyle/>
-          <a:p>
-            <a:r>
-              <a:rPr lang="fr-FR" dirty="0" err="1" smtClean="0"/>
-              <a:t>Websites</a:t>
-            </a:r>
-            <a:endParaRPr lang="fr-FR" dirty="0" smtClean="0"/>
-          </a:p>
-          <a:p>
-            <a:pPr lvl="1"/>
-            <a:r>
-              <a:rPr lang="fr-FR" dirty="0">
-                <a:hlinkClick r:id="rId2"/>
-              </a:rPr>
-              <a:t>http://</a:t>
-            </a:r>
-            <a:r>
-              <a:rPr lang="fr-FR" dirty="0" smtClean="0">
-                <a:hlinkClick r:id="rId2"/>
-              </a:rPr>
-              <a:t>whygitisbetterthanx.com</a:t>
-            </a:r>
-            <a:endParaRPr lang="fr-FR" dirty="0" smtClean="0">
-              <a:hlinkClick r:id="rId3"/>
-            </a:endParaRPr>
-          </a:p>
-          <a:p>
-            <a:pPr lvl="1"/>
-            <a:r>
-              <a:rPr lang="fr-FR" dirty="0" err="1" smtClean="0">
-                <a:hlinkClick r:id="rId4"/>
-              </a:rPr>
-              <a:t>Why</a:t>
-            </a:r>
-            <a:r>
-              <a:rPr lang="fr-FR" dirty="0" smtClean="0">
-                <a:hlinkClick r:id="rId4"/>
-              </a:rPr>
-              <a:t> git and not SVN</a:t>
-            </a:r>
-            <a:endParaRPr lang="fr-FR" dirty="0">
-              <a:hlinkClick r:id="rId3"/>
-            </a:endParaRPr>
-          </a:p>
-          <a:p>
-            <a:pPr lvl="1"/>
-            <a:r>
-              <a:rPr lang="fr-FR" dirty="0" err="1" smtClean="0">
-                <a:hlinkClick r:id="rId3"/>
-              </a:rPr>
-              <a:t>Boost</a:t>
-            </a:r>
-            <a:r>
-              <a:rPr lang="fr-FR" dirty="0" smtClean="0">
-                <a:hlinkClick r:id="rId3"/>
-              </a:rPr>
-              <a:t> move to git</a:t>
-            </a:r>
-            <a:endParaRPr lang="fr-FR" dirty="0" smtClean="0"/>
-          </a:p>
-          <a:p>
-            <a:pPr lvl="1"/>
-            <a:r>
-              <a:rPr lang="fr-FR" dirty="0" err="1" smtClean="0">
-                <a:hlinkClick r:id="rId5"/>
-              </a:rPr>
-              <a:t>Why</a:t>
-            </a:r>
-            <a:r>
-              <a:rPr lang="fr-FR" dirty="0" smtClean="0">
-                <a:hlinkClick r:id="rId5"/>
-              </a:rPr>
-              <a:t> </a:t>
-            </a:r>
-            <a:r>
-              <a:rPr lang="fr-FR" dirty="0" err="1" smtClean="0">
-                <a:hlinkClick r:id="rId5"/>
-              </a:rPr>
-              <a:t>switching</a:t>
-            </a:r>
-            <a:r>
-              <a:rPr lang="fr-FR" dirty="0" smtClean="0">
-                <a:hlinkClick r:id="rId5"/>
-              </a:rPr>
-              <a:t> to git</a:t>
-            </a:r>
-            <a:endParaRPr lang="fr-FR" dirty="0" smtClean="0"/>
-          </a:p>
-          <a:p>
-            <a:pPr lvl="1"/>
-            <a:r>
-              <a:rPr lang="fr-FR" dirty="0" smtClean="0">
-                <a:hlinkClick r:id="rId6"/>
-              </a:rPr>
-              <a:t>A</a:t>
-            </a:r>
-            <a:r>
-              <a:rPr lang="fr-FR" baseline="0" dirty="0" smtClean="0">
-                <a:hlinkClick r:id="rId6"/>
-              </a:rPr>
-              <a:t> </a:t>
-            </a:r>
-            <a:r>
-              <a:rPr lang="fr-FR" baseline="0" dirty="0" err="1" smtClean="0">
-                <a:hlinkClick r:id="rId6"/>
-              </a:rPr>
-              <a:t>succesfull</a:t>
-            </a:r>
-            <a:r>
-              <a:rPr lang="fr-FR" baseline="0" dirty="0" smtClean="0">
-                <a:hlinkClick r:id="rId6"/>
-              </a:rPr>
-              <a:t> git </a:t>
-            </a:r>
-            <a:r>
-              <a:rPr lang="fr-FR" baseline="0" dirty="0" err="1" smtClean="0">
-                <a:hlinkClick r:id="rId6"/>
-              </a:rPr>
-              <a:t>branching</a:t>
-            </a:r>
-            <a:r>
-              <a:rPr lang="fr-FR" baseline="0" dirty="0" smtClean="0">
-                <a:hlinkClick r:id="rId6"/>
-              </a:rPr>
-              <a:t> model</a:t>
-            </a:r>
-            <a:endParaRPr lang="fr-FR" dirty="0" smtClean="0"/>
-          </a:p>
-          <a:p>
-            <a:r>
-              <a:rPr lang="fr-FR" dirty="0" err="1" smtClean="0"/>
-              <a:t>Video</a:t>
-            </a:r>
-            <a:r>
-              <a:rPr lang="fr-FR" dirty="0" smtClean="0"/>
-              <a:t> </a:t>
-            </a:r>
-            <a:r>
-              <a:rPr lang="fr-FR" dirty="0" err="1" smtClean="0"/>
-              <a:t>tutorials</a:t>
-            </a:r>
-            <a:r>
-              <a:rPr lang="fr-FR" dirty="0" smtClean="0"/>
-              <a:t> :</a:t>
-            </a:r>
-          </a:p>
-          <a:p>
-            <a:pPr lvl="1"/>
-            <a:r>
-              <a:rPr lang="fr-FR" dirty="0" smtClean="0">
-                <a:hlinkClick r:id="rId7"/>
-              </a:rPr>
-              <a:t>Git flow </a:t>
-            </a:r>
-            <a:r>
-              <a:rPr lang="fr-FR" dirty="0" smtClean="0"/>
-              <a:t> (and a </a:t>
-            </a:r>
-            <a:r>
-              <a:rPr lang="fr-FR" dirty="0" err="1" smtClean="0"/>
-              <a:t>great</a:t>
-            </a:r>
-            <a:r>
-              <a:rPr lang="fr-FR" dirty="0" smtClean="0"/>
-              <a:t> </a:t>
-            </a:r>
-            <a:r>
-              <a:rPr lang="fr-FR" dirty="0" err="1" smtClean="0">
-                <a:hlinkClick r:id="rId8"/>
-              </a:rPr>
-              <a:t>presentation</a:t>
-            </a:r>
-            <a:r>
-              <a:rPr lang="fr-FR" dirty="0" smtClean="0"/>
-              <a:t>)</a:t>
-            </a:r>
-          </a:p>
-          <a:p>
-            <a:r>
-              <a:rPr lang="fr-FR" dirty="0" err="1" smtClean="0"/>
-              <a:t>Ebooks</a:t>
-            </a:r>
-            <a:endParaRPr lang="fr-FR" dirty="0" smtClean="0"/>
-          </a:p>
-          <a:p>
-            <a:pPr lvl="1"/>
-            <a:r>
-              <a:rPr lang="fr-FR" dirty="0" smtClean="0"/>
-              <a:t>Git </a:t>
-            </a:r>
-            <a:r>
-              <a:rPr lang="fr-FR" dirty="0" err="1" smtClean="0"/>
-              <a:t>Community</a:t>
-            </a:r>
-            <a:r>
-              <a:rPr lang="fr-FR" dirty="0" smtClean="0"/>
-              <a:t> book</a:t>
-            </a:r>
-          </a:p>
-          <a:p>
-            <a:pPr lvl="1"/>
-            <a:r>
-              <a:rPr lang="fr-FR" dirty="0" smtClean="0"/>
-              <a:t>Pro </a:t>
-            </a:r>
-            <a:r>
-              <a:rPr lang="fr-FR" dirty="0"/>
-              <a:t>Git - Scott </a:t>
-            </a:r>
-            <a:r>
-              <a:rPr lang="fr-FR" dirty="0" err="1" smtClean="0"/>
-              <a:t>Chacon</a:t>
-            </a:r>
-            <a:endParaRPr lang="fr-FR" dirty="0" smtClean="0"/>
-          </a:p>
-          <a:p>
-            <a:pPr lvl="1"/>
-            <a:r>
-              <a:rPr lang="fr-FR" dirty="0" smtClean="0"/>
-              <a:t>OReilly.Version.Control.With.Git.May.2009</a:t>
-            </a:r>
-          </a:p>
-        </p:txBody>
-      </p:sp>
-      <p:sp>
-        <p:nvSpPr>
-          <p:cNvPr id="4" name="Slide Number Placeholder 3"/>
-          <p:cNvSpPr>
-            <a:spLocks noGrp="1"/>
-          </p:cNvSpPr>
-          <p:nvPr>
-            <p:ph type="sldNum" sz="quarter" idx="12"/>
-          </p:nvPr>
-        </p:nvSpPr>
-        <p:spPr/>
-        <p:txBody>
-          <a:bodyPr/>
-          <a:lstStyle/>
-          <a:p>
-            <a:fld id="{B6F15528-21DE-4FAA-801E-634DDDAF4B2B}" type="slidenum">
-              <a:rPr lang="en-US" smtClean="0"/>
-              <a:pPr/>
-              <a:t>58</a:t>
             </a:fld>
             <a:endParaRPr lang="en-US"/>
           </a:p>
@@ -21565,10 +22531,6 @@
               <a:rPr lang="fr-FR" dirty="0" smtClean="0"/>
               <a:t> a server</a:t>
             </a:r>
-            <a:r>
-              <a:rPr lang="fr-FR" dirty="0" smtClean="0"/>
-              <a:t/>
-            </a:r>
             <a:br>
               <a:rPr lang="fr-FR" dirty="0" smtClean="0"/>
             </a:br>
@@ -21687,7 +22649,6 @@
               <a:rPr lang="fr-FR" dirty="0" smtClean="0"/>
               <a:t>John’s</a:t>
             </a:r>
-            <a:endParaRPr lang="fr-FR" dirty="0" smtClean="0"/>
           </a:p>
           <a:p>
             <a:pPr algn="ctr"/>
@@ -22339,7 +23300,6 @@
               <a:rPr lang="fr-FR" dirty="0" smtClean="0"/>
               <a:t>John’s</a:t>
             </a:r>
-            <a:endParaRPr lang="fr-FR" dirty="0" smtClean="0"/>
           </a:p>
           <a:p>
             <a:pPr algn="ctr"/>
